--- a/docs/pptx/Kalman and Bayesian Filters/02-g-h-filter.pptx
+++ b/docs/pptx/Kalman and Bayesian Filters/02-g-h-filter.pptx
@@ -5,14 +5,13 @@
     <p:sldMasterId id="2147483648" r:id="rId1"/>
   </p:sldMasterIdLst>
   <p:sldIdLst>
-    <p:sldId id="256" r:id="rId2"/>
-    <p:sldId id="257" r:id="rId3"/>
-    <p:sldId id="258" r:id="rId4"/>
-    <p:sldId id="259" r:id="rId5"/>
-    <p:sldId id="289" r:id="rId6"/>
-    <p:sldId id="261" r:id="rId7"/>
-    <p:sldId id="267" r:id="rId8"/>
-    <p:sldId id="313" r:id="rId9"/>
+    <p:sldId id="256" r:id="rId3"/>
+    <p:sldId id="257" r:id="rId4"/>
+    <p:sldId id="258" r:id="rId5"/>
+    <p:sldId id="259" r:id="rId6"/>
+    <p:sldId id="289" r:id="rId7"/>
+    <p:sldId id="261" r:id="rId8"/>
+    <p:sldId id="267" r:id="rId9"/>
     <p:sldId id="262" r:id="rId10"/>
     <p:sldId id="268" r:id="rId11"/>
     <p:sldId id="263" r:id="rId12"/>
@@ -132,11 +131,6 @@
       </a:defRPr>
     </a:lvl9pPr>
   </p:defaultTextStyle>
-  <p:extLst>
-    <p:ext uri="{EFAFB233-063F-42B5-8137-9DF3F51BA10A}">
-      <p15:sldGuideLst xmlns:p15="http://schemas.microsoft.com/office/powerpoint/2012/main"/>
-    </p:ext>
-  </p:extLst>
 </p:presentation>
 </file>
 
@@ -271,7 +265,6 @@
           <a:p>
             <a:fld id="{D997B5FA-0921-464F-AAE1-844C04324D75}" type="datetimeFigureOut">
               <a:rPr lang="zh-CN" altLang="en-US" smtClean="0"/>
-              <a:t>2022/3/13</a:t>
             </a:fld>
             <a:endParaRPr lang="zh-CN" altLang="en-US"/>
           </a:p>
@@ -313,7 +306,6 @@
           <a:p>
             <a:fld id="{565CE74E-AB26-4998-AD42-012C4C1AD076}" type="slidenum">
               <a:rPr lang="zh-CN" altLang="en-US" smtClean="0"/>
-              <a:t>‹#›</a:t>
             </a:fld>
             <a:endParaRPr lang="zh-CN" altLang="en-US"/>
           </a:p>
@@ -387,6 +379,7 @@
               <a:rPr lang="zh-CN" altLang="en-US" smtClean="0"/>
               <a:t>单击此处编辑母版文本样式</a:t>
             </a:r>
+            <a:endParaRPr lang="zh-CN" altLang="en-US" smtClean="0"/>
           </a:p>
           <a:p>
             <a:pPr lvl="1"/>
@@ -394,6 +387,7 @@
               <a:rPr lang="zh-CN" altLang="en-US" smtClean="0"/>
               <a:t>第二级</a:t>
             </a:r>
+            <a:endParaRPr lang="zh-CN" altLang="en-US" smtClean="0"/>
           </a:p>
           <a:p>
             <a:pPr lvl="2"/>
@@ -401,6 +395,7 @@
               <a:rPr lang="zh-CN" altLang="en-US" smtClean="0"/>
               <a:t>第三级</a:t>
             </a:r>
+            <a:endParaRPr lang="zh-CN" altLang="en-US" smtClean="0"/>
           </a:p>
           <a:p>
             <a:pPr lvl="3"/>
@@ -408,6 +403,7 @@
               <a:rPr lang="zh-CN" altLang="en-US" smtClean="0"/>
               <a:t>第四级</a:t>
             </a:r>
+            <a:endParaRPr lang="zh-CN" altLang="en-US" smtClean="0"/>
           </a:p>
           <a:p>
             <a:pPr lvl="4"/>
@@ -436,7 +432,6 @@
           <a:p>
             <a:fld id="{D997B5FA-0921-464F-AAE1-844C04324D75}" type="datetimeFigureOut">
               <a:rPr lang="zh-CN" altLang="en-US" smtClean="0"/>
-              <a:t>2022/3/13</a:t>
             </a:fld>
             <a:endParaRPr lang="zh-CN" altLang="en-US"/>
           </a:p>
@@ -478,7 +473,6 @@
           <a:p>
             <a:fld id="{565CE74E-AB26-4998-AD42-012C4C1AD076}" type="slidenum">
               <a:rPr lang="zh-CN" altLang="en-US" smtClean="0"/>
-              <a:t>‹#›</a:t>
             </a:fld>
             <a:endParaRPr lang="zh-CN" altLang="en-US"/>
           </a:p>
@@ -562,6 +556,7 @@
               <a:rPr lang="zh-CN" altLang="en-US" smtClean="0"/>
               <a:t>单击此处编辑母版文本样式</a:t>
             </a:r>
+            <a:endParaRPr lang="zh-CN" altLang="en-US" smtClean="0"/>
           </a:p>
           <a:p>
             <a:pPr lvl="1"/>
@@ -569,6 +564,7 @@
               <a:rPr lang="zh-CN" altLang="en-US" smtClean="0"/>
               <a:t>第二级</a:t>
             </a:r>
+            <a:endParaRPr lang="zh-CN" altLang="en-US" smtClean="0"/>
           </a:p>
           <a:p>
             <a:pPr lvl="2"/>
@@ -576,6 +572,7 @@
               <a:rPr lang="zh-CN" altLang="en-US" smtClean="0"/>
               <a:t>第三级</a:t>
             </a:r>
+            <a:endParaRPr lang="zh-CN" altLang="en-US" smtClean="0"/>
           </a:p>
           <a:p>
             <a:pPr lvl="3"/>
@@ -583,6 +580,7 @@
               <a:rPr lang="zh-CN" altLang="en-US" smtClean="0"/>
               <a:t>第四级</a:t>
             </a:r>
+            <a:endParaRPr lang="zh-CN" altLang="en-US" smtClean="0"/>
           </a:p>
           <a:p>
             <a:pPr lvl="4"/>
@@ -611,7 +609,6 @@
           <a:p>
             <a:fld id="{D997B5FA-0921-464F-AAE1-844C04324D75}" type="datetimeFigureOut">
               <a:rPr lang="zh-CN" altLang="en-US" smtClean="0"/>
-              <a:t>2022/3/13</a:t>
             </a:fld>
             <a:endParaRPr lang="zh-CN" altLang="en-US"/>
           </a:p>
@@ -653,7 +650,6 @@
           <a:p>
             <a:fld id="{565CE74E-AB26-4998-AD42-012C4C1AD076}" type="slidenum">
               <a:rPr lang="zh-CN" altLang="en-US" smtClean="0"/>
-              <a:t>‹#›</a:t>
             </a:fld>
             <a:endParaRPr lang="zh-CN" altLang="en-US"/>
           </a:p>
@@ -727,6 +723,7 @@
               <a:rPr lang="zh-CN" altLang="en-US" smtClean="0"/>
               <a:t>单击此处编辑母版文本样式</a:t>
             </a:r>
+            <a:endParaRPr lang="zh-CN" altLang="en-US" smtClean="0"/>
           </a:p>
           <a:p>
             <a:pPr lvl="1"/>
@@ -734,6 +731,7 @@
               <a:rPr lang="zh-CN" altLang="en-US" smtClean="0"/>
               <a:t>第二级</a:t>
             </a:r>
+            <a:endParaRPr lang="zh-CN" altLang="en-US" smtClean="0"/>
           </a:p>
           <a:p>
             <a:pPr lvl="2"/>
@@ -741,6 +739,7 @@
               <a:rPr lang="zh-CN" altLang="en-US" smtClean="0"/>
               <a:t>第三级</a:t>
             </a:r>
+            <a:endParaRPr lang="zh-CN" altLang="en-US" smtClean="0"/>
           </a:p>
           <a:p>
             <a:pPr lvl="3"/>
@@ -748,6 +747,7 @@
               <a:rPr lang="zh-CN" altLang="en-US" smtClean="0"/>
               <a:t>第四级</a:t>
             </a:r>
+            <a:endParaRPr lang="zh-CN" altLang="en-US" smtClean="0"/>
           </a:p>
           <a:p>
             <a:pPr lvl="4"/>
@@ -776,7 +776,6 @@
           <a:p>
             <a:fld id="{D997B5FA-0921-464F-AAE1-844C04324D75}" type="datetimeFigureOut">
               <a:rPr lang="zh-CN" altLang="en-US" smtClean="0"/>
-              <a:t>2022/3/13</a:t>
             </a:fld>
             <a:endParaRPr lang="zh-CN" altLang="en-US"/>
           </a:p>
@@ -818,7 +817,6 @@
           <a:p>
             <a:fld id="{565CE74E-AB26-4998-AD42-012C4C1AD076}" type="slidenum">
               <a:rPr lang="zh-CN" altLang="en-US" smtClean="0"/>
-              <a:t>‹#›</a:t>
             </a:fld>
             <a:endParaRPr lang="zh-CN" altLang="en-US"/>
           </a:p>
@@ -997,6 +995,7 @@
               <a:rPr lang="zh-CN" altLang="en-US" smtClean="0"/>
               <a:t>单击此处编辑母版文本样式</a:t>
             </a:r>
+            <a:endParaRPr lang="zh-CN" altLang="en-US" smtClean="0"/>
           </a:p>
         </p:txBody>
       </p:sp>
@@ -1017,7 +1016,6 @@
           <a:p>
             <a:fld id="{D997B5FA-0921-464F-AAE1-844C04324D75}" type="datetimeFigureOut">
               <a:rPr lang="zh-CN" altLang="en-US" smtClean="0"/>
-              <a:t>2022/3/13</a:t>
             </a:fld>
             <a:endParaRPr lang="zh-CN" altLang="en-US"/>
           </a:p>
@@ -1059,7 +1057,6 @@
           <a:p>
             <a:fld id="{565CE74E-AB26-4998-AD42-012C4C1AD076}" type="slidenum">
               <a:rPr lang="zh-CN" altLang="en-US" smtClean="0"/>
-              <a:t>‹#›</a:t>
             </a:fld>
             <a:endParaRPr lang="zh-CN" altLang="en-US"/>
           </a:p>
@@ -1138,6 +1135,7 @@
               <a:rPr lang="zh-CN" altLang="en-US" smtClean="0"/>
               <a:t>单击此处编辑母版文本样式</a:t>
             </a:r>
+            <a:endParaRPr lang="zh-CN" altLang="en-US" smtClean="0"/>
           </a:p>
           <a:p>
             <a:pPr lvl="1"/>
@@ -1145,6 +1143,7 @@
               <a:rPr lang="zh-CN" altLang="en-US" smtClean="0"/>
               <a:t>第二级</a:t>
             </a:r>
+            <a:endParaRPr lang="zh-CN" altLang="en-US" smtClean="0"/>
           </a:p>
           <a:p>
             <a:pPr lvl="2"/>
@@ -1152,6 +1151,7 @@
               <a:rPr lang="zh-CN" altLang="en-US" smtClean="0"/>
               <a:t>第三级</a:t>
             </a:r>
+            <a:endParaRPr lang="zh-CN" altLang="en-US" smtClean="0"/>
           </a:p>
           <a:p>
             <a:pPr lvl="3"/>
@@ -1159,6 +1159,7 @@
               <a:rPr lang="zh-CN" altLang="en-US" smtClean="0"/>
               <a:t>第四级</a:t>
             </a:r>
+            <a:endParaRPr lang="zh-CN" altLang="en-US" smtClean="0"/>
           </a:p>
           <a:p>
             <a:pPr lvl="4"/>
@@ -1195,6 +1196,7 @@
               <a:rPr lang="zh-CN" altLang="en-US" smtClean="0"/>
               <a:t>单击此处编辑母版文本样式</a:t>
             </a:r>
+            <a:endParaRPr lang="zh-CN" altLang="en-US" smtClean="0"/>
           </a:p>
           <a:p>
             <a:pPr lvl="1"/>
@@ -1202,6 +1204,7 @@
               <a:rPr lang="zh-CN" altLang="en-US" smtClean="0"/>
               <a:t>第二级</a:t>
             </a:r>
+            <a:endParaRPr lang="zh-CN" altLang="en-US" smtClean="0"/>
           </a:p>
           <a:p>
             <a:pPr lvl="2"/>
@@ -1209,6 +1212,7 @@
               <a:rPr lang="zh-CN" altLang="en-US" smtClean="0"/>
               <a:t>第三级</a:t>
             </a:r>
+            <a:endParaRPr lang="zh-CN" altLang="en-US" smtClean="0"/>
           </a:p>
           <a:p>
             <a:pPr lvl="3"/>
@@ -1216,6 +1220,7 @@
               <a:rPr lang="zh-CN" altLang="en-US" smtClean="0"/>
               <a:t>第四级</a:t>
             </a:r>
+            <a:endParaRPr lang="zh-CN" altLang="en-US" smtClean="0"/>
           </a:p>
           <a:p>
             <a:pPr lvl="4"/>
@@ -1244,7 +1249,6 @@
           <a:p>
             <a:fld id="{D997B5FA-0921-464F-AAE1-844C04324D75}" type="datetimeFigureOut">
               <a:rPr lang="zh-CN" altLang="en-US" smtClean="0"/>
-              <a:t>2022/3/13</a:t>
             </a:fld>
             <a:endParaRPr lang="zh-CN" altLang="en-US"/>
           </a:p>
@@ -1286,7 +1290,6 @@
           <a:p>
             <a:fld id="{565CE74E-AB26-4998-AD42-012C4C1AD076}" type="slidenum">
               <a:rPr lang="zh-CN" altLang="en-US" smtClean="0"/>
-              <a:t>‹#›</a:t>
             </a:fld>
             <a:endParaRPr lang="zh-CN" altLang="en-US"/>
           </a:p>
@@ -1407,6 +1410,7 @@
               <a:rPr lang="zh-CN" altLang="en-US" smtClean="0"/>
               <a:t>单击此处编辑母版文本样式</a:t>
             </a:r>
+            <a:endParaRPr lang="zh-CN" altLang="en-US" smtClean="0"/>
           </a:p>
         </p:txBody>
       </p:sp>
@@ -1435,6 +1439,7 @@
               <a:rPr lang="zh-CN" altLang="en-US" smtClean="0"/>
               <a:t>单击此处编辑母版文本样式</a:t>
             </a:r>
+            <a:endParaRPr lang="zh-CN" altLang="en-US" smtClean="0"/>
           </a:p>
           <a:p>
             <a:pPr lvl="1"/>
@@ -1442,6 +1447,7 @@
               <a:rPr lang="zh-CN" altLang="en-US" smtClean="0"/>
               <a:t>第二级</a:t>
             </a:r>
+            <a:endParaRPr lang="zh-CN" altLang="en-US" smtClean="0"/>
           </a:p>
           <a:p>
             <a:pPr lvl="2"/>
@@ -1449,6 +1455,7 @@
               <a:rPr lang="zh-CN" altLang="en-US" smtClean="0"/>
               <a:t>第三级</a:t>
             </a:r>
+            <a:endParaRPr lang="zh-CN" altLang="en-US" smtClean="0"/>
           </a:p>
           <a:p>
             <a:pPr lvl="3"/>
@@ -1456,6 +1463,7 @@
               <a:rPr lang="zh-CN" altLang="en-US" smtClean="0"/>
               <a:t>第四级</a:t>
             </a:r>
+            <a:endParaRPr lang="zh-CN" altLang="en-US" smtClean="0"/>
           </a:p>
           <a:p>
             <a:pPr lvl="4"/>
@@ -1529,6 +1537,7 @@
               <a:rPr lang="zh-CN" altLang="en-US" smtClean="0"/>
               <a:t>单击此处编辑母版文本样式</a:t>
             </a:r>
+            <a:endParaRPr lang="zh-CN" altLang="en-US" smtClean="0"/>
           </a:p>
         </p:txBody>
       </p:sp>
@@ -1557,6 +1566,7 @@
               <a:rPr lang="zh-CN" altLang="en-US" smtClean="0"/>
               <a:t>单击此处编辑母版文本样式</a:t>
             </a:r>
+            <a:endParaRPr lang="zh-CN" altLang="en-US" smtClean="0"/>
           </a:p>
           <a:p>
             <a:pPr lvl="1"/>
@@ -1564,6 +1574,7 @@
               <a:rPr lang="zh-CN" altLang="en-US" smtClean="0"/>
               <a:t>第二级</a:t>
             </a:r>
+            <a:endParaRPr lang="zh-CN" altLang="en-US" smtClean="0"/>
           </a:p>
           <a:p>
             <a:pPr lvl="2"/>
@@ -1571,6 +1582,7 @@
               <a:rPr lang="zh-CN" altLang="en-US" smtClean="0"/>
               <a:t>第三级</a:t>
             </a:r>
+            <a:endParaRPr lang="zh-CN" altLang="en-US" smtClean="0"/>
           </a:p>
           <a:p>
             <a:pPr lvl="3"/>
@@ -1578,6 +1590,7 @@
               <a:rPr lang="zh-CN" altLang="en-US" smtClean="0"/>
               <a:t>第四级</a:t>
             </a:r>
+            <a:endParaRPr lang="zh-CN" altLang="en-US" smtClean="0"/>
           </a:p>
           <a:p>
             <a:pPr lvl="4"/>
@@ -1606,7 +1619,6 @@
           <a:p>
             <a:fld id="{D997B5FA-0921-464F-AAE1-844C04324D75}" type="datetimeFigureOut">
               <a:rPr lang="zh-CN" altLang="en-US" smtClean="0"/>
-              <a:t>2022/3/13</a:t>
             </a:fld>
             <a:endParaRPr lang="zh-CN" altLang="en-US"/>
           </a:p>
@@ -1648,7 +1660,6 @@
           <a:p>
             <a:fld id="{565CE74E-AB26-4998-AD42-012C4C1AD076}" type="slidenum">
               <a:rPr lang="zh-CN" altLang="en-US" smtClean="0"/>
-              <a:t>‹#›</a:t>
             </a:fld>
             <a:endParaRPr lang="zh-CN" altLang="en-US"/>
           </a:p>
@@ -1719,7 +1730,6 @@
           <a:p>
             <a:fld id="{D997B5FA-0921-464F-AAE1-844C04324D75}" type="datetimeFigureOut">
               <a:rPr lang="zh-CN" altLang="en-US" smtClean="0"/>
-              <a:t>2022/3/13</a:t>
             </a:fld>
             <a:endParaRPr lang="zh-CN" altLang="en-US"/>
           </a:p>
@@ -1761,7 +1771,6 @@
           <a:p>
             <a:fld id="{565CE74E-AB26-4998-AD42-012C4C1AD076}" type="slidenum">
               <a:rPr lang="zh-CN" altLang="en-US" smtClean="0"/>
-              <a:t>‹#›</a:t>
             </a:fld>
             <a:endParaRPr lang="zh-CN" altLang="en-US"/>
           </a:p>
@@ -1809,7 +1818,6 @@
           <a:p>
             <a:fld id="{D997B5FA-0921-464F-AAE1-844C04324D75}" type="datetimeFigureOut">
               <a:rPr lang="zh-CN" altLang="en-US" smtClean="0"/>
-              <a:t>2022/3/13</a:t>
             </a:fld>
             <a:endParaRPr lang="zh-CN" altLang="en-US"/>
           </a:p>
@@ -1851,7 +1859,6 @@
           <a:p>
             <a:fld id="{565CE74E-AB26-4998-AD42-012C4C1AD076}" type="slidenum">
               <a:rPr lang="zh-CN" altLang="en-US" smtClean="0"/>
-              <a:t>‹#›</a:t>
             </a:fld>
             <a:endParaRPr lang="zh-CN" altLang="en-US"/>
           </a:p>
@@ -1967,6 +1974,7 @@
               <a:rPr lang="zh-CN" altLang="en-US" smtClean="0"/>
               <a:t>单击此处编辑母版文本样式</a:t>
             </a:r>
+            <a:endParaRPr lang="zh-CN" altLang="en-US" smtClean="0"/>
           </a:p>
           <a:p>
             <a:pPr lvl="1"/>
@@ -1974,6 +1982,7 @@
               <a:rPr lang="zh-CN" altLang="en-US" smtClean="0"/>
               <a:t>第二级</a:t>
             </a:r>
+            <a:endParaRPr lang="zh-CN" altLang="en-US" smtClean="0"/>
           </a:p>
           <a:p>
             <a:pPr lvl="2"/>
@@ -1981,6 +1990,7 @@
               <a:rPr lang="zh-CN" altLang="en-US" smtClean="0"/>
               <a:t>第三级</a:t>
             </a:r>
+            <a:endParaRPr lang="zh-CN" altLang="en-US" smtClean="0"/>
           </a:p>
           <a:p>
             <a:pPr lvl="3"/>
@@ -1988,6 +1998,7 @@
               <a:rPr lang="zh-CN" altLang="en-US" smtClean="0"/>
               <a:t>第四级</a:t>
             </a:r>
+            <a:endParaRPr lang="zh-CN" altLang="en-US" smtClean="0"/>
           </a:p>
           <a:p>
             <a:pPr lvl="4"/>
@@ -2061,6 +2072,7 @@
               <a:rPr lang="zh-CN" altLang="en-US" smtClean="0"/>
               <a:t>单击此处编辑母版文本样式</a:t>
             </a:r>
+            <a:endParaRPr lang="zh-CN" altLang="en-US" smtClean="0"/>
           </a:p>
         </p:txBody>
       </p:sp>
@@ -2081,7 +2093,6 @@
           <a:p>
             <a:fld id="{D997B5FA-0921-464F-AAE1-844C04324D75}" type="datetimeFigureOut">
               <a:rPr lang="zh-CN" altLang="en-US" smtClean="0"/>
-              <a:t>2022/3/13</a:t>
             </a:fld>
             <a:endParaRPr lang="zh-CN" altLang="en-US"/>
           </a:p>
@@ -2123,7 +2134,6 @@
           <a:p>
             <a:fld id="{565CE74E-AB26-4998-AD42-012C4C1AD076}" type="slidenum">
               <a:rPr lang="zh-CN" altLang="en-US" smtClean="0"/>
-              <a:t>‹#›</a:t>
             </a:fld>
             <a:endParaRPr lang="zh-CN" altLang="en-US"/>
           </a:p>
@@ -2309,6 +2319,7 @@
               <a:rPr lang="zh-CN" altLang="en-US" smtClean="0"/>
               <a:t>单击此处编辑母版文本样式</a:t>
             </a:r>
+            <a:endParaRPr lang="zh-CN" altLang="en-US" smtClean="0"/>
           </a:p>
         </p:txBody>
       </p:sp>
@@ -2329,7 +2340,6 @@
           <a:p>
             <a:fld id="{D997B5FA-0921-464F-AAE1-844C04324D75}" type="datetimeFigureOut">
               <a:rPr lang="zh-CN" altLang="en-US" smtClean="0"/>
-              <a:t>2022/3/13</a:t>
             </a:fld>
             <a:endParaRPr lang="zh-CN" altLang="en-US"/>
           </a:p>
@@ -2371,7 +2381,6 @@
           <a:p>
             <a:fld id="{565CE74E-AB26-4998-AD42-012C4C1AD076}" type="slidenum">
               <a:rPr lang="zh-CN" altLang="en-US" smtClean="0"/>
-              <a:t>‹#›</a:t>
             </a:fld>
             <a:endParaRPr lang="zh-CN" altLang="en-US"/>
           </a:p>
@@ -2470,6 +2479,7 @@
               <a:rPr lang="zh-CN" altLang="en-US" smtClean="0"/>
               <a:t>单击此处编辑母版文本样式</a:t>
             </a:r>
+            <a:endParaRPr lang="zh-CN" altLang="en-US" smtClean="0"/>
           </a:p>
           <a:p>
             <a:pPr lvl="1"/>
@@ -2477,6 +2487,7 @@
               <a:rPr lang="zh-CN" altLang="en-US" smtClean="0"/>
               <a:t>第二级</a:t>
             </a:r>
+            <a:endParaRPr lang="zh-CN" altLang="en-US" smtClean="0"/>
           </a:p>
           <a:p>
             <a:pPr lvl="2"/>
@@ -2484,6 +2495,7 @@
               <a:rPr lang="zh-CN" altLang="en-US" smtClean="0"/>
               <a:t>第三级</a:t>
             </a:r>
+            <a:endParaRPr lang="zh-CN" altLang="en-US" smtClean="0"/>
           </a:p>
           <a:p>
             <a:pPr lvl="3"/>
@@ -2491,6 +2503,7 @@
               <a:rPr lang="zh-CN" altLang="en-US" smtClean="0"/>
               <a:t>第四级</a:t>
             </a:r>
+            <a:endParaRPr lang="zh-CN" altLang="en-US" smtClean="0"/>
           </a:p>
           <a:p>
             <a:pPr lvl="4"/>
@@ -2537,7 +2550,6 @@
           <a:p>
             <a:fld id="{D997B5FA-0921-464F-AAE1-844C04324D75}" type="datetimeFigureOut">
               <a:rPr lang="zh-CN" altLang="en-US" smtClean="0"/>
-              <a:t>2022/3/13</a:t>
             </a:fld>
             <a:endParaRPr lang="zh-CN" altLang="en-US"/>
           </a:p>
@@ -2615,7 +2627,6 @@
           <a:p>
             <a:fld id="{565CE74E-AB26-4998-AD42-012C4C1AD076}" type="slidenum">
               <a:rPr lang="zh-CN" altLang="en-US" smtClean="0"/>
-              <a:t>‹#›</a:t>
             </a:fld>
             <a:endParaRPr lang="zh-CN" altLang="en-US"/>
           </a:p>
@@ -2665,7 +2676,7 @@
         <a:spcBef>
           <a:spcPts val="1000"/>
         </a:spcBef>
-        <a:buFont typeface="Arial" panose="020B0604020202020204" pitchFamily="34" charset="0"/>
+        <a:buFont typeface="Arial" panose="02080604020202020204" pitchFamily="34" charset="0"/>
         <a:buChar char="•"/>
         <a:defRPr sz="2800" kern="1200">
           <a:solidFill>
@@ -2683,7 +2694,7 @@
         <a:spcBef>
           <a:spcPts val="500"/>
         </a:spcBef>
-        <a:buFont typeface="Arial" panose="020B0604020202020204" pitchFamily="34" charset="0"/>
+        <a:buFont typeface="Arial" panose="02080604020202020204" pitchFamily="34" charset="0"/>
         <a:buChar char="•"/>
         <a:defRPr sz="2400" kern="1200">
           <a:solidFill>
@@ -2701,7 +2712,7 @@
         <a:spcBef>
           <a:spcPts val="500"/>
         </a:spcBef>
-        <a:buFont typeface="Arial" panose="020B0604020202020204" pitchFamily="34" charset="0"/>
+        <a:buFont typeface="Arial" panose="02080604020202020204" pitchFamily="34" charset="0"/>
         <a:buChar char="•"/>
         <a:defRPr sz="2000" kern="1200">
           <a:solidFill>
@@ -2719,7 +2730,7 @@
         <a:spcBef>
           <a:spcPts val="500"/>
         </a:spcBef>
-        <a:buFont typeface="Arial" panose="020B0604020202020204" pitchFamily="34" charset="0"/>
+        <a:buFont typeface="Arial" panose="02080604020202020204" pitchFamily="34" charset="0"/>
         <a:buChar char="•"/>
         <a:defRPr sz="1800" kern="1200">
           <a:solidFill>
@@ -2737,7 +2748,7 @@
         <a:spcBef>
           <a:spcPts val="500"/>
         </a:spcBef>
-        <a:buFont typeface="Arial" panose="020B0604020202020204" pitchFamily="34" charset="0"/>
+        <a:buFont typeface="Arial" panose="02080604020202020204" pitchFamily="34" charset="0"/>
         <a:buChar char="•"/>
         <a:defRPr sz="1800" kern="1200">
           <a:solidFill>
@@ -2755,7 +2766,7 @@
         <a:spcBef>
           <a:spcPts val="500"/>
         </a:spcBef>
-        <a:buFont typeface="Arial" panose="020B0604020202020204" pitchFamily="34" charset="0"/>
+        <a:buFont typeface="Arial" panose="02080604020202020204" pitchFamily="34" charset="0"/>
         <a:buChar char="•"/>
         <a:defRPr sz="1800" kern="1200">
           <a:solidFill>
@@ -2773,7 +2784,7 @@
         <a:spcBef>
           <a:spcPts val="500"/>
         </a:spcBef>
-        <a:buFont typeface="Arial" panose="020B0604020202020204" pitchFamily="34" charset="0"/>
+        <a:buFont typeface="Arial" panose="02080604020202020204" pitchFamily="34" charset="0"/>
         <a:buChar char="•"/>
         <a:defRPr sz="1800" kern="1200">
           <a:solidFill>
@@ -2791,7 +2802,7 @@
         <a:spcBef>
           <a:spcPts val="500"/>
         </a:spcBef>
-        <a:buFont typeface="Arial" panose="020B0604020202020204" pitchFamily="34" charset="0"/>
+        <a:buFont typeface="Arial" panose="02080604020202020204" pitchFamily="34" charset="0"/>
         <a:buChar char="•"/>
         <a:defRPr sz="1800" kern="1200">
           <a:solidFill>
@@ -2809,7 +2820,7 @@
         <a:spcBef>
           <a:spcPts val="500"/>
         </a:spcBef>
-        <a:buFont typeface="Arial" panose="020B0604020202020204" pitchFamily="34" charset="0"/>
+        <a:buFont typeface="Arial" panose="02080604020202020204" pitchFamily="34" charset="0"/>
         <a:buChar char="•"/>
         <a:defRPr sz="1800" kern="1200">
           <a:solidFill>
@@ -2946,9 +2957,9 @@
         <p:grpSpPr>
           <a:xfrm>
             <a:off x="0" y="935355"/>
-            <a:ext cx="12195810" cy="5751830"/>
+            <a:ext cx="12195810" cy="5729605"/>
             <a:chOff x="0" y="1445"/>
-            <a:chExt cx="19206" cy="9058"/>
+            <a:chExt cx="19206" cy="9023"/>
           </a:xfrm>
         </p:grpSpPr>
         <p:grpSp>
@@ -2973,8 +2984,8 @@
             </p:nvCxnSpPr>
             <p:spPr>
               <a:xfrm flipV="1">
-                <a:off x="0" y="2423"/>
-                <a:ext cx="3968" cy="7"/>
+                <a:off x="0" y="2422"/>
+                <a:ext cx="2800" cy="8"/>
               </a:xfrm>
               <a:prstGeom prst="line">
                 <a:avLst/>
@@ -3009,8 +3020,8 @@
             </p:nvSpPr>
             <p:spPr>
               <a:xfrm>
-                <a:off x="4113" y="1974"/>
-                <a:ext cx="10975" cy="919"/>
+                <a:off x="2941" y="2029"/>
+                <a:ext cx="13891" cy="919"/>
               </a:xfrm>
               <a:prstGeom prst="rect">
                 <a:avLst/>
@@ -3023,24 +3034,27 @@
               </a:bodyPr>
               <a:lstStyle/>
               <a:p>
-                <a:pPr algn="dist"/>
+                <a:pPr algn="l"/>
                 <a:r>
                   <a:rPr lang="zh-CN" altLang="en-US" sz="3200" b="1" i="1"/>
                   <a:t>Kalman-and-Bayesian-Filters-in-Python</a:t>
                 </a:r>
+                <a:endParaRPr lang="zh-CN" altLang="en-US" sz="3200" b="1" i="1"/>
               </a:p>
             </p:txBody>
           </p:sp>
           <p:cxnSp>
             <p:nvCxnSpPr>
               <p:cNvPr id="7" name="直接连接符 6"/>
-              <p:cNvCxnSpPr/>
+              <p:cNvCxnSpPr>
+                <a:stCxn id="13" idx="2"/>
+              </p:cNvCxnSpPr>
               <p:nvPr/>
             </p:nvCxnSpPr>
             <p:spPr>
               <a:xfrm flipV="1">
-                <a:off x="15238" y="2430"/>
-                <a:ext cx="3968" cy="7"/>
+                <a:off x="15898" y="2430"/>
+                <a:ext cx="3308" cy="58"/>
               </a:xfrm>
               <a:prstGeom prst="line">
                 <a:avLst/>
@@ -3082,7 +3096,7 @@
                 <a:avLst/>
               </a:prstGeom>
               <a:blipFill rotWithShape="1">
-                <a:blip r:embed="rId2"/>
+                <a:blip r:embed="rId1"/>
                 <a:stretch>
                   <a:fillRect/>
                 </a:stretch>
@@ -3125,10 +3139,10 @@
           </p:nvGrpSpPr>
           <p:grpSpPr>
             <a:xfrm>
-              <a:off x="4373" y="3278"/>
-              <a:ext cx="10384" cy="4349"/>
-              <a:chOff x="4373" y="3278"/>
-              <a:chExt cx="10384" cy="4349"/>
+              <a:off x="2800" y="3278"/>
+              <a:ext cx="11957" cy="4349"/>
+              <a:chOff x="2800" y="3278"/>
+              <a:chExt cx="11957" cy="4349"/>
             </a:xfrm>
           </p:grpSpPr>
           <p:pic>
@@ -3140,7 +3154,7 @@
               <p:nvPr/>
             </p:nvPicPr>
             <p:blipFill>
-              <a:blip r:embed="rId3"/>
+              <a:blip r:embed="rId2"/>
               <a:stretch>
                 <a:fillRect/>
               </a:stretch>
@@ -3163,8 +3177,8 @@
             </p:nvSpPr>
             <p:spPr>
               <a:xfrm>
-                <a:off x="4373" y="4479"/>
-                <a:ext cx="5883" cy="1307"/>
+                <a:off x="2800" y="4479"/>
+                <a:ext cx="8423" cy="1307"/>
               </a:xfrm>
               <a:prstGeom prst="rect">
                 <a:avLst/>
@@ -3179,8 +3193,17 @@
               <a:p>
                 <a:r>
                   <a:rPr lang="zh-CN" altLang="en-US" sz="4800" b="1"/>
-                  <a:t>The g-h Filter</a:t>
+                  <a:t>The g-h</a:t>
                 </a:r>
+                <a:r>
+                  <a:rPr lang="en-US" altLang="zh-CN" sz="4800" b="1"/>
+                  <a:t> </a:t>
+                </a:r>
+                <a:r>
+                  <a:rPr lang="zh-CN" altLang="en-US" sz="4800" b="1"/>
+                  <a:t>Filter</a:t>
+                </a:r>
+                <a:endParaRPr lang="zh-CN" altLang="en-US" sz="4800" b="1"/>
               </a:p>
             </p:txBody>
           </p:sp>
@@ -3268,10 +3291,16 @@
                     <a:solidFill>
                       <a:srgbClr val="00B050"/>
                     </a:solidFill>
-                    <a:hlinkClick r:id="rId4" action="ppaction://hlinkfile"/>
+                    <a:hlinkClick r:id="rId3" action="ppaction://hlinkfile"/>
                   </a:rPr>
                   <a:t>https://github.com/duyongquan/LTSLAM</a:t>
                 </a:r>
+                <a:endParaRPr lang="en-US" altLang="zh-CN" sz="2400" b="1">
+                  <a:solidFill>
+                    <a:srgbClr val="00B050"/>
+                  </a:solidFill>
+                  <a:hlinkClick r:id="rId3" action="ppaction://hlinkfile"/>
+                </a:endParaRPr>
               </a:p>
             </p:txBody>
           </p:sp>
@@ -3330,7 +3359,7 @@
               <p:nvPr/>
             </p:nvPicPr>
             <p:blipFill>
-              <a:blip r:embed="rId5"/>
+              <a:blip r:embed="rId4"/>
               <a:stretch>
                 <a:fillRect/>
               </a:stretch>
@@ -3354,10 +3383,10 @@
           </p:nvGrpSpPr>
           <p:grpSpPr>
             <a:xfrm>
-              <a:off x="13151" y="9355"/>
-              <a:ext cx="5503" cy="1148"/>
-              <a:chOff x="13151" y="9355"/>
-              <a:chExt cx="5503" cy="1148"/>
+              <a:off x="12478" y="9355"/>
+              <a:ext cx="6176" cy="1113"/>
+              <a:chOff x="12478" y="9355"/>
+              <a:chExt cx="6176" cy="1113"/>
             </a:xfrm>
           </p:grpSpPr>
           <p:sp>
@@ -3426,6 +3455,11 @@
                   </a:rPr>
                   <a:t>quandy2020@126.com</a:t>
                 </a:r>
+                <a:endParaRPr lang="en-US" altLang="zh-CN" sz="2000" b="1">
+                  <a:solidFill>
+                    <a:srgbClr val="801A24"/>
+                  </a:solidFill>
+                </a:endParaRPr>
               </a:p>
             </p:txBody>
           </p:sp>
@@ -3437,14 +3471,14 @@
             </p:nvSpPr>
             <p:spPr>
               <a:xfrm>
-                <a:off x="13151" y="9390"/>
+                <a:off x="12478" y="9355"/>
                 <a:ext cx="1169" cy="1113"/>
               </a:xfrm>
               <a:prstGeom prst="ellipse">
                 <a:avLst/>
               </a:prstGeom>
               <a:blipFill rotWithShape="1">
-                <a:blip r:embed="rId6"/>
+                <a:blip r:embed="rId5"/>
                 <a:stretch>
                   <a:fillRect/>
                 </a:stretch>
@@ -3505,991 +3539,6 @@
           <a:chExt cx="0" cy="0"/>
         </a:xfrm>
       </p:grpSpPr>
-      <p:grpSp>
-        <p:nvGrpSpPr>
-          <p:cNvPr id="6" name="组合 5"/>
-          <p:cNvGrpSpPr/>
-          <p:nvPr/>
-        </p:nvGrpSpPr>
-        <p:grpSpPr>
-          <a:xfrm>
-            <a:off x="-635" y="403860"/>
-            <a:ext cx="12176125" cy="817880"/>
-            <a:chOff x="-1" y="636"/>
-            <a:chExt cx="19175" cy="1288"/>
-          </a:xfrm>
-        </p:grpSpPr>
-        <p:cxnSp>
-          <p:nvCxnSpPr>
-            <p:cNvPr id="4" name="直接连接符 3"/>
-            <p:cNvCxnSpPr/>
-            <p:nvPr/>
-          </p:nvCxnSpPr>
-          <p:spPr>
-            <a:xfrm flipV="1">
-              <a:off x="15206" y="1231"/>
-              <a:ext cx="3968" cy="7"/>
-            </a:xfrm>
-            <a:prstGeom prst="line">
-              <a:avLst/>
-            </a:prstGeom>
-            <a:ln w="22225" cmpd="sng">
-              <a:solidFill>
-                <a:schemeClr val="bg2"/>
-              </a:solidFill>
-              <a:prstDash val="solid"/>
-            </a:ln>
-          </p:spPr>
-          <p:style>
-            <a:lnRef idx="1">
-              <a:schemeClr val="accent3"/>
-            </a:lnRef>
-            <a:fillRef idx="0">
-              <a:schemeClr val="accent3"/>
-            </a:fillRef>
-            <a:effectRef idx="0">
-              <a:schemeClr val="accent3"/>
-            </a:effectRef>
-            <a:fontRef idx="minor">
-              <a:schemeClr val="tx1"/>
-            </a:fontRef>
-          </p:style>
-        </p:cxnSp>
-        <p:grpSp>
-          <p:nvGrpSpPr>
-            <p:cNvPr id="8" name="组合 7"/>
-            <p:cNvGrpSpPr/>
-            <p:nvPr/>
-          </p:nvGrpSpPr>
-          <p:grpSpPr>
-            <a:xfrm>
-              <a:off x="-1" y="636"/>
-              <a:ext cx="7697" cy="1288"/>
-              <a:chOff x="-1" y="636"/>
-              <a:chExt cx="7697" cy="1288"/>
-            </a:xfrm>
-          </p:grpSpPr>
-          <p:cxnSp>
-            <p:nvCxnSpPr>
-              <p:cNvPr id="5" name="直接连接符 4"/>
-              <p:cNvCxnSpPr/>
-              <p:nvPr/>
-            </p:nvCxnSpPr>
-            <p:spPr>
-              <a:xfrm flipV="1">
-                <a:off x="-1" y="1238"/>
-                <a:ext cx="3968" cy="7"/>
-              </a:xfrm>
-              <a:prstGeom prst="line">
-                <a:avLst/>
-              </a:prstGeom>
-              <a:ln w="22225" cmpd="sng">
-                <a:solidFill>
-                  <a:schemeClr val="bg2"/>
-                </a:solidFill>
-                <a:prstDash val="solid"/>
-              </a:ln>
-            </p:spPr>
-            <p:style>
-              <a:lnRef idx="1">
-                <a:schemeClr val="accent3"/>
-              </a:lnRef>
-              <a:fillRef idx="0">
-                <a:schemeClr val="accent3"/>
-              </a:fillRef>
-              <a:effectRef idx="0">
-                <a:schemeClr val="accent3"/>
-              </a:effectRef>
-              <a:fontRef idx="minor">
-                <a:schemeClr val="tx1"/>
-              </a:fontRef>
-            </p:style>
-          </p:cxnSp>
-          <p:sp>
-            <p:nvSpPr>
-              <p:cNvPr id="11" name="椭圆 10"/>
-              <p:cNvSpPr/>
-              <p:nvPr/>
-            </p:nvSpPr>
-            <p:spPr>
-              <a:xfrm>
-                <a:off x="1315" y="636"/>
-                <a:ext cx="1336" cy="1288"/>
-              </a:xfrm>
-              <a:prstGeom prst="ellipse">
-                <a:avLst/>
-              </a:prstGeom>
-              <a:solidFill>
-                <a:srgbClr val="7030A0"/>
-              </a:solidFill>
-              <a:ln>
-                <a:noFill/>
-              </a:ln>
-            </p:spPr>
-            <p:style>
-              <a:lnRef idx="2">
-                <a:schemeClr val="accent1">
-                  <a:shade val="50000"/>
-                </a:schemeClr>
-              </a:lnRef>
-              <a:fillRef idx="1">
-                <a:schemeClr val="accent1"/>
-              </a:fillRef>
-              <a:effectRef idx="0">
-                <a:schemeClr val="accent1"/>
-              </a:effectRef>
-              <a:fontRef idx="minor">
-                <a:schemeClr val="lt1"/>
-              </a:fontRef>
-            </p:style>
-            <p:txBody>
-              <a:bodyPr rtlCol="0" anchor="ctr"/>
-              <a:lstStyle/>
-              <a:p>
-                <a:pPr algn="ctr"/>
-                <a:r>
-                  <a:rPr lang="en-US" altLang="zh-CN" sz="2800">
-                    <a:latin typeface="微软雅黑" panose="020B0503020204020204" charset="-122"/>
-                    <a:ea typeface="微软雅黑" panose="020B0503020204020204" charset="-122"/>
-                  </a:rPr>
-                  <a:t>10</a:t>
-                </a:r>
-              </a:p>
-            </p:txBody>
-          </p:sp>
-          <p:sp>
-            <p:nvSpPr>
-              <p:cNvPr id="7" name="文本框 6"/>
-              <p:cNvSpPr txBox="1"/>
-              <p:nvPr/>
-            </p:nvSpPr>
-            <p:spPr>
-              <a:xfrm>
-                <a:off x="4168" y="636"/>
-                <a:ext cx="3528" cy="1210"/>
-              </a:xfrm>
-              <a:prstGeom prst="rect">
-                <a:avLst/>
-              </a:prstGeom>
-              <a:noFill/>
-            </p:spPr>
-            <p:txBody>
-              <a:bodyPr wrap="none" rtlCol="0">
-                <a:spAutoFit/>
-              </a:bodyPr>
-              <a:lstStyle/>
-              <a:p>
-                <a:pPr algn="l"/>
-                <a:r>
-                  <a:rPr lang="en-US" altLang="zh-CN" sz="4400" b="1">
-                    <a:sym typeface="+mn-ea"/>
-                  </a:rPr>
-                  <a:t>Notation</a:t>
-                </a:r>
-                <a:endParaRPr lang="zh-CN" altLang="en-US" sz="4400" b="1">
-                  <a:sym typeface="+mn-ea"/>
-                </a:endParaRPr>
-              </a:p>
-            </p:txBody>
-          </p:sp>
-        </p:grpSp>
-      </p:grpSp>
-      <p:grpSp>
-        <p:nvGrpSpPr>
-          <p:cNvPr id="12" name="组合 11"/>
-          <p:cNvGrpSpPr/>
-          <p:nvPr/>
-        </p:nvGrpSpPr>
-        <p:grpSpPr>
-          <a:xfrm>
-            <a:off x="1683385" y="1438910"/>
-            <a:ext cx="6790690" cy="460375"/>
-            <a:chOff x="2896" y="2388"/>
-            <a:chExt cx="10694" cy="725"/>
-          </a:xfrm>
-        </p:grpSpPr>
-        <p:sp>
-          <p:nvSpPr>
-            <p:cNvPr id="13" name="文本框 12"/>
-            <p:cNvSpPr txBox="1"/>
-            <p:nvPr/>
-          </p:nvSpPr>
-          <p:spPr>
-            <a:xfrm>
-              <a:off x="3648" y="2388"/>
-              <a:ext cx="9942" cy="725"/>
-            </a:xfrm>
-            <a:prstGeom prst="rect">
-              <a:avLst/>
-            </a:prstGeom>
-            <a:noFill/>
-          </p:spPr>
-          <p:txBody>
-            <a:bodyPr wrap="square" rtlCol="0" anchor="t">
-              <a:spAutoFit/>
-            </a:bodyPr>
-            <a:lstStyle/>
-            <a:p>
-              <a:r>
-                <a:rPr lang="zh-CN" altLang="en-US" sz="2400"/>
-                <a:t>Measurement</a:t>
-              </a:r>
-            </a:p>
-          </p:txBody>
-        </p:sp>
-        <p:grpSp>
-          <p:nvGrpSpPr>
-            <p:cNvPr id="14" name="组合 13"/>
-            <p:cNvGrpSpPr/>
-            <p:nvPr/>
-          </p:nvGrpSpPr>
-          <p:grpSpPr>
-            <a:xfrm>
-              <a:off x="2896" y="2495"/>
-              <a:ext cx="522" cy="510"/>
-              <a:chOff x="3085" y="2274"/>
-              <a:chExt cx="522" cy="510"/>
-            </a:xfrm>
-          </p:grpSpPr>
-          <p:sp>
-            <p:nvSpPr>
-              <p:cNvPr id="15" name="椭圆 14"/>
-              <p:cNvSpPr/>
-              <p:nvPr/>
-            </p:nvSpPr>
-            <p:spPr>
-              <a:xfrm>
-                <a:off x="3202" y="2387"/>
-                <a:ext cx="288" cy="286"/>
-              </a:xfrm>
-              <a:prstGeom prst="ellipse">
-                <a:avLst/>
-              </a:prstGeom>
-              <a:solidFill>
-                <a:srgbClr val="7030A0"/>
-              </a:solidFill>
-              <a:ln>
-                <a:noFill/>
-              </a:ln>
-            </p:spPr>
-            <p:style>
-              <a:lnRef idx="2">
-                <a:schemeClr val="accent1">
-                  <a:shade val="50000"/>
-                </a:schemeClr>
-              </a:lnRef>
-              <a:fillRef idx="1">
-                <a:schemeClr val="accent1"/>
-              </a:fillRef>
-              <a:effectRef idx="0">
-                <a:schemeClr val="accent1"/>
-              </a:effectRef>
-              <a:fontRef idx="minor">
-                <a:schemeClr val="lt1"/>
-              </a:fontRef>
-            </p:style>
-            <p:txBody>
-              <a:bodyPr rtlCol="0" anchor="ctr"/>
-              <a:lstStyle/>
-              <a:p>
-                <a:pPr algn="ctr"/>
-                <a:endParaRPr lang="zh-CN" altLang="en-US"/>
-              </a:p>
-            </p:txBody>
-          </p:sp>
-          <p:sp>
-            <p:nvSpPr>
-              <p:cNvPr id="16" name="椭圆 15"/>
-              <p:cNvSpPr/>
-              <p:nvPr/>
-            </p:nvSpPr>
-            <p:spPr>
-              <a:xfrm>
-                <a:off x="3085" y="2274"/>
-                <a:ext cx="523" cy="511"/>
-              </a:xfrm>
-              <a:prstGeom prst="ellipse">
-                <a:avLst/>
-              </a:prstGeom>
-              <a:noFill/>
-              <a:ln w="47625" cmpd="sng">
-                <a:solidFill>
-                  <a:srgbClr val="7030A0"/>
-                </a:solidFill>
-                <a:prstDash val="solid"/>
-              </a:ln>
-            </p:spPr>
-            <p:style>
-              <a:lnRef idx="2">
-                <a:schemeClr val="accent1">
-                  <a:shade val="50000"/>
-                </a:schemeClr>
-              </a:lnRef>
-              <a:fillRef idx="1">
-                <a:schemeClr val="accent1"/>
-              </a:fillRef>
-              <a:effectRef idx="0">
-                <a:schemeClr val="accent1"/>
-              </a:effectRef>
-              <a:fontRef idx="minor">
-                <a:schemeClr val="lt1"/>
-              </a:fontRef>
-            </p:style>
-            <p:txBody>
-              <a:bodyPr rtlCol="0" anchor="ctr"/>
-              <a:lstStyle/>
-              <a:p>
-                <a:pPr algn="ctr"/>
-                <a:endParaRPr lang="zh-CN" altLang="en-US"/>
-              </a:p>
-            </p:txBody>
-          </p:sp>
-        </p:grpSp>
-      </p:grpSp>
-      <p:grpSp>
-        <p:nvGrpSpPr>
-          <p:cNvPr id="34" name="组合 33"/>
-          <p:cNvGrpSpPr/>
-          <p:nvPr/>
-        </p:nvGrpSpPr>
-        <p:grpSpPr>
-          <a:xfrm>
-            <a:off x="2353945" y="2476500"/>
-            <a:ext cx="3874135" cy="368300"/>
-            <a:chOff x="3145" y="7989"/>
-            <a:chExt cx="6101" cy="580"/>
-          </a:xfrm>
-        </p:grpSpPr>
-        <p:sp>
-          <p:nvSpPr>
-            <p:cNvPr id="35" name="矩形 34"/>
-            <p:cNvSpPr/>
-            <p:nvPr/>
-          </p:nvSpPr>
-          <p:spPr>
-            <a:xfrm>
-              <a:off x="3145" y="8104"/>
-              <a:ext cx="354" cy="350"/>
-            </a:xfrm>
-            <a:prstGeom prst="rect">
-              <a:avLst/>
-            </a:prstGeom>
-            <a:solidFill>
-              <a:srgbClr val="FFC000"/>
-            </a:solidFill>
-            <a:ln>
-              <a:noFill/>
-            </a:ln>
-          </p:spPr>
-          <p:style>
-            <a:lnRef idx="2">
-              <a:schemeClr val="accent1">
-                <a:shade val="50000"/>
-              </a:schemeClr>
-            </a:lnRef>
-            <a:fillRef idx="1">
-              <a:schemeClr val="accent1"/>
-            </a:fillRef>
-            <a:effectRef idx="0">
-              <a:schemeClr val="accent1"/>
-            </a:effectRef>
-            <a:fontRef idx="minor">
-              <a:schemeClr val="lt1"/>
-            </a:fontRef>
-          </p:style>
-          <p:txBody>
-            <a:bodyPr rtlCol="0" anchor="ctr"/>
-            <a:lstStyle/>
-            <a:p>
-              <a:pPr algn="ctr"/>
-              <a:endParaRPr lang="zh-CN" altLang="en-US"/>
-            </a:p>
-          </p:txBody>
-        </p:sp>
-        <p:sp>
-          <p:nvSpPr>
-            <p:cNvPr id="36" name="文本框 35"/>
-            <p:cNvSpPr txBox="1"/>
-            <p:nvPr/>
-          </p:nvSpPr>
-          <p:spPr>
-            <a:xfrm>
-              <a:off x="3635" y="7989"/>
-              <a:ext cx="5611" cy="580"/>
-            </a:xfrm>
-            <a:prstGeom prst="rect">
-              <a:avLst/>
-            </a:prstGeom>
-            <a:noFill/>
-          </p:spPr>
-          <p:txBody>
-            <a:bodyPr wrap="none" rtlCol="0" anchor="t">
-              <a:spAutoFit/>
-            </a:bodyPr>
-            <a:lstStyle/>
-            <a:p>
-              <a:pPr algn="l"/>
-              <a:r>
-                <a:rPr lang="en-US" altLang="zh-CN">
-                  <a:sym typeface="+mn-ea"/>
-                </a:rPr>
-                <a:t>    </a:t>
-              </a:r>
-              <a:r>
-                <a:rPr lang="zh-CN" altLang="en-US">
-                  <a:sym typeface="+mn-ea"/>
-                </a:rPr>
-                <a:t>Subscript k indicates the time step</a:t>
-              </a:r>
-            </a:p>
-          </p:txBody>
-        </p:sp>
-      </p:grpSp>
-      <p:grpSp>
-        <p:nvGrpSpPr>
-          <p:cNvPr id="31" name="组合 30"/>
-          <p:cNvGrpSpPr/>
-          <p:nvPr/>
-        </p:nvGrpSpPr>
-        <p:grpSpPr>
-          <a:xfrm>
-            <a:off x="2353945" y="2002155"/>
-            <a:ext cx="3771265" cy="368300"/>
-            <a:chOff x="3145" y="7989"/>
-            <a:chExt cx="5939" cy="580"/>
-          </a:xfrm>
-        </p:grpSpPr>
-        <p:sp>
-          <p:nvSpPr>
-            <p:cNvPr id="32" name="矩形 31"/>
-            <p:cNvSpPr/>
-            <p:nvPr/>
-          </p:nvSpPr>
-          <p:spPr>
-            <a:xfrm>
-              <a:off x="3145" y="8104"/>
-              <a:ext cx="354" cy="350"/>
-            </a:xfrm>
-            <a:prstGeom prst="rect">
-              <a:avLst/>
-            </a:prstGeom>
-            <a:solidFill>
-              <a:srgbClr val="FFC000"/>
-            </a:solidFill>
-            <a:ln>
-              <a:noFill/>
-            </a:ln>
-          </p:spPr>
-          <p:style>
-            <a:lnRef idx="2">
-              <a:schemeClr val="accent1">
-                <a:shade val="50000"/>
-              </a:schemeClr>
-            </a:lnRef>
-            <a:fillRef idx="1">
-              <a:schemeClr val="accent1"/>
-            </a:fillRef>
-            <a:effectRef idx="0">
-              <a:schemeClr val="accent1"/>
-            </a:effectRef>
-            <a:fontRef idx="minor">
-              <a:schemeClr val="lt1"/>
-            </a:fontRef>
-          </p:style>
-          <p:txBody>
-            <a:bodyPr rtlCol="0" anchor="ctr"/>
-            <a:lstStyle/>
-            <a:p>
-              <a:pPr algn="ctr"/>
-              <a:endParaRPr lang="zh-CN" altLang="en-US"/>
-            </a:p>
-          </p:txBody>
-        </p:sp>
-        <p:sp>
-          <p:nvSpPr>
-            <p:cNvPr id="33" name="文本框 32"/>
-            <p:cNvSpPr txBox="1"/>
-            <p:nvPr/>
-          </p:nvSpPr>
-          <p:spPr>
-            <a:xfrm>
-              <a:off x="3606" y="7989"/>
-              <a:ext cx="5478" cy="580"/>
-            </a:xfrm>
-            <a:prstGeom prst="rect">
-              <a:avLst/>
-            </a:prstGeom>
-            <a:noFill/>
-          </p:spPr>
-          <p:txBody>
-            <a:bodyPr wrap="none" rtlCol="0" anchor="t">
-              <a:spAutoFit/>
-            </a:bodyPr>
-            <a:lstStyle/>
-            <a:p>
-              <a:pPr algn="l"/>
-              <a:r>
-                <a:rPr lang="zh-CN" altLang="en-US">
-                  <a:sym typeface="+mn-ea"/>
-                </a:rPr>
-                <a:t>Measurement is typically denoted </a:t>
-              </a:r>
-              <a:r>
-                <a:rPr lang="zh-CN" altLang="en-US">
-                  <a:solidFill>
-                    <a:srgbClr val="FF0000"/>
-                  </a:solidFill>
-                  <a:sym typeface="+mn-ea"/>
-                </a:rPr>
-                <a:t>z</a:t>
-              </a:r>
-            </a:p>
-          </p:txBody>
-        </p:sp>
-      </p:grpSp>
-      <p:grpSp>
-        <p:nvGrpSpPr>
-          <p:cNvPr id="38" name="组合 37"/>
-          <p:cNvGrpSpPr/>
-          <p:nvPr/>
-        </p:nvGrpSpPr>
-        <p:grpSpPr>
-          <a:xfrm>
-            <a:off x="2353945" y="2928620"/>
-            <a:ext cx="4058285" cy="368300"/>
-            <a:chOff x="3145" y="7989"/>
-            <a:chExt cx="6391" cy="580"/>
-          </a:xfrm>
-        </p:grpSpPr>
-        <p:sp>
-          <p:nvSpPr>
-            <p:cNvPr id="39" name="矩形 38"/>
-            <p:cNvSpPr/>
-            <p:nvPr/>
-          </p:nvSpPr>
-          <p:spPr>
-            <a:xfrm>
-              <a:off x="3145" y="8104"/>
-              <a:ext cx="354" cy="350"/>
-            </a:xfrm>
-            <a:prstGeom prst="rect">
-              <a:avLst/>
-            </a:prstGeom>
-            <a:solidFill>
-              <a:srgbClr val="FFC000"/>
-            </a:solidFill>
-            <a:ln>
-              <a:noFill/>
-            </a:ln>
-          </p:spPr>
-          <p:style>
-            <a:lnRef idx="2">
-              <a:schemeClr val="accent1">
-                <a:shade val="50000"/>
-              </a:schemeClr>
-            </a:lnRef>
-            <a:fillRef idx="1">
-              <a:schemeClr val="accent1"/>
-            </a:fillRef>
-            <a:effectRef idx="0">
-              <a:schemeClr val="accent1"/>
-            </a:effectRef>
-            <a:fontRef idx="minor">
-              <a:schemeClr val="lt1"/>
-            </a:fontRef>
-          </p:style>
-          <p:txBody>
-            <a:bodyPr rtlCol="0" anchor="ctr"/>
-            <a:lstStyle/>
-            <a:p>
-              <a:pPr algn="ctr"/>
-              <a:endParaRPr lang="zh-CN" altLang="en-US"/>
-            </a:p>
-          </p:txBody>
-        </p:sp>
-        <p:sp>
-          <p:nvSpPr>
-            <p:cNvPr id="40" name="文本框 39"/>
-            <p:cNvSpPr txBox="1"/>
-            <p:nvPr/>
-          </p:nvSpPr>
-          <p:spPr>
-            <a:xfrm>
-              <a:off x="3606" y="7989"/>
-              <a:ext cx="5930" cy="580"/>
-            </a:xfrm>
-            <a:prstGeom prst="rect">
-              <a:avLst/>
-            </a:prstGeom>
-            <a:noFill/>
-          </p:spPr>
-          <p:txBody>
-            <a:bodyPr wrap="none" rtlCol="0" anchor="t">
-              <a:spAutoFit/>
-            </a:bodyPr>
-            <a:lstStyle/>
-            <a:p>
-              <a:pPr algn="l"/>
-              <a:r>
-                <a:rPr lang="zh-CN" altLang="en-US">
-                  <a:solidFill>
-                    <a:schemeClr val="accent6"/>
-                  </a:solidFill>
-                  <a:sym typeface="+mn-ea"/>
-                </a:rPr>
-                <a:t>A bold font denotes a </a:t>
-              </a:r>
-              <a:r>
-                <a:rPr lang="zh-CN" altLang="en-US">
-                  <a:solidFill>
-                    <a:srgbClr val="FF0000"/>
-                  </a:solidFill>
-                  <a:sym typeface="+mn-ea"/>
-                </a:rPr>
-                <a:t>vector</a:t>
-              </a:r>
-              <a:r>
-                <a:rPr lang="zh-CN" altLang="en-US">
-                  <a:solidFill>
-                    <a:schemeClr val="accent6"/>
-                  </a:solidFill>
-                  <a:sym typeface="+mn-ea"/>
-                </a:rPr>
-                <a:t> or matrix </a:t>
-              </a:r>
-              <a:endParaRPr lang="zh-CN" altLang="en-US">
-                <a:sym typeface="+mn-ea"/>
-              </a:endParaRPr>
-            </a:p>
-          </p:txBody>
-        </p:sp>
-      </p:grpSp>
-      <p:grpSp>
-        <p:nvGrpSpPr>
-          <p:cNvPr id="42" name="组合 41"/>
-          <p:cNvGrpSpPr/>
-          <p:nvPr/>
-        </p:nvGrpSpPr>
-        <p:grpSpPr>
-          <a:xfrm>
-            <a:off x="2353945" y="3374390"/>
-            <a:ext cx="1935480" cy="368300"/>
-            <a:chOff x="3145" y="7989"/>
-            <a:chExt cx="3048" cy="580"/>
-          </a:xfrm>
-        </p:grpSpPr>
-        <p:sp>
-          <p:nvSpPr>
-            <p:cNvPr id="43" name="矩形 42"/>
-            <p:cNvSpPr/>
-            <p:nvPr/>
-          </p:nvSpPr>
-          <p:spPr>
-            <a:xfrm>
-              <a:off x="3145" y="8104"/>
-              <a:ext cx="354" cy="350"/>
-            </a:xfrm>
-            <a:prstGeom prst="rect">
-              <a:avLst/>
-            </a:prstGeom>
-            <a:solidFill>
-              <a:srgbClr val="FFC000"/>
-            </a:solidFill>
-            <a:ln>
-              <a:noFill/>
-            </a:ln>
-          </p:spPr>
-          <p:style>
-            <a:lnRef idx="2">
-              <a:schemeClr val="accent1">
-                <a:shade val="50000"/>
-              </a:schemeClr>
-            </a:lnRef>
-            <a:fillRef idx="1">
-              <a:schemeClr val="accent1"/>
-            </a:fillRef>
-            <a:effectRef idx="0">
-              <a:schemeClr val="accent1"/>
-            </a:effectRef>
-            <a:fontRef idx="minor">
-              <a:schemeClr val="lt1"/>
-            </a:fontRef>
-          </p:style>
-          <p:txBody>
-            <a:bodyPr rtlCol="0" anchor="ctr"/>
-            <a:lstStyle/>
-            <a:p>
-              <a:pPr algn="ctr"/>
-              <a:endParaRPr lang="zh-CN" altLang="en-US"/>
-            </a:p>
-          </p:txBody>
-        </p:sp>
-        <p:sp>
-          <p:nvSpPr>
-            <p:cNvPr id="44" name="文本框 43"/>
-            <p:cNvSpPr txBox="1"/>
-            <p:nvPr/>
-          </p:nvSpPr>
-          <p:spPr>
-            <a:xfrm>
-              <a:off x="3606" y="7989"/>
-              <a:ext cx="2587" cy="580"/>
-            </a:xfrm>
-            <a:prstGeom prst="rect">
-              <a:avLst/>
-            </a:prstGeom>
-            <a:noFill/>
-          </p:spPr>
-          <p:txBody>
-            <a:bodyPr wrap="none" rtlCol="0" anchor="t">
-              <a:spAutoFit/>
-            </a:bodyPr>
-            <a:lstStyle/>
-            <a:p>
-              <a:pPr algn="l"/>
-              <a:r>
-                <a:rPr lang="zh-CN" altLang="en-US">
-                  <a:sym typeface="+mn-ea"/>
-                </a:rPr>
-                <a:t>x denotes state </a:t>
-              </a:r>
-            </a:p>
-          </p:txBody>
-        </p:sp>
-      </p:grpSp>
-      <p:graphicFrame>
-        <p:nvGraphicFramePr>
-          <p:cNvPr id="9" name="对象 8">
-            <a:hlinkClick r:id="" action="ppaction://ole?verb=0"/>
-          </p:cNvPr>
-          <p:cNvGraphicFramePr>
-            <a:graphicFrameLocks noChangeAspect="1"/>
-          </p:cNvGraphicFramePr>
-          <p:nvPr/>
-        </p:nvGraphicFramePr>
-        <p:xfrm>
-          <a:off x="2722880" y="2549525"/>
-          <a:ext cx="203200" cy="228600"/>
-        </p:xfrm>
-        <a:graphic>
-          <a:graphicData uri="http://schemas.openxmlformats.org/presentationml/2006/ole">
-            <mc:AlternateContent xmlns:mc="http://schemas.openxmlformats.org/markup-compatibility/2006">
-              <mc:Choice xmlns:v="urn:schemas-microsoft-com:vml" Requires="v">
-                <p:oleObj spid="_x0000_s1032" r:id="rId3" imgW="203200" imgH="228600" progId="Equation.KSEE3">
-                  <p:embed/>
-                </p:oleObj>
-              </mc:Choice>
-              <mc:Fallback>
-                <p:oleObj r:id="rId3" imgW="203200" imgH="228600" progId="Equation.KSEE3">
-                  <p:embed/>
-                  <p:pic>
-                    <p:nvPicPr>
-                      <p:cNvPr id="0" name="图片 1026"/>
-                      <p:cNvPicPr/>
-                      <p:nvPr/>
-                    </p:nvPicPr>
-                    <p:blipFill>
-                      <a:blip r:embed="rId4"/>
-                      <a:stretch>
-                        <a:fillRect/>
-                      </a:stretch>
-                    </p:blipFill>
-                    <p:spPr>
-                      <a:xfrm>
-                        <a:off x="2722880" y="2549525"/>
-                        <a:ext cx="203200" cy="228600"/>
-                      </a:xfrm>
-                      <a:prstGeom prst="rect">
-                        <a:avLst/>
-                      </a:prstGeom>
-                    </p:spPr>
-                  </p:pic>
-                </p:oleObj>
-              </mc:Fallback>
-            </mc:AlternateContent>
-          </a:graphicData>
-        </a:graphic>
-      </p:graphicFrame>
-      <p:grpSp>
-        <p:nvGrpSpPr>
-          <p:cNvPr id="27" name="组合 26"/>
-          <p:cNvGrpSpPr/>
-          <p:nvPr/>
-        </p:nvGrpSpPr>
-        <p:grpSpPr>
-          <a:xfrm>
-            <a:off x="1683385" y="3931920"/>
-            <a:ext cx="8422005" cy="829945"/>
-            <a:chOff x="2896" y="2388"/>
-            <a:chExt cx="13263" cy="1307"/>
-          </a:xfrm>
-        </p:grpSpPr>
-        <p:sp>
-          <p:nvSpPr>
-            <p:cNvPr id="28" name="文本框 27"/>
-            <p:cNvSpPr txBox="1"/>
-            <p:nvPr/>
-          </p:nvSpPr>
-          <p:spPr>
-            <a:xfrm>
-              <a:off x="3648" y="2388"/>
-              <a:ext cx="12511" cy="1307"/>
-            </a:xfrm>
-            <a:prstGeom prst="rect">
-              <a:avLst/>
-            </a:prstGeom>
-            <a:noFill/>
-          </p:spPr>
-          <p:txBody>
-            <a:bodyPr wrap="square" rtlCol="0" anchor="t">
-              <a:spAutoFit/>
-            </a:bodyPr>
-            <a:lstStyle/>
-            <a:p>
-              <a:r>
-                <a:rPr lang="zh-CN" altLang="en-US" sz="2400">
-                  <a:sym typeface="+mn-ea"/>
-                </a:rPr>
-                <a:t>For our scale example, it represents both the initial weight and initial weight gain rate, like so:</a:t>
-              </a:r>
-              <a:endParaRPr lang="zh-CN" altLang="en-US" sz="2400"/>
-            </a:p>
-          </p:txBody>
-        </p:sp>
-        <p:grpSp>
-          <p:nvGrpSpPr>
-            <p:cNvPr id="29" name="组合 28"/>
-            <p:cNvGrpSpPr/>
-            <p:nvPr/>
-          </p:nvGrpSpPr>
-          <p:grpSpPr>
-            <a:xfrm>
-              <a:off x="2896" y="2495"/>
-              <a:ext cx="522" cy="510"/>
-              <a:chOff x="3085" y="2274"/>
-              <a:chExt cx="522" cy="510"/>
-            </a:xfrm>
-          </p:grpSpPr>
-          <p:sp>
-            <p:nvSpPr>
-              <p:cNvPr id="30" name="椭圆 29"/>
-              <p:cNvSpPr/>
-              <p:nvPr/>
-            </p:nvSpPr>
-            <p:spPr>
-              <a:xfrm>
-                <a:off x="3202" y="2387"/>
-                <a:ext cx="288" cy="286"/>
-              </a:xfrm>
-              <a:prstGeom prst="ellipse">
-                <a:avLst/>
-              </a:prstGeom>
-              <a:solidFill>
-                <a:srgbClr val="7030A0"/>
-              </a:solidFill>
-              <a:ln>
-                <a:noFill/>
-              </a:ln>
-            </p:spPr>
-            <p:style>
-              <a:lnRef idx="2">
-                <a:schemeClr val="accent1">
-                  <a:shade val="50000"/>
-                </a:schemeClr>
-              </a:lnRef>
-              <a:fillRef idx="1">
-                <a:schemeClr val="accent1"/>
-              </a:fillRef>
-              <a:effectRef idx="0">
-                <a:schemeClr val="accent1"/>
-              </a:effectRef>
-              <a:fontRef idx="minor">
-                <a:schemeClr val="lt1"/>
-              </a:fontRef>
-            </p:style>
-            <p:txBody>
-              <a:bodyPr rtlCol="0" anchor="ctr"/>
-              <a:lstStyle/>
-              <a:p>
-                <a:pPr algn="ctr"/>
-                <a:endParaRPr lang="zh-CN" altLang="en-US"/>
-              </a:p>
-            </p:txBody>
-          </p:sp>
-          <p:sp>
-            <p:nvSpPr>
-              <p:cNvPr id="37" name="椭圆 36"/>
-              <p:cNvSpPr/>
-              <p:nvPr/>
-            </p:nvSpPr>
-            <p:spPr>
-              <a:xfrm>
-                <a:off x="3085" y="2274"/>
-                <a:ext cx="523" cy="511"/>
-              </a:xfrm>
-              <a:prstGeom prst="ellipse">
-                <a:avLst/>
-              </a:prstGeom>
-              <a:noFill/>
-              <a:ln w="47625" cmpd="sng">
-                <a:solidFill>
-                  <a:srgbClr val="7030A0"/>
-                </a:solidFill>
-                <a:prstDash val="solid"/>
-              </a:ln>
-            </p:spPr>
-            <p:style>
-              <a:lnRef idx="2">
-                <a:schemeClr val="accent1">
-                  <a:shade val="50000"/>
-                </a:schemeClr>
-              </a:lnRef>
-              <a:fillRef idx="1">
-                <a:schemeClr val="accent1"/>
-              </a:fillRef>
-              <a:effectRef idx="0">
-                <a:schemeClr val="accent1"/>
-              </a:effectRef>
-              <a:fontRef idx="minor">
-                <a:schemeClr val="lt1"/>
-              </a:fontRef>
-            </p:style>
-            <p:txBody>
-              <a:bodyPr rtlCol="0" anchor="ctr"/>
-              <a:lstStyle/>
-              <a:p>
-                <a:pPr algn="ctr"/>
-                <a:endParaRPr lang="zh-CN" altLang="en-US"/>
-              </a:p>
-            </p:txBody>
-          </p:sp>
-        </p:grpSp>
-      </p:grpSp>
-    </p:spTree>
-  </p:cSld>
-  <p:clrMapOvr>
-    <a:masterClrMapping/>
-  </p:clrMapOvr>
-</p:sld>
-</file>
-
-<file path=ppt/slides/slide11.xml><?xml version="1.0" encoding="utf-8"?>
-<p:sld xmlns:a="http://schemas.openxmlformats.org/drawingml/2006/main" xmlns:r="http://schemas.openxmlformats.org/officeDocument/2006/relationships" xmlns:p="http://schemas.openxmlformats.org/presentationml/2006/main">
-  <p:cSld>
-    <p:spTree>
-      <p:nvGrpSpPr>
-        <p:cNvPr id="1" name=""/>
-        <p:cNvGrpSpPr/>
-        <p:nvPr/>
-      </p:nvGrpSpPr>
-      <p:grpSpPr>
-        <a:xfrm>
-          <a:off x="0" y="0"/>
-          <a:ext cx="0" cy="0"/>
-          <a:chOff x="0" y="0"/>
-          <a:chExt cx="0" cy="0"/>
-        </a:xfrm>
-      </p:grpSpPr>
       <p:cxnSp>
         <p:nvCxnSpPr>
           <p:cNvPr id="4" name="直接连接符 3"/>
@@ -4555,6 +3604,9 @@
               </a:rPr>
               <a:t>Exercise: Write Generic </a:t>
             </a:r>
+            <a:endParaRPr lang="en-US" altLang="zh-CN" sz="5400" b="1">
+              <a:sym typeface="+mn-ea"/>
+            </a:endParaRPr>
           </a:p>
           <a:p>
             <a:pPr algn="l"/>
@@ -4634,6 +3686,9 @@
               </a:rPr>
               <a:t>练习：一般性算法</a:t>
             </a:r>
+            <a:endParaRPr lang="zh-CN" altLang="en-US" sz="5400" b="1">
+              <a:sym typeface="+mn-ea"/>
+            </a:endParaRPr>
           </a:p>
         </p:txBody>
       </p:sp>
@@ -4681,11 +3736,15 @@
             <a:pPr algn="ctr"/>
             <a:r>
               <a:rPr lang="en-US" altLang="zh-CN" sz="4800">
-                <a:latin typeface="微软雅黑" panose="020B0503020204020204" charset="-122"/>
-                <a:ea typeface="微软雅黑" panose="020B0503020204020204" charset="-122"/>
+                <a:latin typeface="Microsoft YaHei" panose="020B0503020204020204" charset="-122"/>
+                <a:ea typeface="Microsoft YaHei" panose="020B0503020204020204" charset="-122"/>
               </a:rPr>
               <a:t>9</a:t>
             </a:r>
+            <a:endParaRPr lang="en-US" altLang="zh-CN" sz="4800">
+              <a:latin typeface="Microsoft YaHei" panose="020B0503020204020204" charset="-122"/>
+              <a:ea typeface="Microsoft YaHei" panose="020B0503020204020204" charset="-122"/>
+            </a:endParaRPr>
           </a:p>
         </p:txBody>
       </p:sp>
@@ -4697,7 +3756,7 @@
 </p:sld>
 </file>
 
-<file path=ppt/slides/slide12.xml><?xml version="1.0" encoding="utf-8"?>
+<file path=ppt/slides/slide11.xml><?xml version="1.0" encoding="utf-8"?>
 <p:sld xmlns:a="http://schemas.openxmlformats.org/drawingml/2006/main" xmlns:r="http://schemas.openxmlformats.org/officeDocument/2006/relationships" xmlns:p="http://schemas.openxmlformats.org/presentationml/2006/main">
   <p:cSld>
     <p:spTree>
@@ -4855,11 +3914,15 @@
                 <a:pPr algn="ctr"/>
                 <a:r>
                   <a:rPr lang="en-US" altLang="zh-CN" sz="2800">
-                    <a:latin typeface="微软雅黑" panose="020B0503020204020204" charset="-122"/>
-                    <a:ea typeface="微软雅黑" panose="020B0503020204020204" charset="-122"/>
+                    <a:latin typeface="Microsoft YaHei" panose="020B0503020204020204" charset="-122"/>
+                    <a:ea typeface="Microsoft YaHei" panose="020B0503020204020204" charset="-122"/>
                   </a:rPr>
                   <a:t>10</a:t>
                 </a:r>
+                <a:endParaRPr lang="en-US" altLang="zh-CN" sz="2800">
+                  <a:latin typeface="Microsoft YaHei" panose="020B0503020204020204" charset="-122"/>
+                  <a:ea typeface="Microsoft YaHei" panose="020B0503020204020204" charset="-122"/>
+                </a:endParaRPr>
               </a:p>
             </p:txBody>
           </p:sp>
@@ -4892,6 +3955,9 @@
                   </a:rPr>
                   <a:t>PDF Version</a:t>
                 </a:r>
+                <a:endParaRPr lang="zh-CN" altLang="en-US" sz="4400" b="1">
+                  <a:sym typeface="+mn-ea"/>
+                </a:endParaRPr>
               </a:p>
             </p:txBody>
           </p:sp>
@@ -4937,6 +4003,7 @@
                 <a:rPr lang="en-US" altLang="zh-CN" sz="2400"/>
                 <a:t>PDF book</a:t>
               </a:r>
+              <a:endParaRPr lang="en-US" altLang="zh-CN" sz="2400"/>
             </a:p>
           </p:txBody>
         </p:sp>
@@ -5135,16 +4202,19 @@
               <a:r>
                 <a:rPr lang="zh-CN" altLang="en-US" sz="1400">
                   <a:sym typeface="+mn-ea"/>
-                  <a:hlinkClick r:id="rId2" action="ppaction://hlinkfile"/>
+                  <a:hlinkClick r:id="rId1" action="ppaction://hlinkfile"/>
                 </a:rPr>
                 <a:t>https://drive.google.com/file/d/0By_SW19c1BfhSVFzNHc0SjduNzg/view?resourcekey=0-41olC9ht9xE3wQe2zHZ45A</a:t>
               </a:r>
+              <a:endParaRPr lang="zh-CN" altLang="en-US" sz="1400">
+                <a:sym typeface="+mn-ea"/>
+              </a:endParaRPr>
             </a:p>
             <a:p>
               <a:pPr algn="l"/>
               <a:endParaRPr lang="zh-CN" altLang="en-US" sz="1400">
                 <a:sym typeface="+mn-ea"/>
-                <a:hlinkClick r:id="rId2" action="ppaction://hlinkfile"/>
+                <a:hlinkClick r:id="rId1" action="ppaction://hlinkfile"/>
               </a:endParaRPr>
             </a:p>
           </p:txBody>
@@ -5159,7 +4229,7 @@
           <p:nvPr/>
         </p:nvPicPr>
         <p:blipFill>
-          <a:blip r:embed="rId3"/>
+          <a:blip r:embed="rId2"/>
           <a:stretch>
             <a:fillRect/>
           </a:stretch>
@@ -5183,7 +4253,7 @@
           <p:nvPr/>
         </p:nvPicPr>
         <p:blipFill>
-          <a:blip r:embed="rId4"/>
+          <a:blip r:embed="rId3"/>
           <a:stretch>
             <a:fillRect/>
           </a:stretch>
@@ -5206,7 +4276,7 @@
 </p:sld>
 </file>
 
-<file path=ppt/slides/slide13.xml><?xml version="1.0" encoding="utf-8"?>
+<file path=ppt/slides/slide12.xml><?xml version="1.0" encoding="utf-8"?>
 <p:sld xmlns:a="http://schemas.openxmlformats.org/drawingml/2006/main" xmlns:r="http://schemas.openxmlformats.org/officeDocument/2006/relationships" xmlns:p="http://schemas.openxmlformats.org/presentationml/2006/main">
   <p:cSld>
     <p:spTree>
@@ -5288,6 +4358,9 @@
               </a:rPr>
               <a:t>Downloading and Running </a:t>
             </a:r>
+            <a:endParaRPr lang="zh-CN" altLang="en-US" sz="5400" b="1">
+              <a:sym typeface="+mn-ea"/>
+            </a:endParaRPr>
           </a:p>
           <a:p>
             <a:pPr algn="ctr"/>
@@ -5376,6 +4449,9 @@
               </a:rPr>
               <a:t>下载和运行</a:t>
             </a:r>
+            <a:endParaRPr lang="zh-CN" altLang="en-US" sz="5400" b="1">
+              <a:sym typeface="+mn-ea"/>
+            </a:endParaRPr>
           </a:p>
         </p:txBody>
       </p:sp>
@@ -5420,11 +4496,15 @@
             <a:pPr algn="ctr"/>
             <a:r>
               <a:rPr lang="en-US" altLang="zh-CN" sz="2800">
-                <a:latin typeface="微软雅黑" panose="020B0503020204020204" charset="-122"/>
-                <a:ea typeface="微软雅黑" panose="020B0503020204020204" charset="-122"/>
+                <a:latin typeface="Microsoft YaHei" panose="020B0503020204020204" charset="-122"/>
+                <a:ea typeface="Microsoft YaHei" panose="020B0503020204020204" charset="-122"/>
               </a:rPr>
               <a:t>11</a:t>
             </a:r>
+            <a:endParaRPr lang="en-US" altLang="zh-CN" sz="2800">
+              <a:latin typeface="Microsoft YaHei" panose="020B0503020204020204" charset="-122"/>
+              <a:ea typeface="Microsoft YaHei" panose="020B0503020204020204" charset="-122"/>
+            </a:endParaRPr>
           </a:p>
         </p:txBody>
       </p:sp>
@@ -5436,7 +4516,7 @@
 </p:sld>
 </file>
 
-<file path=ppt/slides/slide14.xml><?xml version="1.0" encoding="utf-8"?>
+<file path=ppt/slides/slide13.xml><?xml version="1.0" encoding="utf-8"?>
 <p:sld xmlns:a="http://schemas.openxmlformats.org/drawingml/2006/main" xmlns:r="http://schemas.openxmlformats.org/officeDocument/2006/relationships" xmlns:p="http://schemas.openxmlformats.org/presentationml/2006/main">
   <p:cSld>
     <p:spTree>
@@ -5596,11 +4676,15 @@
                 <a:pPr algn="ctr"/>
                 <a:r>
                   <a:rPr lang="en-US" altLang="zh-CN" sz="2800">
-                    <a:latin typeface="微软雅黑" panose="020B0503020204020204" charset="-122"/>
-                    <a:ea typeface="微软雅黑" panose="020B0503020204020204" charset="-122"/>
+                    <a:latin typeface="Microsoft YaHei" panose="020B0503020204020204" charset="-122"/>
+                    <a:ea typeface="Microsoft YaHei" panose="020B0503020204020204" charset="-122"/>
                   </a:rPr>
                   <a:t>12</a:t>
                 </a:r>
+                <a:endParaRPr lang="en-US" altLang="zh-CN" sz="2800">
+                  <a:latin typeface="Microsoft YaHei" panose="020B0503020204020204" charset="-122"/>
+                  <a:ea typeface="Microsoft YaHei" panose="020B0503020204020204" charset="-122"/>
+                </a:endParaRPr>
               </a:p>
             </p:txBody>
           </p:sp>
@@ -5633,6 +4717,9 @@
                   </a:rPr>
                   <a:t>Downloading and Running the Book</a:t>
                 </a:r>
+                <a:endParaRPr lang="zh-CN" altLang="en-US" sz="4400" b="1">
+                  <a:sym typeface="+mn-ea"/>
+                </a:endParaRPr>
               </a:p>
             </p:txBody>
           </p:sp>
@@ -5678,6 +4765,7 @@
                 <a:rPr lang="en-US" altLang="zh-CN" sz="2400"/>
                 <a:t>Installation</a:t>
               </a:r>
+              <a:endParaRPr lang="en-US" altLang="zh-CN" sz="2400"/>
             </a:p>
           </p:txBody>
         </p:sp>
@@ -5876,7 +4964,7 @@
               <a:r>
                 <a:rPr lang="zh-CN" altLang="en-US" sz="1400">
                   <a:sym typeface="+mn-ea"/>
-                  <a:hlinkClick r:id="rId2"/>
+                  <a:hlinkClick r:id="rId1"/>
                 </a:rPr>
                 <a:t>http://nbviewer.ipython.org/github/rlabbe/Kalman-and-Bayesian-Filters-in-Python/blob/master/Appendix-A-Installation.ipynb</a:t>
               </a:r>
@@ -5927,6 +5015,7 @@
               <a:rPr lang="en-US" altLang="zh-CN"/>
               <a:t>.</a:t>
             </a:r>
+            <a:endParaRPr lang="en-US" altLang="zh-CN"/>
           </a:p>
           <a:p>
             <a:r>
@@ -5937,6 +5026,7 @@
               <a:rPr lang="en-US" altLang="zh-CN"/>
               <a:t>.</a:t>
             </a:r>
+            <a:endParaRPr lang="en-US" altLang="zh-CN"/>
           </a:p>
           <a:p>
             <a:r>
@@ -5951,6 +5041,7 @@
               <a:rPr lang="zh-CN" altLang="en-US"/>
               <a:t>see how filters react to different data, see how different filters react to the same data, and so on</a:t>
             </a:r>
+            <a:endParaRPr lang="zh-CN" altLang="en-US"/>
           </a:p>
         </p:txBody>
       </p:sp>
@@ -6102,6 +5193,7 @@
                 <a:rPr lang="en-US" altLang="zh-CN" sz="2400"/>
                 <a:t>Introduce </a:t>
               </a:r>
+              <a:endParaRPr lang="en-US" altLang="zh-CN" sz="2400"/>
             </a:p>
           </p:txBody>
         </p:sp>
@@ -6114,7 +5206,7 @@
 </p:sld>
 </file>
 
-<file path=ppt/slides/slide15.xml><?xml version="1.0" encoding="utf-8"?>
+<file path=ppt/slides/slide14.xml><?xml version="1.0" encoding="utf-8"?>
 <p:sld xmlns:a="http://schemas.openxmlformats.org/drawingml/2006/main" xmlns:r="http://schemas.openxmlformats.org/officeDocument/2006/relationships" xmlns:p="http://schemas.openxmlformats.org/presentationml/2006/main">
   <p:cSld>
     <p:spTree>
@@ -6275,6 +5367,9 @@
               </a:rPr>
               <a:t>开发环境</a:t>
             </a:r>
+            <a:endParaRPr lang="zh-CN" altLang="en-US" sz="5400" b="1">
+              <a:sym typeface="+mn-ea"/>
+            </a:endParaRPr>
           </a:p>
         </p:txBody>
       </p:sp>
@@ -6319,11 +5414,15 @@
             <a:pPr algn="ctr"/>
             <a:r>
               <a:rPr lang="en-US" altLang="zh-CN" sz="2800">
-                <a:latin typeface="微软雅黑" panose="020B0503020204020204" charset="-122"/>
-                <a:ea typeface="微软雅黑" panose="020B0503020204020204" charset="-122"/>
+                <a:latin typeface="Microsoft YaHei" panose="020B0503020204020204" charset="-122"/>
+                <a:ea typeface="Microsoft YaHei" panose="020B0503020204020204" charset="-122"/>
               </a:rPr>
               <a:t>13</a:t>
             </a:r>
+            <a:endParaRPr lang="en-US" altLang="zh-CN" sz="2800">
+              <a:latin typeface="Microsoft YaHei" panose="020B0503020204020204" charset="-122"/>
+              <a:ea typeface="Microsoft YaHei" panose="020B0503020204020204" charset="-122"/>
+            </a:endParaRPr>
           </a:p>
         </p:txBody>
       </p:sp>
@@ -6335,7 +5434,7 @@
 </p:sld>
 </file>
 
-<file path=ppt/slides/slide16.xml><?xml version="1.0" encoding="utf-8"?>
+<file path=ppt/slides/slide15.xml><?xml version="1.0" encoding="utf-8"?>
 <p:sld xmlns:a="http://schemas.openxmlformats.org/drawingml/2006/main" xmlns:r="http://schemas.openxmlformats.org/officeDocument/2006/relationships" xmlns:p="http://schemas.openxmlformats.org/presentationml/2006/main">
   <p:cSld>
     <p:spTree>
@@ -6392,6 +5491,7 @@
                 <a:rPr lang="en-US" altLang="zh-CN" sz="2400"/>
                 <a:t>jupyter notebook</a:t>
               </a:r>
+              <a:endParaRPr lang="en-US" altLang="zh-CN" sz="2400"/>
             </a:p>
           </p:txBody>
         </p:sp>
@@ -6621,7 +5721,7 @@
           <p:nvPr/>
         </p:nvPicPr>
         <p:blipFill>
-          <a:blip r:embed="rId2"/>
+          <a:blip r:embed="rId1"/>
           <a:srcRect b="2746"/>
           <a:stretch>
             <a:fillRect/>
@@ -6778,11 +5878,15 @@
                 <a:pPr algn="ctr"/>
                 <a:r>
                   <a:rPr lang="en-US" altLang="zh-CN" sz="2800">
-                    <a:latin typeface="微软雅黑" panose="020B0503020204020204" charset="-122"/>
-                    <a:ea typeface="微软雅黑" panose="020B0503020204020204" charset="-122"/>
+                    <a:latin typeface="Microsoft YaHei" panose="020B0503020204020204" charset="-122"/>
+                    <a:ea typeface="Microsoft YaHei" panose="020B0503020204020204" charset="-122"/>
                   </a:rPr>
                   <a:t>14</a:t>
                 </a:r>
+                <a:endParaRPr lang="en-US" altLang="zh-CN" sz="2800">
+                  <a:latin typeface="Microsoft YaHei" panose="020B0503020204020204" charset="-122"/>
+                  <a:ea typeface="Microsoft YaHei" panose="020B0503020204020204" charset="-122"/>
+                </a:endParaRPr>
               </a:p>
             </p:txBody>
           </p:sp>
@@ -6815,6 +5919,9 @@
                   </a:rPr>
                   <a:t>Jupyter</a:t>
                 </a:r>
+                <a:endParaRPr lang="zh-CN" altLang="en-US" sz="4400" b="1">
+                  <a:sym typeface="+mn-ea"/>
+                </a:endParaRPr>
               </a:p>
             </p:txBody>
           </p:sp>
@@ -6828,7 +5935,7 @@
 </p:sld>
 </file>
 
-<file path=ppt/slides/slide17.xml><?xml version="1.0" encoding="utf-8"?>
+<file path=ppt/slides/slide16.xml><?xml version="1.0" encoding="utf-8"?>
 <p:sld xmlns:a="http://schemas.openxmlformats.org/drawingml/2006/main" xmlns:r="http://schemas.openxmlformats.org/officeDocument/2006/relationships" xmlns:p="http://schemas.openxmlformats.org/presentationml/2006/main">
   <p:cSld>
     <p:spTree>
@@ -6910,6 +6017,9 @@
               </a:rPr>
               <a:t>SciPy, NumPy, and Matplotlib</a:t>
             </a:r>
+            <a:endParaRPr lang="zh-CN" altLang="en-US" sz="5400" b="1">
+              <a:sym typeface="+mn-ea"/>
+            </a:endParaRPr>
           </a:p>
           <a:p>
             <a:endParaRPr lang="zh-CN" altLang="en-US" sz="5400" b="1">
@@ -6988,6 +6098,9 @@
               </a:rPr>
               <a:t>库</a:t>
             </a:r>
+            <a:endParaRPr lang="zh-CN" altLang="en-US" sz="5400" b="1">
+              <a:sym typeface="+mn-ea"/>
+            </a:endParaRPr>
           </a:p>
         </p:txBody>
       </p:sp>
@@ -7032,11 +6145,15 @@
             <a:pPr algn="ctr"/>
             <a:r>
               <a:rPr lang="en-US" altLang="zh-CN" sz="2800">
-                <a:latin typeface="微软雅黑" panose="020B0503020204020204" charset="-122"/>
-                <a:ea typeface="微软雅黑" panose="020B0503020204020204" charset="-122"/>
+                <a:latin typeface="Microsoft YaHei" panose="020B0503020204020204" charset="-122"/>
+                <a:ea typeface="Microsoft YaHei" panose="020B0503020204020204" charset="-122"/>
               </a:rPr>
               <a:t>15</a:t>
             </a:r>
+            <a:endParaRPr lang="en-US" altLang="zh-CN" sz="2800">
+              <a:latin typeface="Microsoft YaHei" panose="020B0503020204020204" charset="-122"/>
+              <a:ea typeface="Microsoft YaHei" panose="020B0503020204020204" charset="-122"/>
+            </a:endParaRPr>
           </a:p>
         </p:txBody>
       </p:sp>
@@ -7048,7 +6165,7 @@
 </p:sld>
 </file>
 
-<file path=ppt/slides/slide18.xml><?xml version="1.0" encoding="utf-8"?>
+<file path=ppt/slides/slide17.xml><?xml version="1.0" encoding="utf-8"?>
 <p:sld xmlns:a="http://schemas.openxmlformats.org/drawingml/2006/main" xmlns:r="http://schemas.openxmlformats.org/officeDocument/2006/relationships" xmlns:p="http://schemas.openxmlformats.org/presentationml/2006/main">
   <p:cSld>
     <p:spTree>
@@ -7206,11 +6323,15 @@
                 <a:pPr algn="ctr"/>
                 <a:r>
                   <a:rPr lang="en-US" altLang="zh-CN" sz="2800">
-                    <a:latin typeface="微软雅黑" panose="020B0503020204020204" charset="-122"/>
-                    <a:ea typeface="微软雅黑" panose="020B0503020204020204" charset="-122"/>
+                    <a:latin typeface="Microsoft YaHei" panose="020B0503020204020204" charset="-122"/>
+                    <a:ea typeface="Microsoft YaHei" panose="020B0503020204020204" charset="-122"/>
                   </a:rPr>
                   <a:t>16</a:t>
                 </a:r>
+                <a:endParaRPr lang="en-US" altLang="zh-CN" sz="2800">
+                  <a:latin typeface="Microsoft YaHei" panose="020B0503020204020204" charset="-122"/>
+                  <a:ea typeface="Microsoft YaHei" panose="020B0503020204020204" charset="-122"/>
+                </a:endParaRPr>
               </a:p>
             </p:txBody>
           </p:sp>
@@ -7243,6 +6364,9 @@
                   </a:rPr>
                   <a:t>SciPy, NumPy, and Matplotlib</a:t>
                 </a:r>
+                <a:endParaRPr lang="zh-CN" altLang="en-US" sz="4400" b="1">
+                  <a:sym typeface="+mn-ea"/>
+                </a:endParaRPr>
               </a:p>
             </p:txBody>
           </p:sp>
@@ -7588,6 +6712,9 @@
                 </a:rPr>
                 <a:t>linear algebra</a:t>
               </a:r>
+              <a:endParaRPr lang="zh-CN" altLang="en-US">
+                <a:sym typeface="+mn-ea"/>
+              </a:endParaRPr>
             </a:p>
           </p:txBody>
         </p:sp>
@@ -7681,6 +6808,9 @@
                 </a:rPr>
                 <a:t>random numbers</a:t>
               </a:r>
+              <a:endParaRPr lang="zh-CN" altLang="en-US">
+                <a:sym typeface="+mn-ea"/>
+              </a:endParaRPr>
             </a:p>
           </p:txBody>
         </p:sp>
@@ -8087,7 +7217,7 @@
               <a:r>
                 <a:rPr lang="zh-CN" altLang="en-US">
                   <a:sym typeface="+mn-ea"/>
-                  <a:hlinkClick r:id="rId2" action="ppaction://hlinkfile"/>
+                  <a:hlinkClick r:id="rId1" action="ppaction://hlinkfile"/>
                 </a:rPr>
                 <a:t>https://scipy.org/</a:t>
               </a:r>
@@ -8184,7 +7314,7 @@
               <a:r>
                 <a:rPr lang="zh-CN" altLang="en-US">
                   <a:sym typeface="+mn-ea"/>
-                  <a:hlinkClick r:id="rId3" action="ppaction://hlinkfile"/>
+                  <a:hlinkClick r:id="rId2" action="ppaction://hlinkfile"/>
                 </a:rPr>
                 <a:t>https://matplotlib.org/stable/tutorials/index</a:t>
               </a:r>
@@ -8204,7 +7334,7 @@
           <p:nvPr/>
         </p:nvPicPr>
         <p:blipFill>
-          <a:blip r:embed="rId4"/>
+          <a:blip r:embed="rId3"/>
           <a:stretch>
             <a:fillRect/>
           </a:stretch>
@@ -8227,7 +7357,7 @@
 </p:sld>
 </file>
 
-<file path=ppt/slides/slide19.xml><?xml version="1.0" encoding="utf-8"?>
+<file path=ppt/slides/slide18.xml><?xml version="1.0" encoding="utf-8"?>
 <p:sld xmlns:a="http://schemas.openxmlformats.org/drawingml/2006/main" xmlns:r="http://schemas.openxmlformats.org/officeDocument/2006/relationships" xmlns:p="http://schemas.openxmlformats.org/presentationml/2006/main">
   <p:cSld>
     <p:spTree>
@@ -8385,11 +7515,15 @@
                 <a:pPr algn="ctr"/>
                 <a:r>
                   <a:rPr lang="en-US" altLang="zh-CN" sz="2800">
-                    <a:latin typeface="微软雅黑" panose="020B0503020204020204" charset="-122"/>
-                    <a:ea typeface="微软雅黑" panose="020B0503020204020204" charset="-122"/>
+                    <a:latin typeface="Microsoft YaHei" panose="020B0503020204020204" charset="-122"/>
+                    <a:ea typeface="Microsoft YaHei" panose="020B0503020204020204" charset="-122"/>
                   </a:rPr>
                   <a:t>17</a:t>
                 </a:r>
+                <a:endParaRPr lang="en-US" altLang="zh-CN" sz="2800">
+                  <a:latin typeface="Microsoft YaHei" panose="020B0503020204020204" charset="-122"/>
+                  <a:ea typeface="Microsoft YaHei" panose="020B0503020204020204" charset="-122"/>
+                </a:endParaRPr>
               </a:p>
             </p:txBody>
           </p:sp>
@@ -8422,6 +7556,9 @@
                   </a:rPr>
                   <a:t>SciPy, NumPy, and Matplotlib</a:t>
                 </a:r>
+                <a:endParaRPr lang="zh-CN" altLang="en-US" sz="4400" b="1">
+                  <a:sym typeface="+mn-ea"/>
+                </a:endParaRPr>
               </a:p>
             </p:txBody>
           </p:sp>
@@ -8637,6 +7774,470 @@
           <p:nvPr/>
         </p:nvPicPr>
         <p:blipFill>
+          <a:blip r:embed="rId1"/>
+          <a:stretch>
+            <a:fillRect/>
+          </a:stretch>
+        </p:blipFill>
+        <p:spPr>
+          <a:xfrm>
+            <a:off x="3525520" y="2062480"/>
+            <a:ext cx="4466590" cy="2733040"/>
+          </a:xfrm>
+          <a:prstGeom prst="rect">
+            <a:avLst/>
+          </a:prstGeom>
+        </p:spPr>
+      </p:pic>
+    </p:spTree>
+  </p:cSld>
+  <p:clrMapOvr>
+    <a:masterClrMapping/>
+  </p:clrMapOvr>
+</p:sld>
+</file>
+
+<file path=ppt/slides/slide19.xml><?xml version="1.0" encoding="utf-8"?>
+<p:sld xmlns:a="http://schemas.openxmlformats.org/drawingml/2006/main" xmlns:r="http://schemas.openxmlformats.org/officeDocument/2006/relationships" xmlns:p="http://schemas.openxmlformats.org/presentationml/2006/main">
+  <p:cSld>
+    <p:spTree>
+      <p:nvGrpSpPr>
+        <p:cNvPr id="1" name=""/>
+        <p:cNvGrpSpPr/>
+        <p:nvPr/>
+      </p:nvGrpSpPr>
+      <p:grpSpPr>
+        <a:xfrm>
+          <a:off x="0" y="0"/>
+          <a:ext cx="0" cy="0"/>
+          <a:chOff x="0" y="0"/>
+          <a:chExt cx="0" cy="0"/>
+        </a:xfrm>
+      </p:grpSpPr>
+      <p:grpSp>
+        <p:nvGrpSpPr>
+          <p:cNvPr id="21" name="组合 20"/>
+          <p:cNvGrpSpPr/>
+          <p:nvPr/>
+        </p:nvGrpSpPr>
+        <p:grpSpPr>
+          <a:xfrm>
+            <a:off x="-635" y="403860"/>
+            <a:ext cx="12176125" cy="817880"/>
+            <a:chOff x="-1" y="636"/>
+            <a:chExt cx="19175" cy="1288"/>
+          </a:xfrm>
+        </p:grpSpPr>
+        <p:cxnSp>
+          <p:nvCxnSpPr>
+            <p:cNvPr id="22" name="直接连接符 21"/>
+            <p:cNvCxnSpPr/>
+            <p:nvPr/>
+          </p:nvCxnSpPr>
+          <p:spPr>
+            <a:xfrm flipV="1">
+              <a:off x="15206" y="1231"/>
+              <a:ext cx="3968" cy="7"/>
+            </a:xfrm>
+            <a:prstGeom prst="line">
+              <a:avLst/>
+            </a:prstGeom>
+            <a:ln w="22225" cmpd="sng">
+              <a:solidFill>
+                <a:schemeClr val="bg2"/>
+              </a:solidFill>
+              <a:prstDash val="solid"/>
+            </a:ln>
+          </p:spPr>
+          <p:style>
+            <a:lnRef idx="1">
+              <a:schemeClr val="accent3"/>
+            </a:lnRef>
+            <a:fillRef idx="0">
+              <a:schemeClr val="accent3"/>
+            </a:fillRef>
+            <a:effectRef idx="0">
+              <a:schemeClr val="accent3"/>
+            </a:effectRef>
+            <a:fontRef idx="minor">
+              <a:schemeClr val="tx1"/>
+            </a:fontRef>
+          </p:style>
+        </p:cxnSp>
+        <p:grpSp>
+          <p:nvGrpSpPr>
+            <p:cNvPr id="23" name="组合 22"/>
+            <p:cNvGrpSpPr/>
+            <p:nvPr/>
+          </p:nvGrpSpPr>
+          <p:grpSpPr>
+            <a:xfrm>
+              <a:off x="-1" y="636"/>
+              <a:ext cx="15197" cy="1288"/>
+              <a:chOff x="-1" y="636"/>
+              <a:chExt cx="15197" cy="1288"/>
+            </a:xfrm>
+          </p:grpSpPr>
+          <p:cxnSp>
+            <p:nvCxnSpPr>
+              <p:cNvPr id="24" name="直接连接符 23"/>
+              <p:cNvCxnSpPr/>
+              <p:nvPr/>
+            </p:nvCxnSpPr>
+            <p:spPr>
+              <a:xfrm flipV="1">
+                <a:off x="-1" y="1238"/>
+                <a:ext cx="3968" cy="7"/>
+              </a:xfrm>
+              <a:prstGeom prst="line">
+                <a:avLst/>
+              </a:prstGeom>
+              <a:ln w="22225" cmpd="sng">
+                <a:solidFill>
+                  <a:schemeClr val="bg2"/>
+                </a:solidFill>
+                <a:prstDash val="solid"/>
+              </a:ln>
+            </p:spPr>
+            <p:style>
+              <a:lnRef idx="1">
+                <a:schemeClr val="accent3"/>
+              </a:lnRef>
+              <a:fillRef idx="0">
+                <a:schemeClr val="accent3"/>
+              </a:fillRef>
+              <a:effectRef idx="0">
+                <a:schemeClr val="accent3"/>
+              </a:effectRef>
+              <a:fontRef idx="minor">
+                <a:schemeClr val="tx1"/>
+              </a:fontRef>
+            </p:style>
+          </p:cxnSp>
+          <p:sp>
+            <p:nvSpPr>
+              <p:cNvPr id="25" name="椭圆 24"/>
+              <p:cNvSpPr/>
+              <p:nvPr/>
+            </p:nvSpPr>
+            <p:spPr>
+              <a:xfrm>
+                <a:off x="1315" y="636"/>
+                <a:ext cx="1336" cy="1288"/>
+              </a:xfrm>
+              <a:prstGeom prst="ellipse">
+                <a:avLst/>
+              </a:prstGeom>
+              <a:solidFill>
+                <a:srgbClr val="00B050"/>
+              </a:solidFill>
+            </p:spPr>
+            <p:style>
+              <a:lnRef idx="2">
+                <a:schemeClr val="accent1">
+                  <a:shade val="50000"/>
+                </a:schemeClr>
+              </a:lnRef>
+              <a:fillRef idx="1">
+                <a:schemeClr val="accent1"/>
+              </a:fillRef>
+              <a:effectRef idx="0">
+                <a:schemeClr val="accent1"/>
+              </a:effectRef>
+              <a:fontRef idx="minor">
+                <a:schemeClr val="lt1"/>
+              </a:fontRef>
+            </p:style>
+            <p:txBody>
+              <a:bodyPr rtlCol="0" anchor="ctr"/>
+              <a:lstStyle/>
+              <a:p>
+                <a:pPr algn="ctr"/>
+                <a:r>
+                  <a:rPr lang="en-US" altLang="zh-CN" sz="2800">
+                    <a:latin typeface="Microsoft YaHei" panose="020B0503020204020204" charset="-122"/>
+                    <a:ea typeface="Microsoft YaHei" panose="020B0503020204020204" charset="-122"/>
+                  </a:rPr>
+                  <a:t>18</a:t>
+                </a:r>
+                <a:endParaRPr lang="en-US" altLang="zh-CN" sz="2800">
+                  <a:latin typeface="Microsoft YaHei" panose="020B0503020204020204" charset="-122"/>
+                  <a:ea typeface="Microsoft YaHei" panose="020B0503020204020204" charset="-122"/>
+                </a:endParaRPr>
+              </a:p>
+            </p:txBody>
+          </p:sp>
+          <p:sp>
+            <p:nvSpPr>
+              <p:cNvPr id="26" name="文本框 25"/>
+              <p:cNvSpPr txBox="1"/>
+              <p:nvPr/>
+            </p:nvSpPr>
+            <p:spPr>
+              <a:xfrm>
+                <a:off x="4168" y="636"/>
+                <a:ext cx="11028" cy="1210"/>
+              </a:xfrm>
+              <a:prstGeom prst="rect">
+                <a:avLst/>
+              </a:prstGeom>
+              <a:noFill/>
+            </p:spPr>
+            <p:txBody>
+              <a:bodyPr wrap="none" rtlCol="0">
+                <a:spAutoFit/>
+              </a:bodyPr>
+              <a:lstStyle/>
+              <a:p>
+                <a:pPr algn="l"/>
+                <a:r>
+                  <a:rPr lang="zh-CN" altLang="en-US" sz="4400" b="1">
+                    <a:sym typeface="+mn-ea"/>
+                  </a:rPr>
+                  <a:t>SciPy, NumPy, and Matplotlib</a:t>
+                </a:r>
+                <a:endParaRPr lang="zh-CN" altLang="en-US" sz="4400" b="1">
+                  <a:sym typeface="+mn-ea"/>
+                </a:endParaRPr>
+              </a:p>
+            </p:txBody>
+          </p:sp>
+        </p:grpSp>
+      </p:grpSp>
+      <p:grpSp>
+        <p:nvGrpSpPr>
+          <p:cNvPr id="14" name="组合 13"/>
+          <p:cNvGrpSpPr/>
+          <p:nvPr/>
+        </p:nvGrpSpPr>
+        <p:grpSpPr>
+          <a:xfrm>
+            <a:off x="1683385" y="1419225"/>
+            <a:ext cx="8305800" cy="460375"/>
+            <a:chOff x="2896" y="2388"/>
+            <a:chExt cx="13080" cy="725"/>
+          </a:xfrm>
+        </p:grpSpPr>
+        <p:sp>
+          <p:nvSpPr>
+            <p:cNvPr id="15" name="文本框 14"/>
+            <p:cNvSpPr txBox="1"/>
+            <p:nvPr/>
+          </p:nvSpPr>
+          <p:spPr>
+            <a:xfrm>
+              <a:off x="3648" y="2388"/>
+              <a:ext cx="12328" cy="725"/>
+            </a:xfrm>
+            <a:prstGeom prst="rect">
+              <a:avLst/>
+            </a:prstGeom>
+            <a:noFill/>
+          </p:spPr>
+          <p:txBody>
+            <a:bodyPr wrap="square" rtlCol="0" anchor="t">
+              <a:spAutoFit/>
+            </a:bodyPr>
+            <a:lstStyle/>
+            <a:p>
+              <a:r>
+                <a:rPr lang="zh-CN" altLang="en-US" sz="2400">
+                  <a:sym typeface="+mn-ea"/>
+                </a:rPr>
+                <a:t>numpy.array implements a one or more dimensional array</a:t>
+              </a:r>
+              <a:endParaRPr lang="en-US" altLang="zh-CN" sz="2400"/>
+            </a:p>
+          </p:txBody>
+        </p:sp>
+        <p:grpSp>
+          <p:nvGrpSpPr>
+            <p:cNvPr id="16" name="组合 15"/>
+            <p:cNvGrpSpPr/>
+            <p:nvPr/>
+          </p:nvGrpSpPr>
+          <p:grpSpPr>
+            <a:xfrm>
+              <a:off x="2896" y="2495"/>
+              <a:ext cx="522" cy="510"/>
+              <a:chOff x="3085" y="2274"/>
+              <a:chExt cx="522" cy="510"/>
+            </a:xfrm>
+          </p:grpSpPr>
+          <p:sp>
+            <p:nvSpPr>
+              <p:cNvPr id="17" name="椭圆 16"/>
+              <p:cNvSpPr/>
+              <p:nvPr/>
+            </p:nvSpPr>
+            <p:spPr>
+              <a:xfrm>
+                <a:off x="3202" y="2387"/>
+                <a:ext cx="288" cy="286"/>
+              </a:xfrm>
+              <a:prstGeom prst="ellipse">
+                <a:avLst/>
+              </a:prstGeom>
+              <a:solidFill>
+                <a:srgbClr val="00B050"/>
+              </a:solidFill>
+              <a:ln>
+                <a:noFill/>
+              </a:ln>
+            </p:spPr>
+            <p:style>
+              <a:lnRef idx="2">
+                <a:schemeClr val="accent1">
+                  <a:shade val="50000"/>
+                </a:schemeClr>
+              </a:lnRef>
+              <a:fillRef idx="1">
+                <a:schemeClr val="accent1"/>
+              </a:fillRef>
+              <a:effectRef idx="0">
+                <a:schemeClr val="accent1"/>
+              </a:effectRef>
+              <a:fontRef idx="minor">
+                <a:schemeClr val="lt1"/>
+              </a:fontRef>
+            </p:style>
+            <p:txBody>
+              <a:bodyPr rtlCol="0" anchor="ctr"/>
+              <a:lstStyle/>
+              <a:p>
+                <a:pPr algn="ctr"/>
+                <a:endParaRPr lang="zh-CN" altLang="en-US"/>
+              </a:p>
+            </p:txBody>
+          </p:sp>
+          <p:sp>
+            <p:nvSpPr>
+              <p:cNvPr id="18" name="椭圆 17"/>
+              <p:cNvSpPr/>
+              <p:nvPr/>
+            </p:nvSpPr>
+            <p:spPr>
+              <a:xfrm>
+                <a:off x="3085" y="2274"/>
+                <a:ext cx="523" cy="511"/>
+              </a:xfrm>
+              <a:prstGeom prst="ellipse">
+                <a:avLst/>
+              </a:prstGeom>
+              <a:noFill/>
+              <a:ln w="47625" cmpd="sng">
+                <a:solidFill>
+                  <a:srgbClr val="00B050"/>
+                </a:solidFill>
+                <a:prstDash val="solid"/>
+              </a:ln>
+            </p:spPr>
+            <p:style>
+              <a:lnRef idx="2">
+                <a:schemeClr val="accent1">
+                  <a:shade val="50000"/>
+                </a:schemeClr>
+              </a:lnRef>
+              <a:fillRef idx="1">
+                <a:schemeClr val="accent1"/>
+              </a:fillRef>
+              <a:effectRef idx="0">
+                <a:schemeClr val="accent1"/>
+              </a:effectRef>
+              <a:fontRef idx="minor">
+                <a:schemeClr val="lt1"/>
+              </a:fontRef>
+            </p:style>
+            <p:txBody>
+              <a:bodyPr rtlCol="0" anchor="ctr"/>
+              <a:lstStyle/>
+              <a:p>
+                <a:pPr algn="ctr"/>
+                <a:endParaRPr lang="zh-CN" altLang="en-US"/>
+              </a:p>
+            </p:txBody>
+          </p:sp>
+        </p:grpSp>
+      </p:grpSp>
+      <p:sp>
+        <p:nvSpPr>
+          <p:cNvPr id="35" name="矩形 34"/>
+          <p:cNvSpPr/>
+          <p:nvPr/>
+        </p:nvSpPr>
+        <p:spPr>
+          <a:xfrm>
+            <a:off x="2294255" y="2406015"/>
+            <a:ext cx="224790" cy="222250"/>
+          </a:xfrm>
+          <a:prstGeom prst="rect">
+            <a:avLst/>
+          </a:prstGeom>
+          <a:solidFill>
+            <a:srgbClr val="FFC000"/>
+          </a:solidFill>
+          <a:ln>
+            <a:noFill/>
+          </a:ln>
+        </p:spPr>
+        <p:style>
+          <a:lnRef idx="2">
+            <a:schemeClr val="accent1">
+              <a:shade val="50000"/>
+            </a:schemeClr>
+          </a:lnRef>
+          <a:fillRef idx="1">
+            <a:schemeClr val="accent1"/>
+          </a:fillRef>
+          <a:effectRef idx="0">
+            <a:schemeClr val="accent1"/>
+          </a:effectRef>
+          <a:fontRef idx="minor">
+            <a:schemeClr val="lt1"/>
+          </a:fontRef>
+        </p:style>
+        <p:txBody>
+          <a:bodyPr rtlCol="0" anchor="ctr"/>
+          <a:lstStyle/>
+          <a:p>
+            <a:pPr algn="ctr"/>
+            <a:endParaRPr lang="zh-CN" altLang="en-US"/>
+          </a:p>
+        </p:txBody>
+      </p:sp>
+      <p:pic>
+        <p:nvPicPr>
+          <p:cNvPr id="2" name="图片 1"/>
+          <p:cNvPicPr>
+            <a:picLocks noChangeAspect="1"/>
+          </p:cNvPicPr>
+          <p:nvPr/>
+        </p:nvPicPr>
+        <p:blipFill>
+          <a:blip r:embed="rId1"/>
+          <a:stretch>
+            <a:fillRect/>
+          </a:stretch>
+        </p:blipFill>
+        <p:spPr>
+          <a:xfrm>
+            <a:off x="2924175" y="2248535"/>
+            <a:ext cx="6447790" cy="1838325"/>
+          </a:xfrm>
+          <a:prstGeom prst="rect">
+            <a:avLst/>
+          </a:prstGeom>
+        </p:spPr>
+      </p:pic>
+      <p:pic>
+        <p:nvPicPr>
+          <p:cNvPr id="3" name="图片 2"/>
+          <p:cNvPicPr>
+            <a:picLocks noChangeAspect="1"/>
+          </p:cNvPicPr>
+          <p:nvPr/>
+        </p:nvPicPr>
+        <p:blipFill>
           <a:blip r:embed="rId2"/>
           <a:stretch>
             <a:fillRect/>
@@ -8644,14 +8245,60 @@
         </p:blipFill>
         <p:spPr>
           <a:xfrm>
-            <a:off x="3525520" y="2062480"/>
-            <a:ext cx="4466590" cy="2733040"/>
+            <a:off x="2924175" y="4330700"/>
+            <a:ext cx="4714240" cy="2038350"/>
           </a:xfrm>
           <a:prstGeom prst="rect">
             <a:avLst/>
           </a:prstGeom>
         </p:spPr>
       </p:pic>
+      <p:sp>
+        <p:nvSpPr>
+          <p:cNvPr id="4" name="矩形 3"/>
+          <p:cNvSpPr/>
+          <p:nvPr/>
+        </p:nvSpPr>
+        <p:spPr>
+          <a:xfrm>
+            <a:off x="2294255" y="4540250"/>
+            <a:ext cx="224790" cy="222250"/>
+          </a:xfrm>
+          <a:prstGeom prst="rect">
+            <a:avLst/>
+          </a:prstGeom>
+          <a:solidFill>
+            <a:srgbClr val="FFC000"/>
+          </a:solidFill>
+          <a:ln>
+            <a:noFill/>
+          </a:ln>
+        </p:spPr>
+        <p:style>
+          <a:lnRef idx="2">
+            <a:schemeClr val="accent1">
+              <a:shade val="50000"/>
+            </a:schemeClr>
+          </a:lnRef>
+          <a:fillRef idx="1">
+            <a:schemeClr val="accent1"/>
+          </a:fillRef>
+          <a:effectRef idx="0">
+            <a:schemeClr val="accent1"/>
+          </a:effectRef>
+          <a:fontRef idx="minor">
+            <a:schemeClr val="lt1"/>
+          </a:fontRef>
+        </p:style>
+        <p:txBody>
+          <a:bodyPr rtlCol="0" anchor="ctr"/>
+          <a:lstStyle/>
+          <a:p>
+            <a:pPr algn="ctr"/>
+            <a:endParaRPr lang="zh-CN" altLang="en-US"/>
+          </a:p>
+        </p:txBody>
+      </p:sp>
     </p:spTree>
   </p:cSld>
   <p:clrMapOvr>
@@ -8778,7 +8425,7 @@
               <a:avLst/>
             </a:prstGeom>
             <a:solidFill>
-              <a:srgbClr val="7030A0"/>
+              <a:srgbClr val="00B050"/>
             </a:solidFill>
             <a:ln>
               <a:noFill/>
@@ -8807,11 +8454,15 @@
               <a:pPr algn="ctr"/>
               <a:r>
                 <a:rPr lang="en-US" altLang="zh-CN" sz="4800" dirty="0">
-                  <a:latin typeface="微软雅黑" panose="020B0503020204020204" charset="-122"/>
-                  <a:ea typeface="微软雅黑" panose="020B0503020204020204" charset="-122"/>
+                  <a:latin typeface="Microsoft YaHei" panose="020B0503020204020204" charset="-122"/>
+                  <a:ea typeface="Microsoft YaHei" panose="020B0503020204020204" charset="-122"/>
                 </a:rPr>
                 <a:t>2</a:t>
               </a:r>
+              <a:endParaRPr lang="en-US" altLang="zh-CN" sz="4800" dirty="0">
+                <a:latin typeface="Microsoft YaHei" panose="020B0503020204020204" charset="-122"/>
+                <a:ea typeface="Microsoft YaHei" panose="020B0503020204020204" charset="-122"/>
+              </a:endParaRPr>
             </a:p>
           </p:txBody>
         </p:sp>
@@ -8841,6 +8492,7 @@
                 <a:rPr lang="en-US" altLang="zh-CN" sz="4400" b="1"/>
                 <a:t>Outline</a:t>
               </a:r>
+              <a:endParaRPr lang="en-US" altLang="zh-CN" sz="4400" b="1"/>
             </a:p>
           </p:txBody>
         </p:sp>
@@ -8854,9 +8506,9 @@
         <p:grpSpPr>
           <a:xfrm>
             <a:off x="1548765" y="1316990"/>
-            <a:ext cx="5951855" cy="460375"/>
+            <a:ext cx="5951855" cy="398780"/>
             <a:chOff x="2501" y="7053"/>
-            <a:chExt cx="9373" cy="725"/>
+            <a:chExt cx="9373" cy="628"/>
           </a:xfrm>
         </p:grpSpPr>
         <p:grpSp>
@@ -8888,7 +8540,7 @@
                 <a:avLst/>
               </a:prstGeom>
               <a:solidFill>
-                <a:srgbClr val="7030A0"/>
+                <a:srgbClr val="00B050"/>
               </a:solidFill>
               <a:ln>
                 <a:noFill/>
@@ -8936,7 +8588,7 @@
               <a:noFill/>
               <a:ln w="47625" cmpd="sng">
                 <a:solidFill>
-                  <a:srgbClr val="7030A0"/>
+                  <a:srgbClr val="00B050"/>
                 </a:solidFill>
                 <a:prstDash val="solid"/>
               </a:ln>
@@ -8976,7 +8628,7 @@
           <p:spPr>
             <a:xfrm>
               <a:off x="3237" y="7053"/>
-              <a:ext cx="8637" cy="725"/>
+              <a:ext cx="8637" cy="628"/>
             </a:xfrm>
             <a:prstGeom prst="rect">
               <a:avLst/>
@@ -8990,9 +8642,14 @@
             <a:lstStyle/>
             <a:p>
               <a:r>
-                <a:rPr lang="en-US" altLang="zh-CN" sz="2400"/>
-                <a:t>Building Intuition via Thought Experiments</a:t>
+                <a:rPr lang="en-US" altLang="zh-CN" sz="2000"/>
+                <a:t>Building Intuition via Thought </a:t>
               </a:r>
+              <a:r>
+                <a:rPr lang="en-US" altLang="zh-CN"/>
+                <a:t>Experiments</a:t>
+              </a:r>
+              <a:endParaRPr lang="en-US" altLang="zh-CN"/>
             </a:p>
           </p:txBody>
         </p:sp>
@@ -9006,9 +8663,9 @@
         <p:grpSpPr>
           <a:xfrm>
             <a:off x="1548765" y="1925955"/>
-            <a:ext cx="3007360" cy="460375"/>
+            <a:ext cx="3007360" cy="398780"/>
             <a:chOff x="2501" y="7053"/>
-            <a:chExt cx="4736" cy="725"/>
+            <a:chExt cx="4736" cy="628"/>
           </a:xfrm>
         </p:grpSpPr>
         <p:grpSp>
@@ -9040,10 +8697,12 @@
                 <a:avLst/>
               </a:prstGeom>
               <a:solidFill>
-                <a:srgbClr val="7030A0"/>
+                <a:srgbClr val="00B050"/>
               </a:solidFill>
               <a:ln>
-                <a:noFill/>
+                <a:solidFill>
+                  <a:srgbClr val="00B050"/>
+                </a:solidFill>
               </a:ln>
             </p:spPr>
             <p:style>
@@ -9088,7 +8747,7 @@
               <a:noFill/>
               <a:ln w="47625" cmpd="sng">
                 <a:solidFill>
-                  <a:srgbClr val="7030A0"/>
+                  <a:srgbClr val="00B050"/>
                 </a:solidFill>
                 <a:prstDash val="solid"/>
               </a:ln>
@@ -9128,7 +8787,7 @@
           <p:spPr>
             <a:xfrm>
               <a:off x="3237" y="7053"/>
-              <a:ext cx="4000" cy="725"/>
+              <a:ext cx="4000" cy="628"/>
             </a:xfrm>
             <a:prstGeom prst="rect">
               <a:avLst/>
@@ -9142,9 +8801,10 @@
             <a:lstStyle/>
             <a:p>
               <a:r>
-                <a:rPr lang="en-US" altLang="zh-CN" sz="2400"/>
+                <a:rPr lang="en-US" altLang="zh-CN" sz="2000"/>
                 <a:t>The g-h Filter</a:t>
               </a:r>
+              <a:endParaRPr lang="en-US" altLang="zh-CN" sz="2000"/>
             </a:p>
           </p:txBody>
         </p:sp>
@@ -9158,9 +8818,9 @@
         <p:grpSpPr>
           <a:xfrm>
             <a:off x="1548765" y="2534920"/>
-            <a:ext cx="3007360" cy="460375"/>
+            <a:ext cx="3007360" cy="398780"/>
             <a:chOff x="2501" y="7053"/>
-            <a:chExt cx="4736" cy="725"/>
+            <a:chExt cx="4736" cy="628"/>
           </a:xfrm>
         </p:grpSpPr>
         <p:grpSp>
@@ -9192,7 +8852,7 @@
                 <a:avLst/>
               </a:prstGeom>
               <a:solidFill>
-                <a:srgbClr val="7030A0"/>
+                <a:srgbClr val="00B050"/>
               </a:solidFill>
               <a:ln>
                 <a:noFill/>
@@ -9240,7 +8900,7 @@
               <a:noFill/>
               <a:ln w="47625" cmpd="sng">
                 <a:solidFill>
-                  <a:srgbClr val="7030A0"/>
+                  <a:srgbClr val="00B050"/>
                 </a:solidFill>
                 <a:prstDash val="solid"/>
               </a:ln>
@@ -9280,7 +8940,7 @@
           <p:spPr>
             <a:xfrm>
               <a:off x="3237" y="7053"/>
-              <a:ext cx="4000" cy="725"/>
+              <a:ext cx="4000" cy="628"/>
             </a:xfrm>
             <a:prstGeom prst="rect">
               <a:avLst/>
@@ -9294,9 +8954,10 @@
             <a:lstStyle/>
             <a:p>
               <a:r>
-                <a:rPr lang="en-US" altLang="zh-CN" sz="2400"/>
+                <a:rPr lang="en-US" altLang="zh-CN" sz="2000"/>
                 <a:t>Notation</a:t>
               </a:r>
+              <a:endParaRPr lang="en-US" altLang="zh-CN" sz="2000"/>
             </a:p>
           </p:txBody>
         </p:sp>
@@ -9449,6 +9110,7 @@
                 <a:rPr lang="en-US" altLang="zh-CN" sz="2400"/>
                 <a:t>Exercise: Write Generic Algorithm</a:t>
               </a:r>
+              <a:endParaRPr lang="en-US" altLang="zh-CN" sz="2400"/>
             </a:p>
           </p:txBody>
         </p:sp>
@@ -9601,6 +9263,7 @@
                 <a:rPr lang="en-US" altLang="zh-CN" sz="2400"/>
                 <a:t>Choice of g and h</a:t>
               </a:r>
+              <a:endParaRPr lang="en-US" altLang="zh-CN" sz="2400"/>
             </a:p>
           </p:txBody>
         </p:sp>
@@ -9753,6 +9416,7 @@
                 <a:rPr lang="en-US" altLang="zh-CN" sz="2400"/>
                 <a:t>Exercise: create measurement function</a:t>
               </a:r>
+              <a:endParaRPr lang="en-US" altLang="zh-CN" sz="2400"/>
             </a:p>
           </p:txBody>
         </p:sp>
@@ -9905,6 +9569,7 @@
                 <a:rPr lang="en-US" altLang="zh-CN" sz="2400"/>
                 <a:t>Exercise: Bad Initial Conditions</a:t>
               </a:r>
+              <a:endParaRPr lang="en-US" altLang="zh-CN" sz="2400"/>
             </a:p>
           </p:txBody>
         </p:sp>
@@ -10057,6 +9722,7 @@
                 <a:rPr lang="en-US" altLang="zh-CN" sz="2400"/>
                 <a:t>Exercise: Extreme Noise</a:t>
               </a:r>
+              <a:endParaRPr lang="en-US" altLang="zh-CN" sz="2400"/>
             </a:p>
           </p:txBody>
         </p:sp>
@@ -10209,6 +9875,7 @@
                 <a:rPr lang="en-US" altLang="zh-CN" sz="2400"/>
                 <a:t>Exercise: The Effect of Acceleration</a:t>
               </a:r>
+              <a:endParaRPr lang="en-US" altLang="zh-CN" sz="2400"/>
             </a:p>
           </p:txBody>
         </p:sp>
@@ -10361,6 +10028,7 @@
                 <a:rPr lang="en-US" altLang="zh-CN" sz="2400"/>
                 <a:t>Exercise: Varying g</a:t>
               </a:r>
+              <a:endParaRPr lang="en-US" altLang="zh-CN" sz="2400"/>
             </a:p>
           </p:txBody>
         </p:sp>
@@ -10513,6 +10181,7 @@
                 <a:rPr lang="en-US" altLang="zh-CN" sz="2400"/>
                 <a:t>Varying h</a:t>
               </a:r>
+              <a:endParaRPr lang="en-US" altLang="zh-CN" sz="2400"/>
             </a:p>
           </p:txBody>
         </p:sp>
@@ -10665,6 +10334,7 @@
                 <a:rPr lang="en-US" altLang="zh-CN" sz="2400"/>
                 <a:t>Interactive Example</a:t>
               </a:r>
+              <a:endParaRPr lang="en-US" altLang="zh-CN" sz="2400"/>
             </a:p>
           </p:txBody>
         </p:sp>
@@ -10817,6 +10487,7 @@
                 <a:rPr lang="en-US" altLang="zh-CN" sz="2400"/>
                 <a:t>Don’t Lie to the Filter</a:t>
               </a:r>
+              <a:endParaRPr lang="en-US" altLang="zh-CN" sz="2400"/>
             </a:p>
           </p:txBody>
         </p:sp>
@@ -11124,6 +10795,7 @@
                 <a:rPr lang="en-US" altLang="zh-CN" sz="2400"/>
                 <a:t>g-h Filters with FilterPy</a:t>
               </a:r>
+              <a:endParaRPr lang="en-US" altLang="zh-CN" sz="2400"/>
             </a:p>
           </p:txBody>
         </p:sp>
@@ -11276,6 +10948,7 @@
                 <a:rPr lang="en-US" altLang="zh-CN" sz="2400"/>
                 <a:t>Summary</a:t>
               </a:r>
+              <a:endParaRPr lang="en-US" altLang="zh-CN" sz="2400"/>
             </a:p>
           </p:txBody>
         </p:sp>
@@ -11446,11 +11119,15 @@
                 <a:pPr algn="ctr"/>
                 <a:r>
                   <a:rPr lang="en-US" altLang="zh-CN" sz="2800">
-                    <a:latin typeface="微软雅黑" panose="020B0503020204020204" charset="-122"/>
-                    <a:ea typeface="微软雅黑" panose="020B0503020204020204" charset="-122"/>
+                    <a:latin typeface="Microsoft YaHei" panose="020B0503020204020204" charset="-122"/>
+                    <a:ea typeface="Microsoft YaHei" panose="020B0503020204020204" charset="-122"/>
                   </a:rPr>
-                  <a:t>18</a:t>
+                  <a:t>19</a:t>
                 </a:r>
+                <a:endParaRPr lang="en-US" altLang="zh-CN" sz="2800">
+                  <a:latin typeface="Microsoft YaHei" panose="020B0503020204020204" charset="-122"/>
+                  <a:ea typeface="Microsoft YaHei" panose="020B0503020204020204" charset="-122"/>
+                </a:endParaRPr>
               </a:p>
             </p:txBody>
           </p:sp>
@@ -11483,6 +11160,9 @@
                   </a:rPr>
                   <a:t>SciPy, NumPy, and Matplotlib</a:t>
                 </a:r>
+                <a:endParaRPr lang="zh-CN" altLang="en-US" sz="4400" b="1">
+                  <a:sym typeface="+mn-ea"/>
+                </a:endParaRPr>
               </a:p>
             </p:txBody>
           </p:sp>
@@ -11651,7 +11331,53 @@
         </p:nvSpPr>
         <p:spPr>
           <a:xfrm>
-            <a:off x="2294255" y="2406015"/>
+            <a:off x="2294255" y="2242185"/>
+            <a:ext cx="224790" cy="222250"/>
+          </a:xfrm>
+          <a:prstGeom prst="rect">
+            <a:avLst/>
+          </a:prstGeom>
+          <a:solidFill>
+            <a:srgbClr val="FFC000"/>
+          </a:solidFill>
+          <a:ln>
+            <a:noFill/>
+          </a:ln>
+        </p:spPr>
+        <p:style>
+          <a:lnRef idx="2">
+            <a:schemeClr val="accent1">
+              <a:shade val="50000"/>
+            </a:schemeClr>
+          </a:lnRef>
+          <a:fillRef idx="1">
+            <a:schemeClr val="accent1"/>
+          </a:fillRef>
+          <a:effectRef idx="0">
+            <a:schemeClr val="accent1"/>
+          </a:effectRef>
+          <a:fontRef idx="minor">
+            <a:schemeClr val="lt1"/>
+          </a:fontRef>
+        </p:style>
+        <p:txBody>
+          <a:bodyPr rtlCol="0" anchor="ctr"/>
+          <a:lstStyle/>
+          <a:p>
+            <a:pPr algn="ctr"/>
+            <a:endParaRPr lang="zh-CN" altLang="en-US"/>
+          </a:p>
+        </p:txBody>
+      </p:sp>
+      <p:sp>
+        <p:nvSpPr>
+          <p:cNvPr id="4" name="矩形 3"/>
+          <p:cNvSpPr/>
+          <p:nvPr/>
+        </p:nvSpPr>
+        <p:spPr>
+          <a:xfrm>
+            <a:off x="2294255" y="4540250"/>
             <a:ext cx="224790" cy="222250"/>
           </a:xfrm>
           <a:prstGeom prst="rect">
@@ -11691,7 +11417,31 @@
       </p:sp>
       <p:pic>
         <p:nvPicPr>
-          <p:cNvPr id="2" name="图片 1"/>
+          <p:cNvPr id="5" name="图片 4"/>
+          <p:cNvPicPr>
+            <a:picLocks noChangeAspect="1"/>
+          </p:cNvPicPr>
+          <p:nvPr/>
+        </p:nvPicPr>
+        <p:blipFill>
+          <a:blip r:embed="rId1"/>
+          <a:stretch>
+            <a:fillRect/>
+          </a:stretch>
+        </p:blipFill>
+        <p:spPr>
+          <a:xfrm>
+            <a:off x="2853690" y="2120900"/>
+            <a:ext cx="7428865" cy="2114550"/>
+          </a:xfrm>
+          <a:prstGeom prst="rect">
+            <a:avLst/>
+          </a:prstGeom>
+        </p:spPr>
+      </p:pic>
+      <p:pic>
+        <p:nvPicPr>
+          <p:cNvPr id="6" name="图片 5"/>
           <p:cNvPicPr>
             <a:picLocks noChangeAspect="1"/>
           </p:cNvPicPr>
@@ -11705,84 +11455,14 @@
         </p:blipFill>
         <p:spPr>
           <a:xfrm>
-            <a:off x="2924175" y="2248535"/>
-            <a:ext cx="6447790" cy="1838325"/>
+            <a:off x="2853690" y="4540250"/>
+            <a:ext cx="5428615" cy="1533525"/>
           </a:xfrm>
           <a:prstGeom prst="rect">
             <a:avLst/>
           </a:prstGeom>
         </p:spPr>
       </p:pic>
-      <p:pic>
-        <p:nvPicPr>
-          <p:cNvPr id="3" name="图片 2"/>
-          <p:cNvPicPr>
-            <a:picLocks noChangeAspect="1"/>
-          </p:cNvPicPr>
-          <p:nvPr/>
-        </p:nvPicPr>
-        <p:blipFill>
-          <a:blip r:embed="rId3"/>
-          <a:stretch>
-            <a:fillRect/>
-          </a:stretch>
-        </p:blipFill>
-        <p:spPr>
-          <a:xfrm>
-            <a:off x="2924175" y="4330700"/>
-            <a:ext cx="4714240" cy="2038350"/>
-          </a:xfrm>
-          <a:prstGeom prst="rect">
-            <a:avLst/>
-          </a:prstGeom>
-        </p:spPr>
-      </p:pic>
-      <p:sp>
-        <p:nvSpPr>
-          <p:cNvPr id="4" name="矩形 3"/>
-          <p:cNvSpPr/>
-          <p:nvPr/>
-        </p:nvSpPr>
-        <p:spPr>
-          <a:xfrm>
-            <a:off x="2294255" y="4540250"/>
-            <a:ext cx="224790" cy="222250"/>
-          </a:xfrm>
-          <a:prstGeom prst="rect">
-            <a:avLst/>
-          </a:prstGeom>
-          <a:solidFill>
-            <a:srgbClr val="FFC000"/>
-          </a:solidFill>
-          <a:ln>
-            <a:noFill/>
-          </a:ln>
-        </p:spPr>
-        <p:style>
-          <a:lnRef idx="2">
-            <a:schemeClr val="accent1">
-              <a:shade val="50000"/>
-            </a:schemeClr>
-          </a:lnRef>
-          <a:fillRef idx="1">
-            <a:schemeClr val="accent1"/>
-          </a:fillRef>
-          <a:effectRef idx="0">
-            <a:schemeClr val="accent1"/>
-          </a:effectRef>
-          <a:fontRef idx="minor">
-            <a:schemeClr val="lt1"/>
-          </a:fontRef>
-        </p:style>
-        <p:txBody>
-          <a:bodyPr rtlCol="0" anchor="ctr"/>
-          <a:lstStyle/>
-          <a:p>
-            <a:pPr algn="ctr"/>
-            <a:endParaRPr lang="zh-CN" altLang="en-US"/>
-          </a:p>
-        </p:txBody>
-      </p:sp>
     </p:spTree>
   </p:cSld>
   <p:clrMapOvr>
@@ -11949,11 +11629,15 @@
                 <a:pPr algn="ctr"/>
                 <a:r>
                   <a:rPr lang="en-US" altLang="zh-CN" sz="2800">
-                    <a:latin typeface="微软雅黑" panose="020B0503020204020204" charset="-122"/>
-                    <a:ea typeface="微软雅黑" panose="020B0503020204020204" charset="-122"/>
+                    <a:latin typeface="Microsoft YaHei" panose="020B0503020204020204" charset="-122"/>
+                    <a:ea typeface="Microsoft YaHei" panose="020B0503020204020204" charset="-122"/>
                   </a:rPr>
-                  <a:t>19</a:t>
+                  <a:t>20</a:t>
                 </a:r>
+                <a:endParaRPr lang="en-US" altLang="zh-CN" sz="2800">
+                  <a:latin typeface="Microsoft YaHei" panose="020B0503020204020204" charset="-122"/>
+                  <a:ea typeface="Microsoft YaHei" panose="020B0503020204020204" charset="-122"/>
+                </a:endParaRPr>
               </a:p>
             </p:txBody>
           </p:sp>
@@ -11986,6 +11670,9 @@
                   </a:rPr>
                   <a:t>SciPy, NumPy, and Matplotlib</a:t>
                 </a:r>
+                <a:endParaRPr lang="zh-CN" altLang="en-US" sz="4400" b="1">
+                  <a:sym typeface="+mn-ea"/>
+                </a:endParaRPr>
               </a:p>
             </p:txBody>
           </p:sp>
@@ -12200,7 +11887,7 @@
         </p:nvSpPr>
         <p:spPr>
           <a:xfrm>
-            <a:off x="2294255" y="4540250"/>
+            <a:off x="2294255" y="4521200"/>
             <a:ext cx="224790" cy="222250"/>
           </a:xfrm>
           <a:prstGeom prst="rect">
@@ -12240,7 +11927,31 @@
       </p:sp>
       <p:pic>
         <p:nvPicPr>
-          <p:cNvPr id="5" name="图片 4"/>
+          <p:cNvPr id="3" name="图片 2"/>
+          <p:cNvPicPr>
+            <a:picLocks noChangeAspect="1"/>
+          </p:cNvPicPr>
+          <p:nvPr/>
+        </p:nvPicPr>
+        <p:blipFill>
+          <a:blip r:embed="rId1"/>
+          <a:stretch>
+            <a:fillRect/>
+          </a:stretch>
+        </p:blipFill>
+        <p:spPr>
+          <a:xfrm>
+            <a:off x="2646680" y="4317365"/>
+            <a:ext cx="5990590" cy="1485900"/>
+          </a:xfrm>
+          <a:prstGeom prst="rect">
+            <a:avLst/>
+          </a:prstGeom>
+        </p:spPr>
+      </p:pic>
+      <p:pic>
+        <p:nvPicPr>
+          <p:cNvPr id="7" name="图片 6"/>
           <p:cNvPicPr>
             <a:picLocks noChangeAspect="1"/>
           </p:cNvPicPr>
@@ -12254,32 +11965,8 @@
         </p:blipFill>
         <p:spPr>
           <a:xfrm>
-            <a:off x="2853690" y="2120900"/>
-            <a:ext cx="7428865" cy="2114550"/>
-          </a:xfrm>
-          <a:prstGeom prst="rect">
-            <a:avLst/>
-          </a:prstGeom>
-        </p:spPr>
-      </p:pic>
-      <p:pic>
-        <p:nvPicPr>
-          <p:cNvPr id="6" name="图片 5"/>
-          <p:cNvPicPr>
-            <a:picLocks noChangeAspect="1"/>
-          </p:cNvPicPr>
-          <p:nvPr/>
-        </p:nvPicPr>
-        <p:blipFill>
-          <a:blip r:embed="rId3"/>
-          <a:stretch>
-            <a:fillRect/>
-          </a:stretch>
-        </p:blipFill>
-        <p:spPr>
-          <a:xfrm>
-            <a:off x="2853690" y="4540250"/>
-            <a:ext cx="5428615" cy="1533525"/>
+            <a:off x="2827655" y="2056765"/>
+            <a:ext cx="9142095" cy="2082800"/>
           </a:xfrm>
           <a:prstGeom prst="rect">
             <a:avLst/>
@@ -12452,11 +12139,15 @@
                 <a:pPr algn="ctr"/>
                 <a:r>
                   <a:rPr lang="en-US" altLang="zh-CN" sz="2800">
-                    <a:latin typeface="微软雅黑" panose="020B0503020204020204" charset="-122"/>
-                    <a:ea typeface="微软雅黑" panose="020B0503020204020204" charset="-122"/>
+                    <a:latin typeface="Microsoft YaHei" panose="020B0503020204020204" charset="-122"/>
+                    <a:ea typeface="Microsoft YaHei" panose="020B0503020204020204" charset="-122"/>
                   </a:rPr>
-                  <a:t>20</a:t>
+                  <a:t>21</a:t>
                 </a:r>
+                <a:endParaRPr lang="en-US" altLang="zh-CN" sz="2800">
+                  <a:latin typeface="Microsoft YaHei" panose="020B0503020204020204" charset="-122"/>
+                  <a:ea typeface="Microsoft YaHei" panose="020B0503020204020204" charset="-122"/>
+                </a:endParaRPr>
               </a:p>
             </p:txBody>
           </p:sp>
@@ -12489,161 +12180,9 @@
                   </a:rPr>
                   <a:t>SciPy, NumPy, and Matplotlib</a:t>
                 </a:r>
-              </a:p>
-            </p:txBody>
-          </p:sp>
-        </p:grpSp>
-      </p:grpSp>
-      <p:grpSp>
-        <p:nvGrpSpPr>
-          <p:cNvPr id="14" name="组合 13"/>
-          <p:cNvGrpSpPr/>
-          <p:nvPr/>
-        </p:nvGrpSpPr>
-        <p:grpSpPr>
-          <a:xfrm>
-            <a:off x="1683385" y="1419225"/>
-            <a:ext cx="8305800" cy="460375"/>
-            <a:chOff x="2896" y="2388"/>
-            <a:chExt cx="13080" cy="725"/>
-          </a:xfrm>
-        </p:grpSpPr>
-        <p:sp>
-          <p:nvSpPr>
-            <p:cNvPr id="15" name="文本框 14"/>
-            <p:cNvSpPr txBox="1"/>
-            <p:nvPr/>
-          </p:nvSpPr>
-          <p:spPr>
-            <a:xfrm>
-              <a:off x="3648" y="2388"/>
-              <a:ext cx="12328" cy="725"/>
-            </a:xfrm>
-            <a:prstGeom prst="rect">
-              <a:avLst/>
-            </a:prstGeom>
-            <a:noFill/>
-          </p:spPr>
-          <p:txBody>
-            <a:bodyPr wrap="square" rtlCol="0" anchor="t">
-              <a:spAutoFit/>
-            </a:bodyPr>
-            <a:lstStyle/>
-            <a:p>
-              <a:r>
-                <a:rPr lang="zh-CN" altLang="en-US" sz="2400">
+                <a:endParaRPr lang="zh-CN" altLang="en-US" sz="4400" b="1">
                   <a:sym typeface="+mn-ea"/>
-                </a:rPr>
-                <a:t>numpy.array implements a one or more dimensional array</a:t>
-              </a:r>
-              <a:endParaRPr lang="en-US" altLang="zh-CN" sz="2400"/>
-            </a:p>
-          </p:txBody>
-        </p:sp>
-        <p:grpSp>
-          <p:nvGrpSpPr>
-            <p:cNvPr id="16" name="组合 15"/>
-            <p:cNvGrpSpPr/>
-            <p:nvPr/>
-          </p:nvGrpSpPr>
-          <p:grpSpPr>
-            <a:xfrm>
-              <a:off x="2896" y="2495"/>
-              <a:ext cx="522" cy="510"/>
-              <a:chOff x="3085" y="2274"/>
-              <a:chExt cx="522" cy="510"/>
-            </a:xfrm>
-          </p:grpSpPr>
-          <p:sp>
-            <p:nvSpPr>
-              <p:cNvPr id="17" name="椭圆 16"/>
-              <p:cNvSpPr/>
-              <p:nvPr/>
-            </p:nvSpPr>
-            <p:spPr>
-              <a:xfrm>
-                <a:off x="3202" y="2387"/>
-                <a:ext cx="288" cy="286"/>
-              </a:xfrm>
-              <a:prstGeom prst="ellipse">
-                <a:avLst/>
-              </a:prstGeom>
-              <a:solidFill>
-                <a:srgbClr val="00B050"/>
-              </a:solidFill>
-              <a:ln>
-                <a:noFill/>
-              </a:ln>
-            </p:spPr>
-            <p:style>
-              <a:lnRef idx="2">
-                <a:schemeClr val="accent1">
-                  <a:shade val="50000"/>
-                </a:schemeClr>
-              </a:lnRef>
-              <a:fillRef idx="1">
-                <a:schemeClr val="accent1"/>
-              </a:fillRef>
-              <a:effectRef idx="0">
-                <a:schemeClr val="accent1"/>
-              </a:effectRef>
-              <a:fontRef idx="minor">
-                <a:schemeClr val="lt1"/>
-              </a:fontRef>
-            </p:style>
-            <p:txBody>
-              <a:bodyPr rtlCol="0" anchor="ctr"/>
-              <a:lstStyle/>
-              <a:p>
-                <a:pPr algn="ctr"/>
-                <a:endParaRPr lang="zh-CN" altLang="en-US"/>
-              </a:p>
-            </p:txBody>
-          </p:sp>
-          <p:sp>
-            <p:nvSpPr>
-              <p:cNvPr id="18" name="椭圆 17"/>
-              <p:cNvSpPr/>
-              <p:nvPr/>
-            </p:nvSpPr>
-            <p:spPr>
-              <a:xfrm>
-                <a:off x="3085" y="2274"/>
-                <a:ext cx="523" cy="511"/>
-              </a:xfrm>
-              <a:prstGeom prst="ellipse">
-                <a:avLst/>
-              </a:prstGeom>
-              <a:noFill/>
-              <a:ln w="47625" cmpd="sng">
-                <a:solidFill>
-                  <a:srgbClr val="00B050"/>
-                </a:solidFill>
-                <a:prstDash val="solid"/>
-              </a:ln>
-            </p:spPr>
-            <p:style>
-              <a:lnRef idx="2">
-                <a:schemeClr val="accent1">
-                  <a:shade val="50000"/>
-                </a:schemeClr>
-              </a:lnRef>
-              <a:fillRef idx="1">
-                <a:schemeClr val="accent1"/>
-              </a:fillRef>
-              <a:effectRef idx="0">
-                <a:schemeClr val="accent1"/>
-              </a:effectRef>
-              <a:fontRef idx="minor">
-                <a:schemeClr val="lt1"/>
-              </a:fontRef>
-            </p:style>
-            <p:txBody>
-              <a:bodyPr rtlCol="0" anchor="ctr"/>
-              <a:lstStyle/>
-              <a:p>
-                <a:pPr algn="ctr"/>
-                <a:endParaRPr lang="zh-CN" altLang="en-US"/>
+                </a:endParaRPr>
               </a:p>
             </p:txBody>
           </p:sp>
@@ -12657,7 +12196,7 @@
         </p:nvSpPr>
         <p:spPr>
           <a:xfrm>
-            <a:off x="2294255" y="2242185"/>
+            <a:off x="835025" y="1788160"/>
             <a:ext cx="224790" cy="222250"/>
           </a:xfrm>
           <a:prstGeom prst="rect">
@@ -12703,7 +12242,7 @@
         </p:nvSpPr>
         <p:spPr>
           <a:xfrm>
-            <a:off x="2294255" y="4521200"/>
+            <a:off x="835025" y="4376420"/>
             <a:ext cx="224790" cy="222250"/>
           </a:xfrm>
           <a:prstGeom prst="rect">
@@ -12743,7 +12282,31 @@
       </p:sp>
       <p:pic>
         <p:nvPicPr>
-          <p:cNvPr id="3" name="图片 2"/>
+          <p:cNvPr id="2" name="图片 1"/>
+          <p:cNvPicPr>
+            <a:picLocks noChangeAspect="1"/>
+          </p:cNvPicPr>
+          <p:nvPr/>
+        </p:nvPicPr>
+        <p:blipFill>
+          <a:blip r:embed="rId1"/>
+          <a:stretch>
+            <a:fillRect/>
+          </a:stretch>
+        </p:blipFill>
+        <p:spPr>
+          <a:xfrm>
+            <a:off x="1318895" y="1706245"/>
+            <a:ext cx="6971665" cy="1609725"/>
+          </a:xfrm>
+          <a:prstGeom prst="rect">
+            <a:avLst/>
+          </a:prstGeom>
+        </p:spPr>
+      </p:pic>
+      <p:pic>
+        <p:nvPicPr>
+          <p:cNvPr id="6" name="图片 5"/>
           <p:cNvPicPr>
             <a:picLocks noChangeAspect="1"/>
           </p:cNvPicPr>
@@ -12757,32 +12320,8 @@
         </p:blipFill>
         <p:spPr>
           <a:xfrm>
-            <a:off x="2646680" y="4317365"/>
-            <a:ext cx="5990590" cy="1485900"/>
-          </a:xfrm>
-          <a:prstGeom prst="rect">
-            <a:avLst/>
-          </a:prstGeom>
-        </p:spPr>
-      </p:pic>
-      <p:pic>
-        <p:nvPicPr>
-          <p:cNvPr id="7" name="图片 6"/>
-          <p:cNvPicPr>
-            <a:picLocks noChangeAspect="1"/>
-          </p:cNvPicPr>
-          <p:nvPr/>
-        </p:nvPicPr>
-        <p:blipFill>
-          <a:blip r:embed="rId3"/>
-          <a:stretch>
-            <a:fillRect/>
-          </a:stretch>
-        </p:blipFill>
-        <p:spPr>
-          <a:xfrm>
-            <a:off x="2827655" y="2056765"/>
-            <a:ext cx="9142095" cy="2082800"/>
+            <a:off x="1252220" y="4077335"/>
+            <a:ext cx="10847070" cy="1593850"/>
           </a:xfrm>
           <a:prstGeom prst="rect">
             <a:avLst/>
@@ -12955,11 +12494,15 @@
                 <a:pPr algn="ctr"/>
                 <a:r>
                   <a:rPr lang="en-US" altLang="zh-CN" sz="2800">
-                    <a:latin typeface="微软雅黑" panose="020B0503020204020204" charset="-122"/>
-                    <a:ea typeface="微软雅黑" panose="020B0503020204020204" charset="-122"/>
+                    <a:latin typeface="Microsoft YaHei" panose="020B0503020204020204" charset="-122"/>
+                    <a:ea typeface="Microsoft YaHei" panose="020B0503020204020204" charset="-122"/>
                   </a:rPr>
-                  <a:t>21</a:t>
+                  <a:t>22</a:t>
                 </a:r>
+                <a:endParaRPr lang="en-US" altLang="zh-CN" sz="2800">
+                  <a:latin typeface="Microsoft YaHei" panose="020B0503020204020204" charset="-122"/>
+                  <a:ea typeface="Microsoft YaHei" panose="020B0503020204020204" charset="-122"/>
+                </a:endParaRPr>
               </a:p>
             </p:txBody>
           </p:sp>
@@ -12992,6 +12535,9 @@
                   </a:rPr>
                   <a:t>SciPy, NumPy, and Matplotlib</a:t>
                 </a:r>
+                <a:endParaRPr lang="zh-CN" altLang="en-US" sz="4400" b="1">
+                  <a:sym typeface="+mn-ea"/>
+                </a:endParaRPr>
               </a:p>
             </p:txBody>
           </p:sp>
@@ -13006,52 +12552,6 @@
         <p:spPr>
           <a:xfrm>
             <a:off x="835025" y="1788160"/>
-            <a:ext cx="224790" cy="222250"/>
-          </a:xfrm>
-          <a:prstGeom prst="rect">
-            <a:avLst/>
-          </a:prstGeom>
-          <a:solidFill>
-            <a:srgbClr val="FFC000"/>
-          </a:solidFill>
-          <a:ln>
-            <a:noFill/>
-          </a:ln>
-        </p:spPr>
-        <p:style>
-          <a:lnRef idx="2">
-            <a:schemeClr val="accent1">
-              <a:shade val="50000"/>
-            </a:schemeClr>
-          </a:lnRef>
-          <a:fillRef idx="1">
-            <a:schemeClr val="accent1"/>
-          </a:fillRef>
-          <a:effectRef idx="0">
-            <a:schemeClr val="accent1"/>
-          </a:effectRef>
-          <a:fontRef idx="minor">
-            <a:schemeClr val="lt1"/>
-          </a:fontRef>
-        </p:style>
-        <p:txBody>
-          <a:bodyPr rtlCol="0" anchor="ctr"/>
-          <a:lstStyle/>
-          <a:p>
-            <a:pPr algn="ctr"/>
-            <a:endParaRPr lang="zh-CN" altLang="en-US"/>
-          </a:p>
-        </p:txBody>
-      </p:sp>
-      <p:sp>
-        <p:nvSpPr>
-          <p:cNvPr id="4" name="矩形 3"/>
-          <p:cNvSpPr/>
-          <p:nvPr/>
-        </p:nvSpPr>
-        <p:spPr>
-          <a:xfrm>
-            <a:off x="835025" y="4376420"/>
             <a:ext cx="224790" cy="222250"/>
           </a:xfrm>
           <a:prstGeom prst="rect">
@@ -13091,7 +12591,31 @@
       </p:sp>
       <p:pic>
         <p:nvPicPr>
-          <p:cNvPr id="2" name="图片 1"/>
+          <p:cNvPr id="3" name="图片 2"/>
+          <p:cNvPicPr>
+            <a:picLocks noChangeAspect="1"/>
+          </p:cNvPicPr>
+          <p:nvPr/>
+        </p:nvPicPr>
+        <p:blipFill>
+          <a:blip r:embed="rId1"/>
+          <a:stretch>
+            <a:fillRect/>
+          </a:stretch>
+        </p:blipFill>
+        <p:spPr>
+          <a:xfrm>
+            <a:off x="1534160" y="1535430"/>
+            <a:ext cx="9642475" cy="2718435"/>
+          </a:xfrm>
+          <a:prstGeom prst="rect">
+            <a:avLst/>
+          </a:prstGeom>
+        </p:spPr>
+      </p:pic>
+      <p:pic>
+        <p:nvPicPr>
+          <p:cNvPr id="7" name="图片 6"/>
           <p:cNvPicPr>
             <a:picLocks noChangeAspect="1"/>
           </p:cNvPicPr>
@@ -13105,8 +12629,8 @@
         </p:blipFill>
         <p:spPr>
           <a:xfrm>
-            <a:off x="1318895" y="1706245"/>
-            <a:ext cx="6971665" cy="1609725"/>
+            <a:off x="2105025" y="4354830"/>
+            <a:ext cx="4076065" cy="2105025"/>
           </a:xfrm>
           <a:prstGeom prst="rect">
             <a:avLst/>
@@ -13115,7 +12639,7 @@
       </p:pic>
       <p:pic>
         <p:nvPicPr>
-          <p:cNvPr id="6" name="图片 5"/>
+          <p:cNvPr id="8" name="图片 7"/>
           <p:cNvPicPr>
             <a:picLocks noChangeAspect="1"/>
           </p:cNvPicPr>
@@ -13129,8 +12653,8 @@
         </p:blipFill>
         <p:spPr>
           <a:xfrm>
-            <a:off x="1252220" y="4077335"/>
-            <a:ext cx="10847070" cy="1593850"/>
+            <a:off x="6251575" y="4211955"/>
+            <a:ext cx="4476115" cy="2390775"/>
           </a:xfrm>
           <a:prstGeom prst="rect">
             <a:avLst/>
@@ -13303,11 +12827,15 @@
                 <a:pPr algn="ctr"/>
                 <a:r>
                   <a:rPr lang="en-US" altLang="zh-CN" sz="2800">
-                    <a:latin typeface="微软雅黑" panose="020B0503020204020204" charset="-122"/>
-                    <a:ea typeface="微软雅黑" panose="020B0503020204020204" charset="-122"/>
+                    <a:latin typeface="Microsoft YaHei" panose="020B0503020204020204" charset="-122"/>
+                    <a:ea typeface="Microsoft YaHei" panose="020B0503020204020204" charset="-122"/>
                   </a:rPr>
-                  <a:t>22</a:t>
+                  <a:t>23</a:t>
                 </a:r>
+                <a:endParaRPr lang="en-US" altLang="zh-CN" sz="2800">
+                  <a:latin typeface="Microsoft YaHei" panose="020B0503020204020204" charset="-122"/>
+                  <a:ea typeface="Microsoft YaHei" panose="020B0503020204020204" charset="-122"/>
+                </a:endParaRPr>
               </a:p>
             </p:txBody>
           </p:sp>
@@ -13340,6 +12868,9 @@
                   </a:rPr>
                   <a:t>SciPy, NumPy, and Matplotlib</a:t>
                 </a:r>
+                <a:endParaRPr lang="zh-CN" altLang="en-US" sz="4400" b="1">
+                  <a:sym typeface="+mn-ea"/>
+                </a:endParaRPr>
               </a:p>
             </p:txBody>
           </p:sp>
@@ -13353,7 +12884,7 @@
         </p:nvSpPr>
         <p:spPr>
           <a:xfrm>
-            <a:off x="835025" y="1788160"/>
+            <a:off x="1683385" y="1633855"/>
             <a:ext cx="224790" cy="222250"/>
           </a:xfrm>
           <a:prstGeom prst="rect">
@@ -13393,7 +12924,128 @@
       </p:sp>
       <p:pic>
         <p:nvPicPr>
-          <p:cNvPr id="3" name="图片 2"/>
+          <p:cNvPr id="2" name="图片 1"/>
+          <p:cNvPicPr>
+            <a:picLocks noChangeAspect="1"/>
+          </p:cNvPicPr>
+          <p:nvPr/>
+        </p:nvPicPr>
+        <p:blipFill>
+          <a:blip r:embed="rId1"/>
+          <a:stretch>
+            <a:fillRect/>
+          </a:stretch>
+        </p:blipFill>
+        <p:spPr>
+          <a:xfrm>
+            <a:off x="2084070" y="1332230"/>
+            <a:ext cx="7571740" cy="2019300"/>
+          </a:xfrm>
+          <a:prstGeom prst="rect">
+            <a:avLst/>
+          </a:prstGeom>
+        </p:spPr>
+      </p:pic>
+      <p:grpSp>
+        <p:nvGrpSpPr>
+          <p:cNvPr id="9" name="组合 8"/>
+          <p:cNvGrpSpPr/>
+          <p:nvPr/>
+        </p:nvGrpSpPr>
+        <p:grpSpPr>
+          <a:xfrm>
+            <a:off x="1683385" y="3351530"/>
+            <a:ext cx="4050665" cy="368300"/>
+            <a:chOff x="2651" y="6062"/>
+            <a:chExt cx="6379" cy="580"/>
+          </a:xfrm>
+        </p:grpSpPr>
+        <p:sp>
+          <p:nvSpPr>
+            <p:cNvPr id="4" name="矩形 3"/>
+            <p:cNvSpPr/>
+            <p:nvPr/>
+          </p:nvSpPr>
+          <p:spPr>
+            <a:xfrm>
+              <a:off x="2651" y="6177"/>
+              <a:ext cx="354" cy="350"/>
+            </a:xfrm>
+            <a:prstGeom prst="rect">
+              <a:avLst/>
+            </a:prstGeom>
+            <a:solidFill>
+              <a:srgbClr val="FFC000"/>
+            </a:solidFill>
+            <a:ln>
+              <a:noFill/>
+            </a:ln>
+          </p:spPr>
+          <p:style>
+            <a:lnRef idx="2">
+              <a:schemeClr val="accent1">
+                <a:shade val="50000"/>
+              </a:schemeClr>
+            </a:lnRef>
+            <a:fillRef idx="1">
+              <a:schemeClr val="accent1"/>
+            </a:fillRef>
+            <a:effectRef idx="0">
+              <a:schemeClr val="accent1"/>
+            </a:effectRef>
+            <a:fontRef idx="minor">
+              <a:schemeClr val="lt1"/>
+            </a:fontRef>
+          </p:style>
+          <p:txBody>
+            <a:bodyPr rtlCol="0" anchor="ctr"/>
+            <a:lstStyle/>
+            <a:p>
+              <a:pPr algn="ctr"/>
+              <a:endParaRPr lang="zh-CN" altLang="en-US"/>
+            </a:p>
+          </p:txBody>
+        </p:sp>
+        <p:sp>
+          <p:nvSpPr>
+            <p:cNvPr id="6" name="文本框 5"/>
+            <p:cNvSpPr txBox="1"/>
+            <p:nvPr/>
+          </p:nvSpPr>
+          <p:spPr>
+            <a:xfrm>
+              <a:off x="3282" y="6062"/>
+              <a:ext cx="5748" cy="580"/>
+            </a:xfrm>
+            <a:prstGeom prst="rect">
+              <a:avLst/>
+            </a:prstGeom>
+            <a:noFill/>
+          </p:spPr>
+          <p:txBody>
+            <a:bodyPr wrap="square" rtlCol="0" anchor="t">
+              <a:spAutoFit/>
+            </a:bodyPr>
+            <a:lstStyle/>
+            <a:p>
+              <a:r>
+                <a:rPr lang="zh-CN" altLang="en-US">
+                  <a:sym typeface="+mn-ea"/>
+                </a:rPr>
+                <a:t>transpose </a:t>
+              </a:r>
+              <a:r>
+                <a:rPr lang="zh-CN" altLang="en-US"/>
+                <a:t>and the inverse</a:t>
+              </a:r>
+              <a:endParaRPr lang="zh-CN" altLang="en-US"/>
+            </a:p>
+          </p:txBody>
+        </p:sp>
+      </p:grpSp>
+      <p:pic>
+        <p:nvPicPr>
+          <p:cNvPr id="8" name="图片 7"/>
           <p:cNvPicPr>
             <a:picLocks noChangeAspect="1"/>
           </p:cNvPicPr>
@@ -13407,8 +13059,8 @@
         </p:blipFill>
         <p:spPr>
           <a:xfrm>
-            <a:off x="1534160" y="1535430"/>
-            <a:ext cx="9642475" cy="2718435"/>
+            <a:off x="2084070" y="3882390"/>
+            <a:ext cx="7228840" cy="1447800"/>
           </a:xfrm>
           <a:prstGeom prst="rect">
             <a:avLst/>
@@ -13417,7 +13069,7 @@
       </p:pic>
       <p:pic>
         <p:nvPicPr>
-          <p:cNvPr id="7" name="图片 6"/>
+          <p:cNvPr id="10" name="图片 9"/>
           <p:cNvPicPr>
             <a:picLocks noChangeAspect="1"/>
           </p:cNvPicPr>
@@ -13431,8 +13083,8 @@
         </p:blipFill>
         <p:spPr>
           <a:xfrm>
-            <a:off x="2105025" y="4354830"/>
-            <a:ext cx="4076065" cy="2105025"/>
+            <a:off x="1908175" y="5189855"/>
+            <a:ext cx="1781175" cy="1381125"/>
           </a:xfrm>
           <a:prstGeom prst="rect">
             <a:avLst/>
@@ -13441,7 +13093,7 @@
       </p:pic>
       <p:pic>
         <p:nvPicPr>
-          <p:cNvPr id="8" name="图片 7"/>
+          <p:cNvPr id="11" name="图片 10"/>
           <p:cNvPicPr>
             <a:picLocks noChangeAspect="1"/>
           </p:cNvPicPr>
@@ -13455,8 +13107,32 @@
         </p:blipFill>
         <p:spPr>
           <a:xfrm>
-            <a:off x="6251575" y="4211955"/>
-            <a:ext cx="4476115" cy="2390775"/>
+            <a:off x="4265295" y="5351780"/>
+            <a:ext cx="1924050" cy="1057275"/>
+          </a:xfrm>
+          <a:prstGeom prst="rect">
+            <a:avLst/>
+          </a:prstGeom>
+        </p:spPr>
+      </p:pic>
+      <p:pic>
+        <p:nvPicPr>
+          <p:cNvPr id="12" name="图片 11"/>
+          <p:cNvPicPr>
+            <a:picLocks noChangeAspect="1"/>
+          </p:cNvPicPr>
+          <p:nvPr/>
+        </p:nvPicPr>
+        <p:blipFill>
+          <a:blip r:embed="rId5"/>
+          <a:stretch>
+            <a:fillRect/>
+          </a:stretch>
+        </p:blipFill>
+        <p:spPr>
+          <a:xfrm>
+            <a:off x="6880860" y="5361305"/>
+            <a:ext cx="1885950" cy="1047750"/>
           </a:xfrm>
           <a:prstGeom prst="rect">
             <a:avLst/>
@@ -13629,11 +13305,15 @@
                 <a:pPr algn="ctr"/>
                 <a:r>
                   <a:rPr lang="en-US" altLang="zh-CN" sz="2800">
-                    <a:latin typeface="微软雅黑" panose="020B0503020204020204" charset="-122"/>
-                    <a:ea typeface="微软雅黑" panose="020B0503020204020204" charset="-122"/>
+                    <a:latin typeface="Microsoft YaHei" panose="020B0503020204020204" charset="-122"/>
+                    <a:ea typeface="Microsoft YaHei" panose="020B0503020204020204" charset="-122"/>
                   </a:rPr>
-                  <a:t>23</a:t>
+                  <a:t>24</a:t>
                 </a:r>
+                <a:endParaRPr lang="en-US" altLang="zh-CN" sz="2800">
+                  <a:latin typeface="Microsoft YaHei" panose="020B0503020204020204" charset="-122"/>
+                  <a:ea typeface="Microsoft YaHei" panose="020B0503020204020204" charset="-122"/>
+                </a:endParaRPr>
               </a:p>
             </p:txBody>
           </p:sp>
@@ -13666,98 +13346,31 @@
                   </a:rPr>
                   <a:t>SciPy, NumPy, and Matplotlib</a:t>
                 </a:r>
+                <a:endParaRPr lang="zh-CN" altLang="en-US" sz="4400" b="1">
+                  <a:sym typeface="+mn-ea"/>
+                </a:endParaRPr>
               </a:p>
             </p:txBody>
           </p:sp>
         </p:grpSp>
       </p:grpSp>
-      <p:sp>
-        <p:nvSpPr>
-          <p:cNvPr id="35" name="矩形 34"/>
-          <p:cNvSpPr/>
-          <p:nvPr/>
-        </p:nvSpPr>
-        <p:spPr>
-          <a:xfrm>
-            <a:off x="1683385" y="1633855"/>
-            <a:ext cx="224790" cy="222250"/>
-          </a:xfrm>
-          <a:prstGeom prst="rect">
-            <a:avLst/>
-          </a:prstGeom>
-          <a:solidFill>
-            <a:srgbClr val="FFC000"/>
-          </a:solidFill>
-          <a:ln>
-            <a:noFill/>
-          </a:ln>
-        </p:spPr>
-        <p:style>
-          <a:lnRef idx="2">
-            <a:schemeClr val="accent1">
-              <a:shade val="50000"/>
-            </a:schemeClr>
-          </a:lnRef>
-          <a:fillRef idx="1">
-            <a:schemeClr val="accent1"/>
-          </a:fillRef>
-          <a:effectRef idx="0">
-            <a:schemeClr val="accent1"/>
-          </a:effectRef>
-          <a:fontRef idx="minor">
-            <a:schemeClr val="lt1"/>
-          </a:fontRef>
-        </p:style>
-        <p:txBody>
-          <a:bodyPr rtlCol="0" anchor="ctr"/>
-          <a:lstStyle/>
-          <a:p>
-            <a:pPr algn="ctr"/>
-            <a:endParaRPr lang="zh-CN" altLang="en-US"/>
-          </a:p>
-        </p:txBody>
-      </p:sp>
-      <p:pic>
-        <p:nvPicPr>
-          <p:cNvPr id="2" name="图片 1"/>
-          <p:cNvPicPr>
-            <a:picLocks noChangeAspect="1"/>
-          </p:cNvPicPr>
-          <p:nvPr/>
-        </p:nvPicPr>
-        <p:blipFill>
-          <a:blip r:embed="rId2"/>
-          <a:stretch>
-            <a:fillRect/>
-          </a:stretch>
-        </p:blipFill>
-        <p:spPr>
-          <a:xfrm>
-            <a:off x="2084070" y="1332230"/>
-            <a:ext cx="7571740" cy="2019300"/>
-          </a:xfrm>
-          <a:prstGeom prst="rect">
-            <a:avLst/>
-          </a:prstGeom>
-        </p:spPr>
-      </p:pic>
       <p:grpSp>
         <p:nvGrpSpPr>
-          <p:cNvPr id="9" name="组合 8"/>
+          <p:cNvPr id="3" name="组合 2"/>
           <p:cNvGrpSpPr/>
           <p:nvPr/>
         </p:nvGrpSpPr>
         <p:grpSpPr>
           <a:xfrm>
-            <a:off x="1683385" y="3351530"/>
-            <a:ext cx="4050665" cy="368300"/>
+            <a:off x="1683385" y="1431925"/>
+            <a:ext cx="5498465" cy="368300"/>
             <a:chOff x="2651" y="6062"/>
-            <a:chExt cx="6379" cy="580"/>
+            <a:chExt cx="8659" cy="580"/>
           </a:xfrm>
         </p:grpSpPr>
         <p:sp>
           <p:nvSpPr>
-            <p:cNvPr id="4" name="矩形 3"/>
+            <p:cNvPr id="5" name="矩形 4"/>
             <p:cNvSpPr/>
             <p:nvPr/>
           </p:nvSpPr>
@@ -13803,14 +13416,14 @@
         </p:sp>
         <p:sp>
           <p:nvSpPr>
-            <p:cNvPr id="6" name="文本框 5"/>
+            <p:cNvPr id="7" name="文本框 6"/>
             <p:cNvSpPr txBox="1"/>
             <p:nvPr/>
           </p:nvSpPr>
           <p:spPr>
             <a:xfrm>
               <a:off x="3282" y="6062"/>
-              <a:ext cx="5748" cy="580"/>
+              <a:ext cx="8028" cy="580"/>
             </a:xfrm>
             <a:prstGeom prst="rect">
               <a:avLst/>
@@ -13824,37 +13437,42 @@
             <a:lstStyle/>
             <a:p>
               <a:r>
+                <a:rPr lang="zh-CN" altLang="en-US"/>
+                <a:t>zeros matrix , ones </a:t>
+              </a:r>
+              <a:r>
                 <a:rPr lang="zh-CN" altLang="en-US">
                   <a:sym typeface="+mn-ea"/>
                 </a:rPr>
-                <a:t>transpose </a:t>
+                <a:t>matrix</a:t>
               </a:r>
               <a:r>
                 <a:rPr lang="zh-CN" altLang="en-US"/>
-                <a:t>and the inverse</a:t>
+                <a:t>, eye identity matrix</a:t>
               </a:r>
+              <a:endParaRPr lang="zh-CN" altLang="en-US"/>
             </a:p>
           </p:txBody>
         </p:sp>
       </p:grpSp>
       <p:pic>
         <p:nvPicPr>
-          <p:cNvPr id="8" name="图片 7"/>
+          <p:cNvPr id="13" name="图片 12"/>
           <p:cNvPicPr>
             <a:picLocks noChangeAspect="1"/>
           </p:cNvPicPr>
           <p:nvPr/>
         </p:nvPicPr>
         <p:blipFill>
-          <a:blip r:embed="rId3"/>
+          <a:blip r:embed="rId1"/>
           <a:stretch>
             <a:fillRect/>
           </a:stretch>
         </p:blipFill>
         <p:spPr>
           <a:xfrm>
-            <a:off x="2084070" y="3882390"/>
-            <a:ext cx="7228840" cy="1447800"/>
+            <a:off x="2084070" y="1892300"/>
+            <a:ext cx="6800215" cy="1143000"/>
           </a:xfrm>
           <a:prstGeom prst="rect">
             <a:avLst/>
@@ -13863,70 +13481,22 @@
       </p:pic>
       <p:pic>
         <p:nvPicPr>
-          <p:cNvPr id="10" name="图片 9"/>
+          <p:cNvPr id="14" name="图片 13"/>
           <p:cNvPicPr>
             <a:picLocks noChangeAspect="1"/>
           </p:cNvPicPr>
           <p:nvPr/>
         </p:nvPicPr>
         <p:blipFill>
-          <a:blip r:embed="rId4"/>
+          <a:blip r:embed="rId2"/>
           <a:stretch>
             <a:fillRect/>
           </a:stretch>
         </p:blipFill>
         <p:spPr>
           <a:xfrm>
-            <a:off x="1908175" y="5189855"/>
-            <a:ext cx="1781175" cy="1381125"/>
-          </a:xfrm>
-          <a:prstGeom prst="rect">
-            <a:avLst/>
-          </a:prstGeom>
-        </p:spPr>
-      </p:pic>
-      <p:pic>
-        <p:nvPicPr>
-          <p:cNvPr id="11" name="图片 10"/>
-          <p:cNvPicPr>
-            <a:picLocks noChangeAspect="1"/>
-          </p:cNvPicPr>
-          <p:nvPr/>
-        </p:nvPicPr>
-        <p:blipFill>
-          <a:blip r:embed="rId5"/>
-          <a:stretch>
-            <a:fillRect/>
-          </a:stretch>
-        </p:blipFill>
-        <p:spPr>
-          <a:xfrm>
-            <a:off x="4265295" y="5351780"/>
-            <a:ext cx="1924050" cy="1057275"/>
-          </a:xfrm>
-          <a:prstGeom prst="rect">
-            <a:avLst/>
-          </a:prstGeom>
-        </p:spPr>
-      </p:pic>
-      <p:pic>
-        <p:nvPicPr>
-          <p:cNvPr id="12" name="图片 11"/>
-          <p:cNvPicPr>
-            <a:picLocks noChangeAspect="1"/>
-          </p:cNvPicPr>
-          <p:nvPr/>
-        </p:nvPicPr>
-        <p:blipFill>
-          <a:blip r:embed="rId6"/>
-          <a:stretch>
-            <a:fillRect/>
-          </a:stretch>
-        </p:blipFill>
-        <p:spPr>
-          <a:xfrm>
-            <a:off x="6880860" y="5361305"/>
-            <a:ext cx="1885950" cy="1047750"/>
+            <a:off x="2084070" y="2959100"/>
+            <a:ext cx="3209290" cy="3761740"/>
           </a:xfrm>
           <a:prstGeom prst="rect">
             <a:avLst/>
@@ -13966,7 +13536,7 @@
         </p:nvGrpSpPr>
         <p:grpSpPr>
           <a:xfrm>
-            <a:off x="-635" y="403860"/>
+            <a:off x="-635" y="394335"/>
             <a:ext cx="12176125" cy="817880"/>
             <a:chOff x="-1" y="636"/>
             <a:chExt cx="19175" cy="1288"/>
@@ -14099,11 +13669,15 @@
                 <a:pPr algn="ctr"/>
                 <a:r>
                   <a:rPr lang="en-US" altLang="zh-CN" sz="2800">
-                    <a:latin typeface="微软雅黑" panose="020B0503020204020204" charset="-122"/>
-                    <a:ea typeface="微软雅黑" panose="020B0503020204020204" charset="-122"/>
+                    <a:latin typeface="Microsoft YaHei" panose="020B0503020204020204" charset="-122"/>
+                    <a:ea typeface="Microsoft YaHei" panose="020B0503020204020204" charset="-122"/>
                   </a:rPr>
-                  <a:t>24</a:t>
+                  <a:t>25</a:t>
                 </a:r>
+                <a:endParaRPr lang="en-US" altLang="zh-CN" sz="2800">
+                  <a:latin typeface="Microsoft YaHei" panose="020B0503020204020204" charset="-122"/>
+                  <a:ea typeface="Microsoft YaHei" panose="020B0503020204020204" charset="-122"/>
+                </a:endParaRPr>
               </a:p>
             </p:txBody>
           </p:sp>
@@ -14136,114 +13710,87 @@
                   </a:rPr>
                   <a:t>SciPy, NumPy, and Matplotlib</a:t>
                 </a:r>
+                <a:endParaRPr lang="zh-CN" altLang="en-US" sz="4400" b="1">
+                  <a:sym typeface="+mn-ea"/>
+                </a:endParaRPr>
               </a:p>
             </p:txBody>
           </p:sp>
         </p:grpSp>
       </p:grpSp>
-      <p:grpSp>
-        <p:nvGrpSpPr>
-          <p:cNvPr id="3" name="组合 2"/>
-          <p:cNvGrpSpPr/>
-          <p:nvPr/>
-        </p:nvGrpSpPr>
-        <p:grpSpPr>
-          <a:xfrm>
-            <a:off x="1683385" y="1431925"/>
-            <a:ext cx="5498465" cy="368300"/>
-            <a:chOff x="2651" y="6062"/>
-            <a:chExt cx="8659" cy="580"/>
-          </a:xfrm>
-        </p:grpSpPr>
-        <p:sp>
-          <p:nvSpPr>
-            <p:cNvPr id="5" name="矩形 4"/>
-            <p:cNvSpPr/>
-            <p:nvPr/>
-          </p:nvSpPr>
-          <p:spPr>
-            <a:xfrm>
-              <a:off x="2651" y="6177"/>
-              <a:ext cx="354" cy="350"/>
-            </a:xfrm>
-            <a:prstGeom prst="rect">
-              <a:avLst/>
-            </a:prstGeom>
-            <a:solidFill>
-              <a:srgbClr val="FFC000"/>
-            </a:solidFill>
-            <a:ln>
-              <a:noFill/>
-            </a:ln>
-          </p:spPr>
-          <p:style>
-            <a:lnRef idx="2">
-              <a:schemeClr val="accent1">
-                <a:shade val="50000"/>
-              </a:schemeClr>
-            </a:lnRef>
-            <a:fillRef idx="1">
-              <a:schemeClr val="accent1"/>
-            </a:fillRef>
-            <a:effectRef idx="0">
-              <a:schemeClr val="accent1"/>
-            </a:effectRef>
-            <a:fontRef idx="minor">
-              <a:schemeClr val="lt1"/>
-            </a:fontRef>
-          </p:style>
-          <p:txBody>
-            <a:bodyPr rtlCol="0" anchor="ctr"/>
-            <a:lstStyle/>
-            <a:p>
-              <a:pPr algn="ctr"/>
-              <a:endParaRPr lang="zh-CN" altLang="en-US"/>
-            </a:p>
-          </p:txBody>
-        </p:sp>
-        <p:sp>
-          <p:nvSpPr>
-            <p:cNvPr id="7" name="文本框 6"/>
-            <p:cNvSpPr txBox="1"/>
-            <p:nvPr/>
-          </p:nvSpPr>
-          <p:spPr>
-            <a:xfrm>
-              <a:off x="3282" y="6062"/>
-              <a:ext cx="8028" cy="580"/>
-            </a:xfrm>
-            <a:prstGeom prst="rect">
-              <a:avLst/>
-            </a:prstGeom>
-            <a:noFill/>
-          </p:spPr>
-          <p:txBody>
-            <a:bodyPr wrap="square" rtlCol="0" anchor="t">
-              <a:spAutoFit/>
-            </a:bodyPr>
-            <a:lstStyle/>
-            <a:p>
-              <a:r>
-                <a:rPr lang="zh-CN" altLang="en-US"/>
-                <a:t>zeros matrix , ones </a:t>
-              </a:r>
-              <a:r>
-                <a:rPr lang="zh-CN" altLang="en-US">
-                  <a:sym typeface="+mn-ea"/>
-                </a:rPr>
-                <a:t>matrix</a:t>
-              </a:r>
-              <a:r>
-                <a:rPr lang="zh-CN" altLang="en-US"/>
-                <a:t>, eye identity matrix</a:t>
-              </a:r>
-            </a:p>
-          </p:txBody>
-        </p:sp>
-      </p:grpSp>
       <p:pic>
         <p:nvPicPr>
-          <p:cNvPr id="13" name="图片 12"/>
+          <p:cNvPr id="2" name="图片 1"/>
+          <p:cNvPicPr>
+            <a:picLocks noChangeAspect="1"/>
+          </p:cNvPicPr>
+          <p:nvPr/>
+        </p:nvPicPr>
+        <p:blipFill>
+          <a:blip r:embed="rId1"/>
+          <a:stretch>
+            <a:fillRect/>
+          </a:stretch>
+        </p:blipFill>
+        <p:spPr>
+          <a:xfrm>
+            <a:off x="1779905" y="1290955"/>
+            <a:ext cx="10161905" cy="1390650"/>
+          </a:xfrm>
+          <a:prstGeom prst="rect">
+            <a:avLst/>
+          </a:prstGeom>
+        </p:spPr>
+      </p:pic>
+      <p:sp>
+        <p:nvSpPr>
+          <p:cNvPr id="4" name="矩形 3"/>
+          <p:cNvSpPr/>
+          <p:nvPr/>
+        </p:nvSpPr>
+        <p:spPr>
+          <a:xfrm>
+            <a:off x="1458595" y="1638300"/>
+            <a:ext cx="224790" cy="222250"/>
+          </a:xfrm>
+          <a:prstGeom prst="rect">
+            <a:avLst/>
+          </a:prstGeom>
+          <a:solidFill>
+            <a:srgbClr val="FFC000"/>
+          </a:solidFill>
+          <a:ln>
+            <a:noFill/>
+          </a:ln>
+        </p:spPr>
+        <p:style>
+          <a:lnRef idx="2">
+            <a:schemeClr val="accent1">
+              <a:shade val="50000"/>
+            </a:schemeClr>
+          </a:lnRef>
+          <a:fillRef idx="1">
+            <a:schemeClr val="accent1"/>
+          </a:fillRef>
+          <a:effectRef idx="0">
+            <a:schemeClr val="accent1"/>
+          </a:effectRef>
+          <a:fontRef idx="minor">
+            <a:schemeClr val="lt1"/>
+          </a:fontRef>
+        </p:style>
+        <p:txBody>
+          <a:bodyPr rtlCol="0" anchor="ctr"/>
+          <a:lstStyle/>
+          <a:p>
+            <a:pPr algn="ctr"/>
+            <a:endParaRPr lang="zh-CN" altLang="en-US"/>
+          </a:p>
+        </p:txBody>
+      </p:sp>
+      <p:pic>
+        <p:nvPicPr>
+          <p:cNvPr id="6" name="图片 5"/>
           <p:cNvPicPr>
             <a:picLocks noChangeAspect="1"/>
           </p:cNvPicPr>
@@ -14257,38 +13804,60 @@
         </p:blipFill>
         <p:spPr>
           <a:xfrm>
-            <a:off x="2084070" y="1892300"/>
-            <a:ext cx="6800215" cy="1143000"/>
+            <a:off x="1854200" y="3173730"/>
+            <a:ext cx="10013315" cy="1628775"/>
           </a:xfrm>
           <a:prstGeom prst="rect">
             <a:avLst/>
           </a:prstGeom>
         </p:spPr>
       </p:pic>
-      <p:pic>
-        <p:nvPicPr>
-          <p:cNvPr id="14" name="图片 13"/>
-          <p:cNvPicPr>
-            <a:picLocks noChangeAspect="1"/>
-          </p:cNvPicPr>
+      <p:sp>
+        <p:nvSpPr>
+          <p:cNvPr id="8" name="矩形 7"/>
+          <p:cNvSpPr/>
           <p:nvPr/>
-        </p:nvPicPr>
-        <p:blipFill>
-          <a:blip r:embed="rId3"/>
-          <a:stretch>
-            <a:fillRect/>
-          </a:stretch>
-        </p:blipFill>
+        </p:nvSpPr>
         <p:spPr>
           <a:xfrm>
-            <a:off x="2084070" y="2959100"/>
-            <a:ext cx="3209290" cy="3761740"/>
+            <a:off x="1458595" y="3317875"/>
+            <a:ext cx="224790" cy="222250"/>
           </a:xfrm>
           <a:prstGeom prst="rect">
             <a:avLst/>
           </a:prstGeom>
+          <a:solidFill>
+            <a:srgbClr val="FFC000"/>
+          </a:solidFill>
+          <a:ln>
+            <a:noFill/>
+          </a:ln>
         </p:spPr>
-      </p:pic>
+        <p:style>
+          <a:lnRef idx="2">
+            <a:schemeClr val="accent1">
+              <a:shade val="50000"/>
+            </a:schemeClr>
+          </a:lnRef>
+          <a:fillRef idx="1">
+            <a:schemeClr val="accent1"/>
+          </a:fillRef>
+          <a:effectRef idx="0">
+            <a:schemeClr val="accent1"/>
+          </a:effectRef>
+          <a:fontRef idx="minor">
+            <a:schemeClr val="lt1"/>
+          </a:fontRef>
+        </p:style>
+        <p:txBody>
+          <a:bodyPr rtlCol="0" anchor="ctr"/>
+          <a:lstStyle/>
+          <a:p>
+            <a:pPr algn="ctr"/>
+            <a:endParaRPr lang="zh-CN" altLang="en-US"/>
+          </a:p>
+        </p:txBody>
+      </p:sp>
     </p:spTree>
   </p:cSld>
   <p:clrMapOvr>
@@ -14455,11 +14024,15 @@
                 <a:pPr algn="ctr"/>
                 <a:r>
                   <a:rPr lang="en-US" altLang="zh-CN" sz="2800">
-                    <a:latin typeface="微软雅黑" panose="020B0503020204020204" charset="-122"/>
-                    <a:ea typeface="微软雅黑" panose="020B0503020204020204" charset="-122"/>
+                    <a:latin typeface="Microsoft YaHei" panose="020B0503020204020204" charset="-122"/>
+                    <a:ea typeface="Microsoft YaHei" panose="020B0503020204020204" charset="-122"/>
                   </a:rPr>
-                  <a:t>25</a:t>
+                  <a:t>26</a:t>
                 </a:r>
+                <a:endParaRPr lang="en-US" altLang="zh-CN" sz="2800">
+                  <a:latin typeface="Microsoft YaHei" panose="020B0503020204020204" charset="-122"/>
+                  <a:ea typeface="Microsoft YaHei" panose="020B0503020204020204" charset="-122"/>
+                </a:endParaRPr>
               </a:p>
             </p:txBody>
           </p:sp>
@@ -14492,354 +14065,9 @@
                   </a:rPr>
                   <a:t>SciPy, NumPy, and Matplotlib</a:t>
                 </a:r>
-              </a:p>
-            </p:txBody>
-          </p:sp>
-        </p:grpSp>
-      </p:grpSp>
-      <p:pic>
-        <p:nvPicPr>
-          <p:cNvPr id="2" name="图片 1"/>
-          <p:cNvPicPr>
-            <a:picLocks noChangeAspect="1"/>
-          </p:cNvPicPr>
-          <p:nvPr/>
-        </p:nvPicPr>
-        <p:blipFill>
-          <a:blip r:embed="rId2"/>
-          <a:stretch>
-            <a:fillRect/>
-          </a:stretch>
-        </p:blipFill>
-        <p:spPr>
-          <a:xfrm>
-            <a:off x="1779905" y="1290955"/>
-            <a:ext cx="10161905" cy="1390650"/>
-          </a:xfrm>
-          <a:prstGeom prst="rect">
-            <a:avLst/>
-          </a:prstGeom>
-        </p:spPr>
-      </p:pic>
-      <p:sp>
-        <p:nvSpPr>
-          <p:cNvPr id="4" name="矩形 3"/>
-          <p:cNvSpPr/>
-          <p:nvPr/>
-        </p:nvSpPr>
-        <p:spPr>
-          <a:xfrm>
-            <a:off x="1458595" y="1638300"/>
-            <a:ext cx="224790" cy="222250"/>
-          </a:xfrm>
-          <a:prstGeom prst="rect">
-            <a:avLst/>
-          </a:prstGeom>
-          <a:solidFill>
-            <a:srgbClr val="FFC000"/>
-          </a:solidFill>
-          <a:ln>
-            <a:noFill/>
-          </a:ln>
-        </p:spPr>
-        <p:style>
-          <a:lnRef idx="2">
-            <a:schemeClr val="accent1">
-              <a:shade val="50000"/>
-            </a:schemeClr>
-          </a:lnRef>
-          <a:fillRef idx="1">
-            <a:schemeClr val="accent1"/>
-          </a:fillRef>
-          <a:effectRef idx="0">
-            <a:schemeClr val="accent1"/>
-          </a:effectRef>
-          <a:fontRef idx="minor">
-            <a:schemeClr val="lt1"/>
-          </a:fontRef>
-        </p:style>
-        <p:txBody>
-          <a:bodyPr rtlCol="0" anchor="ctr"/>
-          <a:lstStyle/>
-          <a:p>
-            <a:pPr algn="ctr"/>
-            <a:endParaRPr lang="zh-CN" altLang="en-US"/>
-          </a:p>
-        </p:txBody>
-      </p:sp>
-      <p:pic>
-        <p:nvPicPr>
-          <p:cNvPr id="6" name="图片 5"/>
-          <p:cNvPicPr>
-            <a:picLocks noChangeAspect="1"/>
-          </p:cNvPicPr>
-          <p:nvPr/>
-        </p:nvPicPr>
-        <p:blipFill>
-          <a:blip r:embed="rId3"/>
-          <a:stretch>
-            <a:fillRect/>
-          </a:stretch>
-        </p:blipFill>
-        <p:spPr>
-          <a:xfrm>
-            <a:off x="1854200" y="3173730"/>
-            <a:ext cx="10013315" cy="1628775"/>
-          </a:xfrm>
-          <a:prstGeom prst="rect">
-            <a:avLst/>
-          </a:prstGeom>
-        </p:spPr>
-      </p:pic>
-      <p:sp>
-        <p:nvSpPr>
-          <p:cNvPr id="8" name="矩形 7"/>
-          <p:cNvSpPr/>
-          <p:nvPr/>
-        </p:nvSpPr>
-        <p:spPr>
-          <a:xfrm>
-            <a:off x="1458595" y="3317875"/>
-            <a:ext cx="224790" cy="222250"/>
-          </a:xfrm>
-          <a:prstGeom prst="rect">
-            <a:avLst/>
-          </a:prstGeom>
-          <a:solidFill>
-            <a:srgbClr val="FFC000"/>
-          </a:solidFill>
-          <a:ln>
-            <a:noFill/>
-          </a:ln>
-        </p:spPr>
-        <p:style>
-          <a:lnRef idx="2">
-            <a:schemeClr val="accent1">
-              <a:shade val="50000"/>
-            </a:schemeClr>
-          </a:lnRef>
-          <a:fillRef idx="1">
-            <a:schemeClr val="accent1"/>
-          </a:fillRef>
-          <a:effectRef idx="0">
-            <a:schemeClr val="accent1"/>
-          </a:effectRef>
-          <a:fontRef idx="minor">
-            <a:schemeClr val="lt1"/>
-          </a:fontRef>
-        </p:style>
-        <p:txBody>
-          <a:bodyPr rtlCol="0" anchor="ctr"/>
-          <a:lstStyle/>
-          <a:p>
-            <a:pPr algn="ctr"/>
-            <a:endParaRPr lang="zh-CN" altLang="en-US"/>
-          </a:p>
-        </p:txBody>
-      </p:sp>
-    </p:spTree>
-  </p:cSld>
-  <p:clrMapOvr>
-    <a:masterClrMapping/>
-  </p:clrMapOvr>
-</p:sld>
-</file>
-
-<file path=ppt/slides/slide28.xml><?xml version="1.0" encoding="utf-8"?>
-<p:sld xmlns:a="http://schemas.openxmlformats.org/drawingml/2006/main" xmlns:r="http://schemas.openxmlformats.org/officeDocument/2006/relationships" xmlns:p="http://schemas.openxmlformats.org/presentationml/2006/main">
-  <p:cSld>
-    <p:spTree>
-      <p:nvGrpSpPr>
-        <p:cNvPr id="1" name=""/>
-        <p:cNvGrpSpPr/>
-        <p:nvPr/>
-      </p:nvGrpSpPr>
-      <p:grpSpPr>
-        <a:xfrm>
-          <a:off x="0" y="0"/>
-          <a:ext cx="0" cy="0"/>
-          <a:chOff x="0" y="0"/>
-          <a:chExt cx="0" cy="0"/>
-        </a:xfrm>
-      </p:grpSpPr>
-      <p:grpSp>
-        <p:nvGrpSpPr>
-          <p:cNvPr id="21" name="组合 20"/>
-          <p:cNvGrpSpPr/>
-          <p:nvPr/>
-        </p:nvGrpSpPr>
-        <p:grpSpPr>
-          <a:xfrm>
-            <a:off x="-635" y="394335"/>
-            <a:ext cx="12176125" cy="817880"/>
-            <a:chOff x="-1" y="636"/>
-            <a:chExt cx="19175" cy="1288"/>
-          </a:xfrm>
-        </p:grpSpPr>
-        <p:cxnSp>
-          <p:nvCxnSpPr>
-            <p:cNvPr id="22" name="直接连接符 21"/>
-            <p:cNvCxnSpPr/>
-            <p:nvPr/>
-          </p:nvCxnSpPr>
-          <p:spPr>
-            <a:xfrm flipV="1">
-              <a:off x="15206" y="1231"/>
-              <a:ext cx="3968" cy="7"/>
-            </a:xfrm>
-            <a:prstGeom prst="line">
-              <a:avLst/>
-            </a:prstGeom>
-            <a:ln w="22225" cmpd="sng">
-              <a:solidFill>
-                <a:schemeClr val="bg2"/>
-              </a:solidFill>
-              <a:prstDash val="solid"/>
-            </a:ln>
-          </p:spPr>
-          <p:style>
-            <a:lnRef idx="1">
-              <a:schemeClr val="accent3"/>
-            </a:lnRef>
-            <a:fillRef idx="0">
-              <a:schemeClr val="accent3"/>
-            </a:fillRef>
-            <a:effectRef idx="0">
-              <a:schemeClr val="accent3"/>
-            </a:effectRef>
-            <a:fontRef idx="minor">
-              <a:schemeClr val="tx1"/>
-            </a:fontRef>
-          </p:style>
-        </p:cxnSp>
-        <p:grpSp>
-          <p:nvGrpSpPr>
-            <p:cNvPr id="23" name="组合 22"/>
-            <p:cNvGrpSpPr/>
-            <p:nvPr/>
-          </p:nvGrpSpPr>
-          <p:grpSpPr>
-            <a:xfrm>
-              <a:off x="-1" y="636"/>
-              <a:ext cx="15197" cy="1288"/>
-              <a:chOff x="-1" y="636"/>
-              <a:chExt cx="15197" cy="1288"/>
-            </a:xfrm>
-          </p:grpSpPr>
-          <p:cxnSp>
-            <p:nvCxnSpPr>
-              <p:cNvPr id="24" name="直接连接符 23"/>
-              <p:cNvCxnSpPr/>
-              <p:nvPr/>
-            </p:nvCxnSpPr>
-            <p:spPr>
-              <a:xfrm flipV="1">
-                <a:off x="-1" y="1238"/>
-                <a:ext cx="3968" cy="7"/>
-              </a:xfrm>
-              <a:prstGeom prst="line">
-                <a:avLst/>
-              </a:prstGeom>
-              <a:ln w="22225" cmpd="sng">
-                <a:solidFill>
-                  <a:schemeClr val="bg2"/>
-                </a:solidFill>
-                <a:prstDash val="solid"/>
-              </a:ln>
-            </p:spPr>
-            <p:style>
-              <a:lnRef idx="1">
-                <a:schemeClr val="accent3"/>
-              </a:lnRef>
-              <a:fillRef idx="0">
-                <a:schemeClr val="accent3"/>
-              </a:fillRef>
-              <a:effectRef idx="0">
-                <a:schemeClr val="accent3"/>
-              </a:effectRef>
-              <a:fontRef idx="minor">
-                <a:schemeClr val="tx1"/>
-              </a:fontRef>
-            </p:style>
-          </p:cxnSp>
-          <p:sp>
-            <p:nvSpPr>
-              <p:cNvPr id="25" name="椭圆 24"/>
-              <p:cNvSpPr/>
-              <p:nvPr/>
-            </p:nvSpPr>
-            <p:spPr>
-              <a:xfrm>
-                <a:off x="1315" y="636"/>
-                <a:ext cx="1336" cy="1288"/>
-              </a:xfrm>
-              <a:prstGeom prst="ellipse">
-                <a:avLst/>
-              </a:prstGeom>
-              <a:solidFill>
-                <a:srgbClr val="00B050"/>
-              </a:solidFill>
-            </p:spPr>
-            <p:style>
-              <a:lnRef idx="2">
-                <a:schemeClr val="accent1">
-                  <a:shade val="50000"/>
-                </a:schemeClr>
-              </a:lnRef>
-              <a:fillRef idx="1">
-                <a:schemeClr val="accent1"/>
-              </a:fillRef>
-              <a:effectRef idx="0">
-                <a:schemeClr val="accent1"/>
-              </a:effectRef>
-              <a:fontRef idx="minor">
-                <a:schemeClr val="lt1"/>
-              </a:fontRef>
-            </p:style>
-            <p:txBody>
-              <a:bodyPr rtlCol="0" anchor="ctr"/>
-              <a:lstStyle/>
-              <a:p>
-                <a:pPr algn="ctr"/>
-                <a:r>
-                  <a:rPr lang="en-US" altLang="zh-CN" sz="2800">
-                    <a:latin typeface="微软雅黑" panose="020B0503020204020204" charset="-122"/>
-                    <a:ea typeface="微软雅黑" panose="020B0503020204020204" charset="-122"/>
-                  </a:rPr>
-                  <a:t>26</a:t>
-                </a:r>
-              </a:p>
-            </p:txBody>
-          </p:sp>
-          <p:sp>
-            <p:nvSpPr>
-              <p:cNvPr id="26" name="文本框 25"/>
-              <p:cNvSpPr txBox="1"/>
-              <p:nvPr/>
-            </p:nvSpPr>
-            <p:spPr>
-              <a:xfrm>
-                <a:off x="4168" y="636"/>
-                <a:ext cx="11028" cy="1210"/>
-              </a:xfrm>
-              <a:prstGeom prst="rect">
-                <a:avLst/>
-              </a:prstGeom>
-              <a:noFill/>
-            </p:spPr>
-            <p:txBody>
-              <a:bodyPr wrap="none" rtlCol="0">
-                <a:spAutoFit/>
-              </a:bodyPr>
-              <a:lstStyle/>
-              <a:p>
-                <a:pPr algn="l"/>
-                <a:r>
-                  <a:rPr lang="zh-CN" altLang="en-US" sz="4400" b="1">
-                    <a:sym typeface="+mn-ea"/>
-                  </a:rPr>
-                  <a:t>SciPy, NumPy, and Matplotlib</a:t>
-                </a:r>
+                <a:endParaRPr lang="zh-CN" altLang="en-US" sz="4400" b="1">
+                  <a:sym typeface="+mn-ea"/>
+                </a:endParaRPr>
               </a:p>
             </p:txBody>
           </p:sp>
@@ -14900,7 +14128,7 @@
           <p:nvPr/>
         </p:nvPicPr>
         <p:blipFill>
-          <a:blip r:embed="rId2"/>
+          <a:blip r:embed="rId1"/>
           <a:stretch>
             <a:fillRect/>
           </a:stretch>
@@ -14923,7 +14151,7 @@
 </p:sld>
 </file>
 
-<file path=ppt/slides/slide29.xml><?xml version="1.0" encoding="utf-8"?>
+<file path=ppt/slides/slide28.xml><?xml version="1.0" encoding="utf-8"?>
 <p:sld xmlns:a="http://schemas.openxmlformats.org/drawingml/2006/main" xmlns:r="http://schemas.openxmlformats.org/officeDocument/2006/relationships" xmlns:p="http://schemas.openxmlformats.org/presentationml/2006/main">
   <p:cSld>
     <p:bg>
@@ -14957,7 +14185,7 @@
           <p:nvPr/>
         </p:nvPicPr>
         <p:blipFill>
-          <a:blip r:embed="rId2"/>
+          <a:blip r:embed="rId1"/>
           <a:srcRect l="5210" t="2776" r="1916" b="2046"/>
           <a:stretch>
             <a:fillRect/>
@@ -15043,7 +14271,7 @@
         <p:spPr>
           <a:xfrm>
             <a:off x="2284730" y="1825625"/>
-            <a:ext cx="8783320" cy="2584450"/>
+            <a:ext cx="8546465" cy="2584450"/>
           </a:xfrm>
           <a:prstGeom prst="rect">
             <a:avLst/>
@@ -15061,8 +14289,11 @@
               <a:rPr lang="en-US" altLang="zh-CN" sz="5400" b="1">
                 <a:sym typeface="+mn-ea"/>
               </a:rPr>
-              <a:t>Building Intuition via Thought </a:t>
+              <a:t>Building Intuition via </a:t>
             </a:r>
+            <a:endParaRPr lang="en-US" altLang="zh-CN" sz="5400" b="1">
+              <a:sym typeface="+mn-ea"/>
+            </a:endParaRPr>
           </a:p>
           <a:p>
             <a:pPr algn="l"/>
@@ -15070,7 +14301,7 @@
               <a:rPr lang="en-US" altLang="zh-CN" sz="5400" b="1">
                 <a:sym typeface="+mn-ea"/>
               </a:rPr>
-              <a:t>Experiments</a:t>
+              <a:t>Thought Experiments</a:t>
             </a:r>
             <a:endParaRPr lang="en-US" altLang="zh-CN" sz="5400"/>
           </a:p>
@@ -15146,6 +14377,9 @@
               </a:rPr>
               <a:t>通过实验直觉建立思想</a:t>
             </a:r>
+            <a:endParaRPr lang="zh-CN" altLang="en-US" sz="5400" b="1">
+              <a:sym typeface="+mn-ea"/>
+            </a:endParaRPr>
           </a:p>
           <a:p>
             <a:pPr algn="l"/>
@@ -15170,7 +14404,7 @@
             <a:avLst/>
           </a:prstGeom>
           <a:solidFill>
-            <a:srgbClr val="7030A0"/>
+            <a:srgbClr val="00B050"/>
           </a:solidFill>
           <a:ln>
             <a:noFill/>
@@ -15199,11 +14433,15 @@
             <a:pPr algn="ctr"/>
             <a:r>
               <a:rPr lang="en-US" altLang="zh-CN" sz="4800">
-                <a:latin typeface="微软雅黑" panose="020B0503020204020204" charset="-122"/>
-                <a:ea typeface="微软雅黑" panose="020B0503020204020204" charset="-122"/>
+                <a:latin typeface="Microsoft YaHei" panose="020B0503020204020204" charset="-122"/>
+                <a:ea typeface="Microsoft YaHei" panose="020B0503020204020204" charset="-122"/>
               </a:rPr>
               <a:t>3</a:t>
             </a:r>
+            <a:endParaRPr lang="en-US" altLang="zh-CN" sz="4800">
+              <a:latin typeface="Microsoft YaHei" panose="020B0503020204020204" charset="-122"/>
+              <a:ea typeface="Microsoft YaHei" panose="020B0503020204020204" charset="-122"/>
+            </a:endParaRPr>
           </a:p>
         </p:txBody>
       </p:sp>
@@ -15241,9 +14479,9 @@
         <p:grpSpPr>
           <a:xfrm>
             <a:off x="-635" y="403860"/>
-            <a:ext cx="12176125" cy="1198880"/>
+            <a:ext cx="12176125" cy="817880"/>
             <a:chOff x="-1" y="636"/>
-            <a:chExt cx="19175" cy="1888"/>
+            <a:chExt cx="19175" cy="1288"/>
           </a:xfrm>
         </p:grpSpPr>
         <p:cxnSp>
@@ -15291,9 +14529,9 @@
           <p:grpSpPr>
             <a:xfrm>
               <a:off x="-1" y="636"/>
-              <a:ext cx="18268" cy="1888"/>
+              <a:ext cx="18268" cy="1288"/>
               <a:chOff x="-1" y="636"/>
-              <a:chExt cx="18268" cy="1888"/>
+              <a:chExt cx="18268" cy="1288"/>
             </a:xfrm>
           </p:grpSpPr>
           <p:cxnSp>
@@ -15347,7 +14585,7 @@
                 <a:avLst/>
               </a:prstGeom>
               <a:solidFill>
-                <a:srgbClr val="7030A0"/>
+                <a:srgbClr val="00B050"/>
               </a:solidFill>
               <a:ln>
                 <a:noFill/>
@@ -15376,11 +14614,15 @@
                 <a:pPr algn="ctr"/>
                 <a:r>
                   <a:rPr lang="en-US" altLang="zh-CN" sz="4800">
-                    <a:latin typeface="微软雅黑" panose="020B0503020204020204" charset="-122"/>
-                    <a:ea typeface="微软雅黑" panose="020B0503020204020204" charset="-122"/>
+                    <a:latin typeface="Microsoft YaHei" panose="020B0503020204020204" charset="-122"/>
+                    <a:ea typeface="Microsoft YaHei" panose="020B0503020204020204" charset="-122"/>
                   </a:rPr>
                   <a:t>4</a:t>
                 </a:r>
+                <a:endParaRPr lang="en-US" altLang="zh-CN" sz="4800">
+                  <a:latin typeface="Microsoft YaHei" panose="020B0503020204020204" charset="-122"/>
+                  <a:ea typeface="Microsoft YaHei" panose="020B0503020204020204" charset="-122"/>
+                </a:endParaRPr>
               </a:p>
             </p:txBody>
           </p:sp>
@@ -15392,8 +14634,8 @@
             </p:nvSpPr>
             <p:spPr>
               <a:xfrm>
-                <a:off x="4138" y="636"/>
-                <a:ext cx="14129" cy="1888"/>
+                <a:off x="4138" y="817"/>
+                <a:ext cx="14129" cy="822"/>
               </a:xfrm>
               <a:prstGeom prst="rect">
                 <a:avLst/>
@@ -15408,11 +14650,14 @@
               <a:p>
                 <a:pPr algn="l"/>
                 <a:r>
-                  <a:rPr lang="en-US" altLang="zh-CN" sz="3600" b="1">
+                  <a:rPr lang="en-US" altLang="zh-CN" sz="2800" b="1">
                     <a:sym typeface="+mn-ea"/>
                   </a:rPr>
                   <a:t>Building Intuition via Thought Experiments</a:t>
                 </a:r>
+                <a:endParaRPr lang="en-US" altLang="zh-CN" sz="2800" b="1">
+                  <a:sym typeface="+mn-ea"/>
+                </a:endParaRPr>
               </a:p>
             </p:txBody>
           </p:sp>
@@ -15444,6 +14689,7 @@
               <a:rPr lang="zh-CN" altLang="en-US" sz="2400"/>
               <a:t>体重秤</a:t>
             </a:r>
+            <a:endParaRPr lang="zh-CN" altLang="en-US" sz="2400"/>
           </a:p>
         </p:txBody>
       </p:sp>
@@ -15476,10 +14722,12 @@
               <a:avLst/>
             </a:prstGeom>
             <a:solidFill>
-              <a:srgbClr val="7030A0"/>
+              <a:srgbClr val="00B050"/>
             </a:solidFill>
             <a:ln>
-              <a:noFill/>
+              <a:solidFill>
+                <a:srgbClr val="00B050"/>
+              </a:solidFill>
             </a:ln>
           </p:spPr>
           <p:style>
@@ -15524,7 +14772,7 @@
             <a:noFill/>
             <a:ln w="47625" cmpd="sng">
               <a:solidFill>
-                <a:srgbClr val="7030A0"/>
+                <a:srgbClr val="00B050"/>
               </a:solidFill>
               <a:prstDash val="solid"/>
             </a:ln>
@@ -15585,6 +14833,7 @@
               <a:rPr lang="en-US" altLang="zh-CN"/>
               <a:t> </a:t>
             </a:r>
+            <a:endParaRPr lang="en-US" altLang="zh-CN"/>
           </a:p>
         </p:txBody>
       </p:sp>
@@ -15622,6 +14871,9 @@
               </a:rPr>
               <a:t>172 lbs</a:t>
             </a:r>
+            <a:endParaRPr>
+              <a:sym typeface="+mn-ea"/>
+            </a:endParaRPr>
           </a:p>
         </p:txBody>
       </p:sp>
@@ -15671,6 +14923,7 @@
               <a:rPr lang="en-US" altLang="zh-CN"/>
               <a:t>1</a:t>
             </a:r>
+            <a:endParaRPr lang="en-US" altLang="zh-CN"/>
           </a:p>
         </p:txBody>
       </p:sp>
@@ -15720,6 +14973,7 @@
               <a:rPr lang="en-US" altLang="zh-CN"/>
               <a:t>2</a:t>
             </a:r>
+            <a:endParaRPr lang="en-US" altLang="zh-CN"/>
           </a:p>
         </p:txBody>
       </p:sp>
@@ -15732,9 +14986,9 @@
         <p:grpSpPr>
           <a:xfrm>
             <a:off x="1609090" y="3424555"/>
-            <a:ext cx="5207635" cy="460375"/>
+            <a:ext cx="6194425" cy="460375"/>
             <a:chOff x="2501" y="7053"/>
-            <a:chExt cx="8201" cy="725"/>
+            <a:chExt cx="9755" cy="725"/>
           </a:xfrm>
         </p:grpSpPr>
         <p:grpSp>
@@ -15766,7 +15020,7 @@
                 <a:avLst/>
               </a:prstGeom>
               <a:solidFill>
-                <a:srgbClr val="7030A0"/>
+                <a:srgbClr val="00B050"/>
               </a:solidFill>
               <a:ln>
                 <a:noFill/>
@@ -15814,7 +15068,7 @@
               <a:noFill/>
               <a:ln w="47625" cmpd="sng">
                 <a:solidFill>
-                  <a:srgbClr val="7030A0"/>
+                  <a:srgbClr val="00B050"/>
                 </a:solidFill>
                 <a:prstDash val="solid"/>
               </a:ln>
@@ -15854,7 +15108,7 @@
           <p:spPr>
             <a:xfrm>
               <a:off x="3237" y="7053"/>
-              <a:ext cx="7465" cy="725"/>
+              <a:ext cx="9019" cy="725"/>
             </a:xfrm>
             <a:prstGeom prst="rect">
               <a:avLst/>
@@ -15871,6 +15125,7 @@
                 <a:rPr lang="en-US" altLang="zh-CN" sz="2400"/>
                 <a:t>How can improve upon this result ? </a:t>
               </a:r>
+              <a:endParaRPr lang="en-US" altLang="zh-CN" sz="2400"/>
             </a:p>
           </p:txBody>
         </p:sp>
@@ -15935,6 +15190,7 @@
                 <a:rPr lang="en-US" altLang="zh-CN"/>
                 <a:t>A</a:t>
               </a:r>
+              <a:endParaRPr lang="en-US" altLang="zh-CN"/>
             </a:p>
           </p:txBody>
         </p:sp>
@@ -15967,6 +15223,9 @@
                 </a:rPr>
                 <a:t> first scale (A) reads “160 lbs”</a:t>
               </a:r>
+              <a:endParaRPr>
+                <a:sym typeface="+mn-ea"/>
+              </a:endParaRPr>
             </a:p>
           </p:txBody>
         </p:sp>
@@ -15980,7 +15239,7 @@
           <p:nvPr/>
         </p:nvPicPr>
         <p:blipFill>
-          <a:blip r:embed="rId2"/>
+          <a:blip r:embed="rId1"/>
           <a:stretch>
             <a:fillRect/>
           </a:stretch>
@@ -16023,6 +15282,9 @@
               </a:rPr>
               <a:t>体重秤</a:t>
             </a:r>
+            <a:endParaRPr lang="zh-CN" altLang="en-US" sz="1400">
+              <a:sym typeface="+mn-ea"/>
+            </a:endParaRPr>
           </a:p>
         </p:txBody>
       </p:sp>
@@ -16081,7 +15343,7 @@
         <p:spPr>
           <a:xfrm>
             <a:off x="5824855" y="2393315"/>
-            <a:ext cx="2540000" cy="368300"/>
+            <a:ext cx="2540000" cy="337185"/>
           </a:xfrm>
           <a:prstGeom prst="rect">
             <a:avLst/>
@@ -16095,9 +15357,10 @@
           <a:lstStyle/>
           <a:p>
             <a:r>
-              <a:rPr lang="zh-CN" altLang="en-US"/>
+              <a:rPr lang="zh-CN" altLang="en-US" sz="1600"/>
               <a:t>Sensors are inaccurate</a:t>
             </a:r>
+            <a:endParaRPr lang="zh-CN" altLang="en-US" sz="1600"/>
           </a:p>
         </p:txBody>
       </p:sp>
@@ -16110,7 +15373,7 @@
           <p:nvPr/>
         </p:nvPicPr>
         <p:blipFill>
-          <a:blip r:embed="rId3"/>
+          <a:blip r:embed="rId2"/>
           <a:stretch>
             <a:fillRect/>
           </a:stretch>
@@ -16134,7 +15397,7 @@
         <p:spPr>
           <a:xfrm>
             <a:off x="5843905" y="3128010"/>
-            <a:ext cx="2540000" cy="368300"/>
+            <a:ext cx="2540000" cy="337185"/>
           </a:xfrm>
           <a:prstGeom prst="rect">
             <a:avLst/>
@@ -16147,10 +15410,12 @@
           </a:bodyPr>
           <a:lstStyle/>
           <a:p>
+            <a:pPr algn="ctr"/>
             <a:r>
-              <a:rPr lang="zh-CN" altLang="en-US"/>
+              <a:rPr lang="zh-CN" altLang="en-US" sz="1600"/>
               <a:t>Try Another Scale</a:t>
             </a:r>
+            <a:endParaRPr lang="zh-CN" altLang="en-US" sz="1600"/>
           </a:p>
         </p:txBody>
       </p:sp>
@@ -16162,7 +15427,7 @@
         </p:nvSpPr>
         <p:spPr>
           <a:xfrm>
-            <a:off x="6694170" y="2761615"/>
+            <a:off x="6753860" y="2761615"/>
             <a:ext cx="337820" cy="366395"/>
           </a:xfrm>
           <a:prstGeom prst="downArrow">
@@ -16257,6 +15522,7 @@
                 <a:rPr lang="en-US" altLang="zh-CN"/>
                 <a:t>B</a:t>
               </a:r>
+              <a:endParaRPr lang="en-US" altLang="zh-CN"/>
             </a:p>
           </p:txBody>
         </p:sp>
@@ -16289,6 +15555,9 @@
                 </a:rPr>
                 <a:t> second (B) reads “170 lbs”</a:t>
               </a:r>
+              <a:endParaRPr>
+                <a:sym typeface="+mn-ea"/>
+              </a:endParaRPr>
             </a:p>
           </p:txBody>
         </p:sp>
@@ -16327,9 +15596,9 @@
         <p:grpSpPr>
           <a:xfrm>
             <a:off x="-635" y="403860"/>
-            <a:ext cx="12176125" cy="1198880"/>
+            <a:ext cx="12176125" cy="817880"/>
             <a:chOff x="-1" y="636"/>
-            <a:chExt cx="19175" cy="1888"/>
+            <a:chExt cx="19175" cy="1288"/>
           </a:xfrm>
         </p:grpSpPr>
         <p:cxnSp>
@@ -16377,9 +15646,9 @@
           <p:grpSpPr>
             <a:xfrm>
               <a:off x="-1" y="636"/>
-              <a:ext cx="18268" cy="1888"/>
+              <a:ext cx="18251" cy="1288"/>
               <a:chOff x="-1" y="636"/>
-              <a:chExt cx="18268" cy="1888"/>
+              <a:chExt cx="18251" cy="1288"/>
             </a:xfrm>
           </p:grpSpPr>
           <p:cxnSp>
@@ -16433,7 +15702,7 @@
                 <a:avLst/>
               </a:prstGeom>
               <a:solidFill>
-                <a:srgbClr val="7030A0"/>
+                <a:srgbClr val="00B050"/>
               </a:solidFill>
               <a:ln>
                 <a:noFill/>
@@ -16462,11 +15731,15 @@
                 <a:pPr algn="ctr"/>
                 <a:r>
                   <a:rPr lang="en-US" altLang="zh-CN" sz="4800">
-                    <a:latin typeface="微软雅黑" panose="020B0503020204020204" charset="-122"/>
-                    <a:ea typeface="微软雅黑" panose="020B0503020204020204" charset="-122"/>
+                    <a:latin typeface="Microsoft YaHei" panose="020B0503020204020204" charset="-122"/>
+                    <a:ea typeface="Microsoft YaHei" panose="020B0503020204020204" charset="-122"/>
                   </a:rPr>
                   <a:t>5</a:t>
                 </a:r>
+                <a:endParaRPr lang="en-US" altLang="zh-CN" sz="4800">
+                  <a:latin typeface="Microsoft YaHei" panose="020B0503020204020204" charset="-122"/>
+                  <a:ea typeface="Microsoft YaHei" panose="020B0503020204020204" charset="-122"/>
+                </a:endParaRPr>
               </a:p>
             </p:txBody>
           </p:sp>
@@ -16478,8 +15751,8 @@
             </p:nvSpPr>
             <p:spPr>
               <a:xfrm>
-                <a:off x="4138" y="636"/>
-                <a:ext cx="14129" cy="1888"/>
+                <a:off x="4121" y="831"/>
+                <a:ext cx="14129" cy="822"/>
               </a:xfrm>
               <a:prstGeom prst="rect">
                 <a:avLst/>
@@ -16494,11 +15767,14 @@
               <a:p>
                 <a:pPr algn="l"/>
                 <a:r>
-                  <a:rPr lang="en-US" altLang="zh-CN" sz="3600" b="1">
+                  <a:rPr lang="en-US" altLang="zh-CN" sz="2800" b="1">
                     <a:sym typeface="+mn-ea"/>
                   </a:rPr>
                   <a:t>Building Intuition via Thought Experiments</a:t>
                 </a:r>
+                <a:endParaRPr lang="en-US" altLang="zh-CN" sz="2800" b="1">
+                  <a:sym typeface="+mn-ea"/>
+                </a:endParaRPr>
               </a:p>
             </p:txBody>
           </p:sp>
@@ -16534,6 +15810,7 @@
               <a:rPr lang="zh-CN" altLang="en-US" sz="2400"/>
               <a:t>hat are our choices?</a:t>
             </a:r>
+            <a:endParaRPr lang="zh-CN" altLang="en-US" sz="2400"/>
           </a:p>
         </p:txBody>
       </p:sp>
@@ -16545,7 +15822,7 @@
         </p:nvGrpSpPr>
         <p:grpSpPr>
           <a:xfrm>
-            <a:off x="1588135" y="1663065"/>
+            <a:off x="1587500" y="1663065"/>
             <a:ext cx="331470" cy="323850"/>
             <a:chOff x="3085" y="2274"/>
             <a:chExt cx="522" cy="510"/>
@@ -16566,10 +15843,12 @@
               <a:avLst/>
             </a:prstGeom>
             <a:solidFill>
-              <a:srgbClr val="7030A0"/>
+              <a:srgbClr val="00B050"/>
             </a:solidFill>
             <a:ln>
-              <a:noFill/>
+              <a:solidFill>
+                <a:srgbClr val="00B050"/>
+              </a:solidFill>
             </a:ln>
           </p:spPr>
           <p:style>
@@ -16614,7 +15893,7 @@
             <a:noFill/>
             <a:ln w="47625" cmpd="sng">
               <a:solidFill>
-                <a:srgbClr val="7030A0"/>
+                <a:srgbClr val="00B050"/>
               </a:solidFill>
               <a:prstDash val="solid"/>
             </a:ln>
@@ -16654,9 +15933,9 @@
         <p:grpSpPr>
           <a:xfrm>
             <a:off x="1997075" y="2088515"/>
-            <a:ext cx="8063865" cy="368300"/>
+            <a:ext cx="9674860" cy="368300"/>
             <a:chOff x="3145" y="3289"/>
-            <a:chExt cx="12699" cy="580"/>
+            <a:chExt cx="15236" cy="580"/>
           </a:xfrm>
         </p:grpSpPr>
         <p:sp>
@@ -16668,7 +15947,7 @@
           <p:spPr>
             <a:xfrm>
               <a:off x="3606" y="3289"/>
-              <a:ext cx="12238" cy="580"/>
+              <a:ext cx="14775" cy="580"/>
             </a:xfrm>
             <a:prstGeom prst="rect">
               <a:avLst/>
@@ -16733,6 +16012,7 @@
                 <a:rPr lang="en-US" altLang="zh-CN"/>
                 <a:t>a</a:t>
               </a:r>
+              <a:endParaRPr lang="en-US" altLang="zh-CN"/>
             </a:p>
           </p:txBody>
         </p:sp>
@@ -16745,10 +16025,10 @@
         </p:nvGrpSpPr>
         <p:grpSpPr>
           <a:xfrm>
-            <a:off x="1587500" y="4171315"/>
-            <a:ext cx="6337300" cy="460375"/>
+            <a:off x="1587500" y="4272915"/>
+            <a:ext cx="7782560" cy="460375"/>
             <a:chOff x="2501" y="7053"/>
-            <a:chExt cx="9980" cy="725"/>
+            <a:chExt cx="12256" cy="725"/>
           </a:xfrm>
         </p:grpSpPr>
         <p:grpSp>
@@ -16780,7 +16060,7 @@
                 <a:avLst/>
               </a:prstGeom>
               <a:solidFill>
-                <a:srgbClr val="7030A0"/>
+                <a:srgbClr val="00B050"/>
               </a:solidFill>
               <a:ln>
                 <a:noFill/>
@@ -16828,7 +16108,7 @@
               <a:noFill/>
               <a:ln w="47625" cmpd="sng">
                 <a:solidFill>
-                  <a:srgbClr val="7030A0"/>
+                  <a:srgbClr val="00B050"/>
                 </a:solidFill>
                 <a:prstDash val="solid"/>
               </a:ln>
@@ -16868,7 +16148,7 @@
           <p:spPr>
             <a:xfrm>
               <a:off x="3237" y="7053"/>
-              <a:ext cx="9244" cy="725"/>
+              <a:ext cx="11520" cy="725"/>
             </a:xfrm>
             <a:prstGeom prst="rect">
               <a:avLst/>
@@ -16885,6 +16165,7 @@
                 <a:rPr lang="en-US" altLang="zh-CN" sz="2400"/>
                 <a:t>Best estimate is the average of A and B </a:t>
               </a:r>
+              <a:endParaRPr lang="en-US" altLang="zh-CN" sz="2400"/>
             </a:p>
           </p:txBody>
         </p:sp>
@@ -16897,10 +16178,10 @@
         </p:nvGrpSpPr>
         <p:grpSpPr>
           <a:xfrm>
-            <a:off x="1997075" y="2493010"/>
-            <a:ext cx="8063865" cy="368300"/>
+            <a:off x="1997075" y="2533650"/>
+            <a:ext cx="9041130" cy="368300"/>
             <a:chOff x="3145" y="3289"/>
-            <a:chExt cx="12699" cy="580"/>
+            <a:chExt cx="14238" cy="580"/>
           </a:xfrm>
         </p:grpSpPr>
         <p:sp>
@@ -16912,7 +16193,7 @@
           <p:spPr>
             <a:xfrm>
               <a:off x="3606" y="3289"/>
-              <a:ext cx="12238" cy="580"/>
+              <a:ext cx="13777" cy="580"/>
             </a:xfrm>
             <a:prstGeom prst="rect">
               <a:avLst/>
@@ -16977,6 +16258,7 @@
                 <a:rPr lang="en-US" altLang="zh-CN"/>
                 <a:t>b</a:t>
               </a:r>
+              <a:endParaRPr lang="en-US" altLang="zh-CN"/>
             </a:p>
           </p:txBody>
         </p:sp>
@@ -16989,7 +16271,7 @@
         </p:nvGrpSpPr>
         <p:grpSpPr>
           <a:xfrm>
-            <a:off x="1997075" y="2897505"/>
+            <a:off x="1997075" y="2978785"/>
             <a:ext cx="8063865" cy="368300"/>
             <a:chOff x="3145" y="3289"/>
             <a:chExt cx="12699" cy="580"/>
@@ -17069,6 +16351,7 @@
                 <a:rPr lang="en-US" altLang="zh-CN"/>
                 <a:t>c</a:t>
               </a:r>
+              <a:endParaRPr lang="en-US" altLang="zh-CN"/>
             </a:p>
           </p:txBody>
         </p:sp>
@@ -17081,7 +16364,7 @@
         </p:nvGrpSpPr>
         <p:grpSpPr>
           <a:xfrm>
-            <a:off x="1997075" y="3302000"/>
+            <a:off x="1997075" y="3423920"/>
             <a:ext cx="8047990" cy="368300"/>
             <a:chOff x="3170" y="3289"/>
             <a:chExt cx="12674" cy="580"/>
@@ -17167,6 +16450,7 @@
                 <a:rPr lang="en-US" altLang="zh-CN"/>
                 <a:t>d</a:t>
               </a:r>
+              <a:endParaRPr lang="en-US" altLang="zh-CN"/>
             </a:p>
           </p:txBody>
         </p:sp>
@@ -17179,7 +16463,7 @@
         </p:nvGrpSpPr>
         <p:grpSpPr>
           <a:xfrm>
-            <a:off x="1997075" y="3706495"/>
+            <a:off x="1997075" y="3869055"/>
             <a:ext cx="8063865" cy="368300"/>
             <a:chOff x="3145" y="3289"/>
             <a:chExt cx="12699" cy="580"/>
@@ -17259,6 +16543,7 @@
                 <a:rPr lang="en-US" altLang="zh-CN"/>
                 <a:t>e</a:t>
               </a:r>
+              <a:endParaRPr lang="en-US" altLang="zh-CN"/>
             </a:p>
           </p:txBody>
         </p:sp>
@@ -17272,6 +16557,30 @@
           <p:nvPr/>
         </p:nvPicPr>
         <p:blipFill>
+          <a:blip r:embed="rId1"/>
+          <a:stretch>
+            <a:fillRect/>
+          </a:stretch>
+        </p:blipFill>
+        <p:spPr>
+          <a:xfrm>
+            <a:off x="8416290" y="5316855"/>
+            <a:ext cx="2084070" cy="683895"/>
+          </a:xfrm>
+          <a:prstGeom prst="rect">
+            <a:avLst/>
+          </a:prstGeom>
+        </p:spPr>
+      </p:pic>
+      <p:pic>
+        <p:nvPicPr>
+          <p:cNvPr id="16" name="图片 15"/>
+          <p:cNvPicPr>
+            <a:picLocks noChangeAspect="1"/>
+          </p:cNvPicPr>
+          <p:nvPr/>
+        </p:nvPicPr>
+        <p:blipFill>
           <a:blip r:embed="rId2"/>
           <a:stretch>
             <a:fillRect/>
@@ -17279,8 +16588,8 @@
         </p:blipFill>
         <p:spPr>
           <a:xfrm>
-            <a:off x="4234815" y="4810760"/>
-            <a:ext cx="2738755" cy="898525"/>
+            <a:off x="2221865" y="4858385"/>
+            <a:ext cx="5447030" cy="1851025"/>
           </a:xfrm>
           <a:prstGeom prst="rect">
             <a:avLst/>
@@ -17458,6 +16767,9 @@
               </a:rPr>
               <a:t>滤波</a:t>
             </a:r>
+            <a:endParaRPr lang="zh-CN" altLang="en-US" sz="5400" b="1">
+              <a:sym typeface="+mn-ea"/>
+            </a:endParaRPr>
           </a:p>
         </p:txBody>
       </p:sp>
@@ -17476,7 +16788,7 @@
             <a:avLst/>
           </a:prstGeom>
           <a:solidFill>
-            <a:srgbClr val="7030A0"/>
+            <a:srgbClr val="00B050"/>
           </a:solidFill>
           <a:ln>
             <a:noFill/>
@@ -17505,11 +16817,15 @@
             <a:pPr algn="ctr"/>
             <a:r>
               <a:rPr lang="en-US" altLang="zh-CN" sz="4800">
-                <a:latin typeface="微软雅黑" panose="020B0503020204020204" charset="-122"/>
-                <a:ea typeface="微软雅黑" panose="020B0503020204020204" charset="-122"/>
+                <a:latin typeface="Microsoft YaHei" panose="020B0503020204020204" charset="-122"/>
+                <a:ea typeface="Microsoft YaHei" panose="020B0503020204020204" charset="-122"/>
               </a:rPr>
               <a:t>6</a:t>
             </a:r>
+            <a:endParaRPr lang="en-US" altLang="zh-CN" sz="4800">
+              <a:latin typeface="Microsoft YaHei" panose="020B0503020204020204" charset="-122"/>
+              <a:ea typeface="Microsoft YaHei" panose="020B0503020204020204" charset="-122"/>
+            </a:endParaRPr>
           </a:p>
         </p:txBody>
       </p:sp>
@@ -17653,7 +16969,7 @@
                 <a:avLst/>
               </a:prstGeom>
               <a:solidFill>
-                <a:srgbClr val="7030A0"/>
+                <a:srgbClr val="00B050"/>
               </a:solidFill>
               <a:ln>
                 <a:noFill/>
@@ -17682,11 +16998,15 @@
                 <a:pPr algn="ctr"/>
                 <a:r>
                   <a:rPr lang="en-US" altLang="zh-CN" sz="4800">
-                    <a:latin typeface="微软雅黑" panose="020B0503020204020204" charset="-122"/>
-                    <a:ea typeface="微软雅黑" panose="020B0503020204020204" charset="-122"/>
+                    <a:latin typeface="Microsoft YaHei" panose="020B0503020204020204" charset="-122"/>
+                    <a:ea typeface="Microsoft YaHei" panose="020B0503020204020204" charset="-122"/>
                   </a:rPr>
                   <a:t>7</a:t>
                 </a:r>
+                <a:endParaRPr lang="en-US" altLang="zh-CN" sz="4800">
+                  <a:latin typeface="Microsoft YaHei" panose="020B0503020204020204" charset="-122"/>
+                  <a:ea typeface="Microsoft YaHei" panose="020B0503020204020204" charset="-122"/>
+                </a:endParaRPr>
               </a:p>
             </p:txBody>
           </p:sp>
@@ -17775,6 +17095,7 @@
                 <a:rPr lang="en-US" altLang="zh-CN" sz="2400"/>
                 <a:t>? </a:t>
               </a:r>
+              <a:endParaRPr lang="en-US" altLang="zh-CN" sz="2400"/>
             </a:p>
           </p:txBody>
         </p:sp>
@@ -17807,7 +17128,7 @@
                 <a:avLst/>
               </a:prstGeom>
               <a:solidFill>
-                <a:srgbClr val="7030A0"/>
+                <a:srgbClr val="00B050"/>
               </a:solidFill>
               <a:ln>
                 <a:noFill/>
@@ -17855,7 +17176,7 @@
               <a:noFill/>
               <a:ln w="47625" cmpd="sng">
                 <a:solidFill>
-                  <a:srgbClr val="7030A0"/>
+                  <a:srgbClr val="00B050"/>
                 </a:solidFill>
                 <a:prstDash val="solid"/>
               </a:ln>
@@ -17976,6 +17297,9 @@
                 </a:rPr>
                 <a:t>α-β filter</a:t>
               </a:r>
+              <a:endParaRPr lang="zh-CN" altLang="en-US">
+                <a:sym typeface="+mn-ea"/>
+              </a:endParaRPr>
             </a:p>
           </p:txBody>
         </p:sp>
@@ -18069,6 +17393,9 @@
                 </a:rPr>
                 <a:t>g is the scaling we used for the measurement</a:t>
               </a:r>
+              <a:endParaRPr lang="en-US" altLang="zh-CN">
+                <a:sym typeface="+mn-ea"/>
+              </a:endParaRPr>
             </a:p>
           </p:txBody>
         </p:sp>
@@ -18082,9 +17409,9 @@
         <p:grpSpPr>
           <a:xfrm>
             <a:off x="2519045" y="3244850"/>
-            <a:ext cx="6829425" cy="368300"/>
+            <a:ext cx="7650480" cy="368300"/>
             <a:chOff x="3145" y="7989"/>
-            <a:chExt cx="10755" cy="580"/>
+            <a:chExt cx="12048" cy="580"/>
           </a:xfrm>
         </p:grpSpPr>
         <p:sp>
@@ -18142,7 +17469,7 @@
           <p:spPr>
             <a:xfrm>
               <a:off x="3606" y="7989"/>
-              <a:ext cx="10294" cy="580"/>
+              <a:ext cx="11587" cy="580"/>
             </a:xfrm>
             <a:prstGeom prst="rect">
               <a:avLst/>
@@ -18162,6 +17489,9 @@
                 </a:rPr>
                 <a:t>h is the scaling for the change in measurement over time</a:t>
               </a:r>
+              <a:endParaRPr lang="zh-CN" altLang="en-US">
+                <a:sym typeface="+mn-ea"/>
+              </a:endParaRPr>
             </a:p>
           </p:txBody>
         </p:sp>
@@ -18220,6 +17550,7 @@
                 <a:rPr lang="zh-CN" altLang="en-US" sz="2400"/>
                 <a:t> </a:t>
               </a:r>
+              <a:endParaRPr lang="zh-CN" altLang="en-US" sz="2400"/>
             </a:p>
           </p:txBody>
         </p:sp>
@@ -18427,6 +17758,9 @@
                 </a:rPr>
                 <a:t>otation is introduced without explanation</a:t>
               </a:r>
+              <a:endParaRPr lang="zh-CN" altLang="en-US">
+                <a:sym typeface="+mn-ea"/>
+              </a:endParaRPr>
             </a:p>
           </p:txBody>
         </p:sp>
@@ -18520,6 +17854,9 @@
                 </a:rPr>
                 <a:t>books are almost devoid of examples or worked problems</a:t>
               </a:r>
+              <a:endParaRPr>
+                <a:sym typeface="+mn-ea"/>
+              </a:endParaRPr>
             </a:p>
           </p:txBody>
         </p:sp>
@@ -18649,6 +17986,241 @@
           <a:chExt cx="0" cy="0"/>
         </a:xfrm>
       </p:grpSpPr>
+      <p:cxnSp>
+        <p:nvCxnSpPr>
+          <p:cNvPr id="4" name="直接连接符 3"/>
+          <p:cNvCxnSpPr/>
+          <p:nvPr/>
+        </p:nvCxnSpPr>
+        <p:spPr>
+          <a:xfrm>
+            <a:off x="3810" y="3431540"/>
+            <a:ext cx="2071370" cy="11430"/>
+          </a:xfrm>
+          <a:prstGeom prst="line">
+            <a:avLst/>
+          </a:prstGeom>
+          <a:ln w="22225" cmpd="sng">
+            <a:solidFill>
+              <a:schemeClr val="bg2"/>
+            </a:solidFill>
+            <a:prstDash val="solid"/>
+          </a:ln>
+        </p:spPr>
+        <p:style>
+          <a:lnRef idx="1">
+            <a:schemeClr val="accent3"/>
+          </a:lnRef>
+          <a:fillRef idx="0">
+            <a:schemeClr val="accent3"/>
+          </a:fillRef>
+          <a:effectRef idx="0">
+            <a:schemeClr val="accent3"/>
+          </a:effectRef>
+          <a:fontRef idx="minor">
+            <a:schemeClr val="tx1"/>
+          </a:fontRef>
+        </p:style>
+      </p:cxnSp>
+      <p:sp>
+        <p:nvSpPr>
+          <p:cNvPr id="7" name="文本框 6"/>
+          <p:cNvSpPr txBox="1"/>
+          <p:nvPr/>
+        </p:nvSpPr>
+        <p:spPr>
+          <a:xfrm>
+            <a:off x="2342515" y="2683510"/>
+            <a:ext cx="2708275" cy="3415030"/>
+          </a:xfrm>
+          <a:prstGeom prst="rect">
+            <a:avLst/>
+          </a:prstGeom>
+          <a:noFill/>
+        </p:spPr>
+        <p:txBody>
+          <a:bodyPr wrap="none" rtlCol="0" anchor="t">
+            <a:spAutoFit/>
+          </a:bodyPr>
+          <a:lstStyle/>
+          <a:p>
+            <a:pPr algn="l"/>
+            <a:r>
+              <a:rPr lang="en-US" altLang="zh-CN" sz="5400" b="1">
+                <a:sym typeface="+mn-ea"/>
+              </a:rPr>
+              <a:t>Notation</a:t>
+            </a:r>
+            <a:endParaRPr lang="en-US" altLang="zh-CN" sz="5400"/>
+          </a:p>
+          <a:p>
+            <a:pPr algn="l"/>
+            <a:endParaRPr lang="zh-CN" altLang="en-US" sz="5400"/>
+          </a:p>
+          <a:p>
+            <a:pPr algn="l"/>
+            <a:endParaRPr lang="zh-CN" altLang="en-US" sz="5400" b="1">
+              <a:sym typeface="+mn-ea"/>
+            </a:endParaRPr>
+          </a:p>
+          <a:p>
+            <a:endParaRPr lang="zh-CN" altLang="en-US" sz="5400" b="1">
+              <a:sym typeface="+mn-ea"/>
+            </a:endParaRPr>
+          </a:p>
+        </p:txBody>
+      </p:sp>
+      <p:cxnSp>
+        <p:nvCxnSpPr>
+          <p:cNvPr id="8" name="直接连接符 7"/>
+          <p:cNvCxnSpPr/>
+          <p:nvPr/>
+        </p:nvCxnSpPr>
+        <p:spPr>
+          <a:xfrm>
+            <a:off x="10449560" y="3433445"/>
+            <a:ext cx="1744980" cy="1905"/>
+          </a:xfrm>
+          <a:prstGeom prst="line">
+            <a:avLst/>
+          </a:prstGeom>
+          <a:ln w="22225" cmpd="sng">
+            <a:solidFill>
+              <a:schemeClr val="bg2"/>
+            </a:solidFill>
+            <a:prstDash val="solid"/>
+          </a:ln>
+        </p:spPr>
+        <p:style>
+          <a:lnRef idx="1">
+            <a:schemeClr val="accent3"/>
+          </a:lnRef>
+          <a:fillRef idx="0">
+            <a:schemeClr val="accent3"/>
+          </a:fillRef>
+          <a:effectRef idx="0">
+            <a:schemeClr val="accent3"/>
+          </a:effectRef>
+          <a:fontRef idx="minor">
+            <a:schemeClr val="tx1"/>
+          </a:fontRef>
+        </p:style>
+      </p:cxnSp>
+      <p:sp>
+        <p:nvSpPr>
+          <p:cNvPr id="9" name="文本框 8"/>
+          <p:cNvSpPr txBox="1"/>
+          <p:nvPr/>
+        </p:nvSpPr>
+        <p:spPr>
+          <a:xfrm>
+            <a:off x="2324100" y="3435350"/>
+            <a:ext cx="2938780" cy="922020"/>
+          </a:xfrm>
+          <a:prstGeom prst="rect">
+            <a:avLst/>
+          </a:prstGeom>
+          <a:noFill/>
+        </p:spPr>
+        <p:txBody>
+          <a:bodyPr wrap="none" rtlCol="0" anchor="t">
+            <a:spAutoFit/>
+          </a:bodyPr>
+          <a:lstStyle/>
+          <a:p>
+            <a:r>
+              <a:rPr lang="zh-CN" altLang="en-US" sz="5400" b="1">
+                <a:sym typeface="+mn-ea"/>
+              </a:rPr>
+              <a:t>符号表示</a:t>
+            </a:r>
+            <a:endParaRPr lang="zh-CN" altLang="en-US" sz="5400" b="1">
+              <a:sym typeface="+mn-ea"/>
+            </a:endParaRPr>
+          </a:p>
+        </p:txBody>
+      </p:sp>
+      <p:sp>
+        <p:nvSpPr>
+          <p:cNvPr id="11" name="椭圆 10"/>
+          <p:cNvSpPr/>
+          <p:nvPr/>
+        </p:nvSpPr>
+        <p:spPr>
+          <a:xfrm>
+            <a:off x="615315" y="3020060"/>
+            <a:ext cx="848360" cy="817880"/>
+          </a:xfrm>
+          <a:prstGeom prst="ellipse">
+            <a:avLst/>
+          </a:prstGeom>
+          <a:solidFill>
+            <a:srgbClr val="7030A0"/>
+          </a:solidFill>
+          <a:ln>
+            <a:noFill/>
+          </a:ln>
+        </p:spPr>
+        <p:style>
+          <a:lnRef idx="2">
+            <a:schemeClr val="accent1">
+              <a:shade val="50000"/>
+            </a:schemeClr>
+          </a:lnRef>
+          <a:fillRef idx="1">
+            <a:schemeClr val="accent1"/>
+          </a:fillRef>
+          <a:effectRef idx="0">
+            <a:schemeClr val="accent1"/>
+          </a:effectRef>
+          <a:fontRef idx="minor">
+            <a:schemeClr val="lt1"/>
+          </a:fontRef>
+        </p:style>
+        <p:txBody>
+          <a:bodyPr rtlCol="0" anchor="ctr"/>
+          <a:lstStyle/>
+          <a:p>
+            <a:pPr algn="ctr"/>
+            <a:r>
+              <a:rPr lang="en-US" altLang="zh-CN" sz="4800">
+                <a:latin typeface="Microsoft YaHei" panose="020B0503020204020204" charset="-122"/>
+                <a:ea typeface="Microsoft YaHei" panose="020B0503020204020204" charset="-122"/>
+              </a:rPr>
+              <a:t>9</a:t>
+            </a:r>
+            <a:endParaRPr lang="en-US" altLang="zh-CN" sz="4800">
+              <a:latin typeface="Microsoft YaHei" panose="020B0503020204020204" charset="-122"/>
+              <a:ea typeface="Microsoft YaHei" panose="020B0503020204020204" charset="-122"/>
+            </a:endParaRPr>
+          </a:p>
+        </p:txBody>
+      </p:sp>
+    </p:spTree>
+  </p:cSld>
+  <p:clrMapOvr>
+    <a:masterClrMapping/>
+  </p:clrMapOvr>
+</p:sld>
+</file>
+
+<file path=ppt/slides/slide9.xml><?xml version="1.0" encoding="utf-8"?>
+<p:sld xmlns:a="http://schemas.openxmlformats.org/drawingml/2006/main" xmlns:r="http://schemas.openxmlformats.org/officeDocument/2006/relationships" xmlns:p="http://schemas.openxmlformats.org/presentationml/2006/main">
+  <p:cSld>
+    <p:spTree>
+      <p:nvGrpSpPr>
+        <p:cNvPr id="1" name=""/>
+        <p:cNvGrpSpPr/>
+        <p:nvPr/>
+      </p:nvGrpSpPr>
+      <p:grpSpPr>
+        <a:xfrm>
+          <a:off x="0" y="0"/>
+          <a:ext cx="0" cy="0"/>
+          <a:chOff x="0" y="0"/>
+          <a:chExt cx="0" cy="0"/>
+        </a:xfrm>
+      </p:grpSpPr>
       <p:grpSp>
         <p:nvGrpSpPr>
           <p:cNvPr id="6" name="组合 5"/>
@@ -18708,9 +18280,9 @@
           <p:grpSpPr>
             <a:xfrm>
               <a:off x="-1" y="636"/>
-              <a:ext cx="9250" cy="1288"/>
+              <a:ext cx="7697" cy="1288"/>
               <a:chOff x="-1" y="636"/>
-              <a:chExt cx="9250" cy="1288"/>
+              <a:chExt cx="7697" cy="1288"/>
             </a:xfrm>
           </p:grpSpPr>
           <p:cxnSp>
@@ -18792,12 +18364,16 @@
               <a:p>
                 <a:pPr algn="ctr"/>
                 <a:r>
-                  <a:rPr lang="en-US" altLang="zh-CN" sz="4800">
-                    <a:latin typeface="微软雅黑" panose="020B0503020204020204" charset="-122"/>
-                    <a:ea typeface="微软雅黑" panose="020B0503020204020204" charset="-122"/>
+                  <a:rPr lang="en-US" altLang="zh-CN" sz="2800">
+                    <a:latin typeface="Microsoft YaHei" panose="020B0503020204020204" charset="-122"/>
+                    <a:ea typeface="Microsoft YaHei" panose="020B0503020204020204" charset="-122"/>
                   </a:rPr>
-                  <a:t>8</a:t>
+                  <a:t>10</a:t>
                 </a:r>
+                <a:endParaRPr lang="en-US" altLang="zh-CN" sz="2800">
+                  <a:latin typeface="Microsoft YaHei" panose="020B0503020204020204" charset="-122"/>
+                  <a:ea typeface="Microsoft YaHei" panose="020B0503020204020204" charset="-122"/>
+                </a:endParaRPr>
               </a:p>
             </p:txBody>
           </p:sp>
@@ -18810,7 +18386,7 @@
             <p:spPr>
               <a:xfrm>
                 <a:off x="4168" y="636"/>
-                <a:ext cx="5081" cy="1210"/>
+                <a:ext cx="3528" cy="1210"/>
               </a:xfrm>
               <a:prstGeom prst="rect">
                 <a:avLst/>
@@ -18828,7 +18404,7 @@
                   <a:rPr lang="en-US" altLang="zh-CN" sz="4400" b="1">
                     <a:sym typeface="+mn-ea"/>
                   </a:rPr>
-                  <a:t>The g-h Filter</a:t>
+                  <a:t>Notation</a:t>
                 </a:r>
                 <a:endParaRPr lang="zh-CN" altLang="en-US" sz="4400" b="1">
                   <a:sym typeface="+mn-ea"/>
@@ -18840,13 +18416,13 @@
       </p:grpSp>
       <p:grpSp>
         <p:nvGrpSpPr>
-          <p:cNvPr id="10" name="组合 9"/>
+          <p:cNvPr id="12" name="组合 11"/>
           <p:cNvGrpSpPr/>
           <p:nvPr/>
         </p:nvGrpSpPr>
         <p:grpSpPr>
           <a:xfrm>
-            <a:off x="1838960" y="1516380"/>
+            <a:off x="1683385" y="1438910"/>
             <a:ext cx="6790690" cy="460375"/>
             <a:chOff x="2896" y="2388"/>
             <a:chExt cx="10694" cy="725"/>
@@ -18854,7 +18430,7 @@
         </p:grpSpPr>
         <p:sp>
           <p:nvSpPr>
-            <p:cNvPr id="9" name="文本框 8"/>
+            <p:cNvPr id="13" name="文本框 12"/>
             <p:cNvSpPr txBox="1"/>
             <p:nvPr/>
           </p:nvSpPr>
@@ -18875,23 +18451,16 @@
             <a:lstStyle/>
             <a:p>
               <a:r>
-                <a:rPr lang="en-US" altLang="zh-CN" sz="2400"/>
-                <a:t>What </a:t>
+                <a:rPr lang="zh-CN" altLang="en-US" sz="2400"/>
+                <a:t>Measurement</a:t>
               </a:r>
-              <a:r>
-                <a:rPr lang="zh-CN" altLang="en-US" sz="2400"/>
-                <a:t>g-h Filter </a:t>
-              </a:r>
-              <a:r>
-                <a:rPr lang="en-US" altLang="zh-CN" sz="2400"/>
-                <a:t>? </a:t>
-              </a:r>
+              <a:endParaRPr lang="zh-CN" altLang="en-US" sz="2400"/>
             </a:p>
           </p:txBody>
         </p:sp>
         <p:grpSp>
           <p:nvGrpSpPr>
-            <p:cNvPr id="27" name="组合 26"/>
+            <p:cNvPr id="14" name="组合 13"/>
             <p:cNvGrpSpPr/>
             <p:nvPr/>
           </p:nvGrpSpPr>
@@ -18905,7 +18474,7 @@
           </p:grpSpPr>
           <p:sp>
             <p:nvSpPr>
-              <p:cNvPr id="28" name="椭圆 27"/>
+              <p:cNvPr id="15" name="椭圆 14"/>
               <p:cNvSpPr/>
               <p:nvPr/>
             </p:nvSpPr>
@@ -18951,7 +18520,7 @@
           </p:sp>
           <p:sp>
             <p:nvSpPr>
-              <p:cNvPr id="29" name="椭圆 28"/>
+              <p:cNvPr id="16" name="椭圆 15"/>
               <p:cNvSpPr/>
               <p:nvPr/>
             </p:nvSpPr>
@@ -19006,10 +18575,10 @@
         </p:nvGrpSpPr>
         <p:grpSpPr>
           <a:xfrm>
-            <a:off x="2528570" y="2139950"/>
-            <a:ext cx="1290955" cy="368300"/>
+            <a:off x="2353945" y="2476500"/>
+            <a:ext cx="3874135" cy="368300"/>
             <a:chOff x="3145" y="7989"/>
-            <a:chExt cx="2033" cy="580"/>
+            <a:chExt cx="6101" cy="580"/>
           </a:xfrm>
         </p:grpSpPr>
         <p:sp>
@@ -19066,101 +18635,8 @@
           </p:nvSpPr>
           <p:spPr>
             <a:xfrm>
-              <a:off x="3606" y="7989"/>
-              <a:ext cx="1572" cy="580"/>
-            </a:xfrm>
-            <a:prstGeom prst="rect">
-              <a:avLst/>
-            </a:prstGeom>
-            <a:noFill/>
-          </p:spPr>
-          <p:txBody>
-            <a:bodyPr wrap="none" rtlCol="0" anchor="t">
-              <a:spAutoFit/>
-            </a:bodyPr>
-            <a:lstStyle/>
-            <a:p>
-              <a:pPr algn="l"/>
-              <a:r>
-                <a:rPr lang="zh-CN" altLang="en-US">
-                  <a:sym typeface="+mn-ea"/>
-                </a:rPr>
-                <a:t>α-β filter</a:t>
-              </a:r>
-            </a:p>
-          </p:txBody>
-        </p:sp>
-      </p:grpSp>
-      <p:grpSp>
-        <p:nvGrpSpPr>
-          <p:cNvPr id="14" name="组合 13"/>
-          <p:cNvGrpSpPr/>
-          <p:nvPr/>
-        </p:nvGrpSpPr>
-        <p:grpSpPr>
-          <a:xfrm>
-            <a:off x="2519045" y="2671445"/>
-            <a:ext cx="4663440" cy="368300"/>
-            <a:chOff x="3145" y="7989"/>
-            <a:chExt cx="7344" cy="580"/>
-          </a:xfrm>
-        </p:grpSpPr>
-        <p:sp>
-          <p:nvSpPr>
-            <p:cNvPr id="15" name="矩形 14"/>
-            <p:cNvSpPr/>
-            <p:nvPr/>
-          </p:nvSpPr>
-          <p:spPr>
-            <a:xfrm>
-              <a:off x="3145" y="8104"/>
-              <a:ext cx="354" cy="350"/>
-            </a:xfrm>
-            <a:prstGeom prst="rect">
-              <a:avLst/>
-            </a:prstGeom>
-            <a:solidFill>
-              <a:srgbClr val="FFC000"/>
-            </a:solidFill>
-            <a:ln>
-              <a:noFill/>
-            </a:ln>
-          </p:spPr>
-          <p:style>
-            <a:lnRef idx="2">
-              <a:schemeClr val="accent1">
-                <a:shade val="50000"/>
-              </a:schemeClr>
-            </a:lnRef>
-            <a:fillRef idx="1">
-              <a:schemeClr val="accent1"/>
-            </a:fillRef>
-            <a:effectRef idx="0">
-              <a:schemeClr val="accent1"/>
-            </a:effectRef>
-            <a:fontRef idx="minor">
-              <a:schemeClr val="lt1"/>
-            </a:fontRef>
-          </p:style>
-          <p:txBody>
-            <a:bodyPr rtlCol="0" anchor="ctr"/>
-            <a:lstStyle/>
-            <a:p>
-              <a:pPr algn="ctr"/>
-              <a:endParaRPr lang="zh-CN" altLang="en-US"/>
-            </a:p>
-          </p:txBody>
-        </p:sp>
-        <p:sp>
-          <p:nvSpPr>
-            <p:cNvPr id="16" name="文本框 15"/>
-            <p:cNvSpPr txBox="1"/>
-            <p:nvPr/>
-          </p:nvSpPr>
-          <p:spPr>
-            <a:xfrm>
-              <a:off x="3606" y="7989"/>
-              <a:ext cx="6883" cy="580"/>
+              <a:off x="3635" y="7989"/>
+              <a:ext cx="5611" cy="580"/>
             </a:xfrm>
             <a:prstGeom prst="rect">
               <a:avLst/>
@@ -19178,366 +18654,17 @@
                 <a:rPr lang="en-US" altLang="zh-CN">
                   <a:sym typeface="+mn-ea"/>
                 </a:rPr>
-                <a:t>g is the scaling we used for the measurement</a:t>
-              </a:r>
-            </a:p>
-          </p:txBody>
-        </p:sp>
-      </p:grpSp>
-      <p:grpSp>
-        <p:nvGrpSpPr>
-          <p:cNvPr id="17" name="组合 16"/>
-          <p:cNvGrpSpPr/>
-          <p:nvPr/>
-        </p:nvGrpSpPr>
-        <p:grpSpPr>
-          <a:xfrm>
-            <a:off x="2519045" y="3244850"/>
-            <a:ext cx="6829425" cy="368300"/>
-            <a:chOff x="3145" y="7989"/>
-            <a:chExt cx="10755" cy="580"/>
-          </a:xfrm>
-        </p:grpSpPr>
-        <p:sp>
-          <p:nvSpPr>
-            <p:cNvPr id="18" name="矩形 17"/>
-            <p:cNvSpPr/>
-            <p:nvPr/>
-          </p:nvSpPr>
-          <p:spPr>
-            <a:xfrm>
-              <a:off x="3145" y="8104"/>
-              <a:ext cx="354" cy="350"/>
-            </a:xfrm>
-            <a:prstGeom prst="rect">
-              <a:avLst/>
-            </a:prstGeom>
-            <a:solidFill>
-              <a:srgbClr val="FFC000"/>
-            </a:solidFill>
-            <a:ln>
-              <a:noFill/>
-            </a:ln>
-          </p:spPr>
-          <p:style>
-            <a:lnRef idx="2">
-              <a:schemeClr val="accent1">
-                <a:shade val="50000"/>
-              </a:schemeClr>
-            </a:lnRef>
-            <a:fillRef idx="1">
-              <a:schemeClr val="accent1"/>
-            </a:fillRef>
-            <a:effectRef idx="0">
-              <a:schemeClr val="accent1"/>
-            </a:effectRef>
-            <a:fontRef idx="minor">
-              <a:schemeClr val="lt1"/>
-            </a:fontRef>
-          </p:style>
-          <p:txBody>
-            <a:bodyPr rtlCol="0" anchor="ctr"/>
-            <a:lstStyle/>
-            <a:p>
-              <a:pPr algn="ctr"/>
-              <a:endParaRPr lang="zh-CN" altLang="en-US"/>
-            </a:p>
-          </p:txBody>
-        </p:sp>
-        <p:sp>
-          <p:nvSpPr>
-            <p:cNvPr id="19" name="文本框 18"/>
-            <p:cNvSpPr txBox="1"/>
-            <p:nvPr/>
-          </p:nvSpPr>
-          <p:spPr>
-            <a:xfrm>
-              <a:off x="3606" y="7989"/>
-              <a:ext cx="10294" cy="580"/>
-            </a:xfrm>
-            <a:prstGeom prst="rect">
-              <a:avLst/>
-            </a:prstGeom>
-            <a:noFill/>
-          </p:spPr>
-          <p:txBody>
-            <a:bodyPr wrap="square" rtlCol="0" anchor="t">
-              <a:spAutoFit/>
-            </a:bodyPr>
-            <a:lstStyle/>
-            <a:p>
-              <a:pPr algn="l"/>
-              <a:r>
-                <a:rPr lang="zh-CN" altLang="en-US">
-                  <a:sym typeface="+mn-ea"/>
-                </a:rPr>
-                <a:t>h is the scaling for the change in measurement over time</a:t>
-              </a:r>
-            </a:p>
-          </p:txBody>
-        </p:sp>
-      </p:grpSp>
-      <p:grpSp>
-        <p:nvGrpSpPr>
-          <p:cNvPr id="20" name="组合 19"/>
-          <p:cNvGrpSpPr/>
-          <p:nvPr/>
-        </p:nvGrpSpPr>
-        <p:grpSpPr>
-          <a:xfrm>
-            <a:off x="1838960" y="3834765"/>
-            <a:ext cx="6790690" cy="460375"/>
-            <a:chOff x="2896" y="2388"/>
-            <a:chExt cx="10694" cy="725"/>
-          </a:xfrm>
-        </p:grpSpPr>
-        <p:sp>
-          <p:nvSpPr>
-            <p:cNvPr id="21" name="文本框 20"/>
-            <p:cNvSpPr txBox="1"/>
-            <p:nvPr/>
-          </p:nvSpPr>
-          <p:spPr>
-            <a:xfrm>
-              <a:off x="3648" y="2388"/>
-              <a:ext cx="9942" cy="725"/>
-            </a:xfrm>
-            <a:prstGeom prst="rect">
-              <a:avLst/>
-            </a:prstGeom>
-            <a:noFill/>
-          </p:spPr>
-          <p:txBody>
-            <a:bodyPr wrap="square" rtlCol="0" anchor="t">
-              <a:spAutoFit/>
-            </a:bodyPr>
-            <a:lstStyle/>
-            <a:p>
-              <a:r>
-                <a:rPr lang="en-US" altLang="zh-CN" sz="2400"/>
-                <a:t>Ohter </a:t>
-              </a:r>
-              <a:r>
-                <a:rPr lang="zh-CN" altLang="en-US" sz="2400"/>
-                <a:t>books </a:t>
-              </a:r>
-              <a:r>
-                <a:rPr lang="zh-CN" altLang="en-US" sz="2400">
-                  <a:sym typeface="+mn-ea"/>
-                </a:rPr>
-                <a:t>quite difficult to learn</a:t>
-              </a:r>
-              <a:r>
-                <a:rPr lang="zh-CN" altLang="en-US" sz="2400"/>
-                <a:t> </a:t>
-              </a:r>
-            </a:p>
-          </p:txBody>
-        </p:sp>
-        <p:grpSp>
-          <p:nvGrpSpPr>
-            <p:cNvPr id="22" name="组合 21"/>
-            <p:cNvGrpSpPr/>
-            <p:nvPr/>
-          </p:nvGrpSpPr>
-          <p:grpSpPr>
-            <a:xfrm>
-              <a:off x="2896" y="2495"/>
-              <a:ext cx="522" cy="510"/>
-              <a:chOff x="3085" y="2274"/>
-              <a:chExt cx="522" cy="510"/>
-            </a:xfrm>
-          </p:grpSpPr>
-          <p:sp>
-            <p:nvSpPr>
-              <p:cNvPr id="23" name="椭圆 22"/>
-              <p:cNvSpPr/>
-              <p:nvPr/>
-            </p:nvSpPr>
-            <p:spPr>
-              <a:xfrm>
-                <a:off x="3202" y="2387"/>
-                <a:ext cx="288" cy="286"/>
-              </a:xfrm>
-              <a:prstGeom prst="ellipse">
-                <a:avLst/>
-              </a:prstGeom>
-              <a:solidFill>
-                <a:srgbClr val="00B050"/>
-              </a:solidFill>
-              <a:ln>
-                <a:noFill/>
-              </a:ln>
-            </p:spPr>
-            <p:style>
-              <a:lnRef idx="2">
-                <a:schemeClr val="accent1">
-                  <a:shade val="50000"/>
-                </a:schemeClr>
-              </a:lnRef>
-              <a:fillRef idx="1">
-                <a:schemeClr val="accent1"/>
-              </a:fillRef>
-              <a:effectRef idx="0">
-                <a:schemeClr val="accent1"/>
-              </a:effectRef>
-              <a:fontRef idx="minor">
-                <a:schemeClr val="lt1"/>
-              </a:fontRef>
-            </p:style>
-            <p:txBody>
-              <a:bodyPr rtlCol="0" anchor="ctr"/>
-              <a:lstStyle/>
-              <a:p>
-                <a:pPr algn="ctr"/>
-                <a:endParaRPr lang="zh-CN" altLang="en-US"/>
-              </a:p>
-            </p:txBody>
-          </p:sp>
-          <p:sp>
-            <p:nvSpPr>
-              <p:cNvPr id="24" name="椭圆 23"/>
-              <p:cNvSpPr/>
-              <p:nvPr/>
-            </p:nvSpPr>
-            <p:spPr>
-              <a:xfrm>
-                <a:off x="3085" y="2274"/>
-                <a:ext cx="523" cy="511"/>
-              </a:xfrm>
-              <a:prstGeom prst="ellipse">
-                <a:avLst/>
-              </a:prstGeom>
-              <a:noFill/>
-              <a:ln w="47625" cmpd="sng">
-                <a:solidFill>
-                  <a:srgbClr val="00B050"/>
-                </a:solidFill>
-                <a:prstDash val="solid"/>
-              </a:ln>
-            </p:spPr>
-            <p:style>
-              <a:lnRef idx="2">
-                <a:schemeClr val="accent1">
-                  <a:shade val="50000"/>
-                </a:schemeClr>
-              </a:lnRef>
-              <a:fillRef idx="1">
-                <a:schemeClr val="accent1"/>
-              </a:fillRef>
-              <a:effectRef idx="0">
-                <a:schemeClr val="accent1"/>
-              </a:effectRef>
-              <a:fontRef idx="minor">
-                <a:schemeClr val="lt1"/>
-              </a:fontRef>
-            </p:style>
-            <p:txBody>
-              <a:bodyPr rtlCol="0" anchor="ctr"/>
-              <a:lstStyle/>
-              <a:p>
-                <a:pPr algn="ctr"/>
-                <a:endParaRPr lang="zh-CN" altLang="en-US"/>
-              </a:p>
-            </p:txBody>
-          </p:sp>
-        </p:grpSp>
-      </p:grpSp>
-      <p:grpSp>
-        <p:nvGrpSpPr>
-          <p:cNvPr id="25" name="组合 24"/>
-          <p:cNvGrpSpPr/>
-          <p:nvPr/>
-        </p:nvGrpSpPr>
-        <p:grpSpPr>
-          <a:xfrm>
-            <a:off x="2519045" y="4370070"/>
-            <a:ext cx="4446905" cy="368300"/>
-            <a:chOff x="3145" y="7989"/>
-            <a:chExt cx="7003" cy="580"/>
-          </a:xfrm>
-        </p:grpSpPr>
-        <p:sp>
-          <p:nvSpPr>
-            <p:cNvPr id="26" name="矩形 25"/>
-            <p:cNvSpPr/>
-            <p:nvPr/>
-          </p:nvSpPr>
-          <p:spPr>
-            <a:xfrm>
-              <a:off x="3145" y="8104"/>
-              <a:ext cx="354" cy="350"/>
-            </a:xfrm>
-            <a:prstGeom prst="rect">
-              <a:avLst/>
-            </a:prstGeom>
-            <a:solidFill>
-              <a:srgbClr val="FFC000"/>
-            </a:solidFill>
-            <a:ln>
-              <a:noFill/>
-            </a:ln>
-          </p:spPr>
-          <p:style>
-            <a:lnRef idx="2">
-              <a:schemeClr val="accent1">
-                <a:shade val="50000"/>
-              </a:schemeClr>
-            </a:lnRef>
-            <a:fillRef idx="1">
-              <a:schemeClr val="accent1"/>
-            </a:fillRef>
-            <a:effectRef idx="0">
-              <a:schemeClr val="accent1"/>
-            </a:effectRef>
-            <a:fontRef idx="minor">
-              <a:schemeClr val="lt1"/>
-            </a:fontRef>
-          </p:style>
-          <p:txBody>
-            <a:bodyPr rtlCol="0" anchor="ctr"/>
-            <a:lstStyle/>
-            <a:p>
-              <a:pPr algn="ctr"/>
-              <a:endParaRPr lang="zh-CN" altLang="en-US"/>
-            </a:p>
-          </p:txBody>
-        </p:sp>
-        <p:sp>
-          <p:nvSpPr>
-            <p:cNvPr id="30" name="文本框 29"/>
-            <p:cNvSpPr txBox="1"/>
-            <p:nvPr/>
-          </p:nvSpPr>
-          <p:spPr>
-            <a:xfrm>
-              <a:off x="3606" y="7989"/>
-              <a:ext cx="6542" cy="580"/>
-            </a:xfrm>
-            <a:prstGeom prst="rect">
-              <a:avLst/>
-            </a:prstGeom>
-            <a:noFill/>
-          </p:spPr>
-          <p:txBody>
-            <a:bodyPr wrap="none" rtlCol="0" anchor="t">
-              <a:spAutoFit/>
-            </a:bodyPr>
-            <a:lstStyle/>
-            <a:p>
-              <a:pPr algn="l"/>
-              <a:r>
-                <a:rPr lang="en-US" altLang="zh-CN">
-                  <a:sym typeface="+mn-ea"/>
-                </a:rPr>
-                <a:t>n</a:t>
+                <a:t>    </a:t>
               </a:r>
               <a:r>
                 <a:rPr lang="zh-CN" altLang="en-US">
                   <a:sym typeface="+mn-ea"/>
                 </a:rPr>
-                <a:t>otation is introduced without explanation</a:t>
+                <a:t>Subscript k indicates the time step</a:t>
               </a:r>
+              <a:endParaRPr lang="zh-CN" altLang="en-US">
+                <a:sym typeface="+mn-ea"/>
+              </a:endParaRPr>
             </a:p>
           </p:txBody>
         </p:sp>
@@ -19550,10 +18677,10 @@
         </p:nvGrpSpPr>
         <p:grpSpPr>
           <a:xfrm>
-            <a:off x="2519045" y="4931410"/>
-            <a:ext cx="5825490" cy="368300"/>
+            <a:off x="2353945" y="2002155"/>
+            <a:ext cx="3771265" cy="368300"/>
             <a:chOff x="3145" y="7989"/>
-            <a:chExt cx="9174" cy="580"/>
+            <a:chExt cx="5939" cy="580"/>
           </a:xfrm>
         </p:grpSpPr>
         <p:sp>
@@ -19611,7 +18738,7 @@
           <p:spPr>
             <a:xfrm>
               <a:off x="3606" y="7989"/>
-              <a:ext cx="8713" cy="580"/>
+              <a:ext cx="5478" cy="580"/>
             </a:xfrm>
             <a:prstGeom prst="rect">
               <a:avLst/>
@@ -19626,11 +18753,26 @@
             <a:p>
               <a:pPr algn="l"/>
               <a:r>
-                <a:rPr>
+                <a:rPr lang="zh-CN" altLang="en-US">
                   <a:sym typeface="+mn-ea"/>
                 </a:rPr>
-                <a:t>books are almost devoid of examples or worked problems</a:t>
+                <a:t>Measurement is typically denoted </a:t>
               </a:r>
+              <a:r>
+                <a:rPr lang="zh-CN" altLang="en-US">
+                  <a:solidFill>
+                    <a:srgbClr val="FF0000"/>
+                  </a:solidFill>
+                  <a:sym typeface="+mn-ea"/>
+                </a:rPr>
+                <a:t>z</a:t>
+              </a:r>
+              <a:endParaRPr lang="zh-CN" altLang="en-US">
+                <a:solidFill>
+                  <a:srgbClr val="FF0000"/>
+                </a:solidFill>
+                <a:sym typeface="+mn-ea"/>
+              </a:endParaRPr>
             </a:p>
           </p:txBody>
         </p:sp>
@@ -19643,10 +18785,10 @@
         </p:nvGrpSpPr>
         <p:grpSpPr>
           <a:xfrm>
-            <a:off x="2519045" y="5464810"/>
-            <a:ext cx="9139555" cy="645160"/>
+            <a:off x="2353945" y="2928620"/>
+            <a:ext cx="4058285" cy="368300"/>
             <a:chOff x="3145" y="7989"/>
-            <a:chExt cx="14393" cy="1016"/>
+            <a:chExt cx="6391" cy="580"/>
           </a:xfrm>
         </p:grpSpPr>
         <p:sp>
@@ -19704,7 +18846,124 @@
           <p:spPr>
             <a:xfrm>
               <a:off x="3606" y="7989"/>
-              <a:ext cx="13932" cy="1016"/>
+              <a:ext cx="5930" cy="580"/>
+            </a:xfrm>
+            <a:prstGeom prst="rect">
+              <a:avLst/>
+            </a:prstGeom>
+            <a:noFill/>
+          </p:spPr>
+          <p:txBody>
+            <a:bodyPr wrap="none" rtlCol="0" anchor="t">
+              <a:spAutoFit/>
+            </a:bodyPr>
+            <a:lstStyle/>
+            <a:p>
+              <a:pPr algn="l"/>
+              <a:r>
+                <a:rPr lang="zh-CN" altLang="en-US">
+                  <a:solidFill>
+                    <a:schemeClr val="accent6"/>
+                  </a:solidFill>
+                  <a:sym typeface="+mn-ea"/>
+                </a:rPr>
+                <a:t>A bold font denotes a </a:t>
+              </a:r>
+              <a:r>
+                <a:rPr lang="zh-CN" altLang="en-US">
+                  <a:solidFill>
+                    <a:srgbClr val="FF0000"/>
+                  </a:solidFill>
+                  <a:sym typeface="+mn-ea"/>
+                </a:rPr>
+                <a:t>vector</a:t>
+              </a:r>
+              <a:r>
+                <a:rPr lang="zh-CN" altLang="en-US">
+                  <a:solidFill>
+                    <a:schemeClr val="accent6"/>
+                  </a:solidFill>
+                  <a:sym typeface="+mn-ea"/>
+                </a:rPr>
+                <a:t> or matrix </a:t>
+              </a:r>
+              <a:endParaRPr lang="zh-CN" altLang="en-US">
+                <a:sym typeface="+mn-ea"/>
+              </a:endParaRPr>
+            </a:p>
+          </p:txBody>
+        </p:sp>
+      </p:grpSp>
+      <p:grpSp>
+        <p:nvGrpSpPr>
+          <p:cNvPr id="42" name="组合 41"/>
+          <p:cNvGrpSpPr/>
+          <p:nvPr/>
+        </p:nvGrpSpPr>
+        <p:grpSpPr>
+          <a:xfrm>
+            <a:off x="2353945" y="3374390"/>
+            <a:ext cx="1935480" cy="368300"/>
+            <a:chOff x="3145" y="7989"/>
+            <a:chExt cx="3048" cy="580"/>
+          </a:xfrm>
+        </p:grpSpPr>
+        <p:sp>
+          <p:nvSpPr>
+            <p:cNvPr id="43" name="矩形 42"/>
+            <p:cNvSpPr/>
+            <p:nvPr/>
+          </p:nvSpPr>
+          <p:spPr>
+            <a:xfrm>
+              <a:off x="3145" y="8104"/>
+              <a:ext cx="354" cy="350"/>
+            </a:xfrm>
+            <a:prstGeom prst="rect">
+              <a:avLst/>
+            </a:prstGeom>
+            <a:solidFill>
+              <a:srgbClr val="FFC000"/>
+            </a:solidFill>
+            <a:ln>
+              <a:noFill/>
+            </a:ln>
+          </p:spPr>
+          <p:style>
+            <a:lnRef idx="2">
+              <a:schemeClr val="accent1">
+                <a:shade val="50000"/>
+              </a:schemeClr>
+            </a:lnRef>
+            <a:fillRef idx="1">
+              <a:schemeClr val="accent1"/>
+            </a:fillRef>
+            <a:effectRef idx="0">
+              <a:schemeClr val="accent1"/>
+            </a:effectRef>
+            <a:fontRef idx="minor">
+              <a:schemeClr val="lt1"/>
+            </a:fontRef>
+          </p:style>
+          <p:txBody>
+            <a:bodyPr rtlCol="0" anchor="ctr"/>
+            <a:lstStyle/>
+            <a:p>
+              <a:pPr algn="ctr"/>
+              <a:endParaRPr lang="zh-CN" altLang="en-US"/>
+            </a:p>
+          </p:txBody>
+        </p:sp>
+        <p:sp>
+          <p:nvSpPr>
+            <p:cNvPr id="44" name="文本框 43"/>
+            <p:cNvSpPr txBox="1"/>
+            <p:nvPr/>
+          </p:nvSpPr>
+          <p:spPr>
+            <a:xfrm>
+              <a:off x="3606" y="7989"/>
+              <a:ext cx="2587" cy="580"/>
             </a:xfrm>
             <a:prstGeom prst="rect">
               <a:avLst/>
@@ -19722,247 +18981,223 @@
                 <a:rPr lang="zh-CN" altLang="en-US">
                   <a:sym typeface="+mn-ea"/>
                 </a:rPr>
-                <a:t>no idea as to what real world phenomena these words and math were attempting to describe</a:t>
+                <a:t>x denotes state </a:t>
               </a:r>
-              <a:endParaRPr lang="zh-CN" altLang="en-US"/>
-            </a:p>
-            <a:p>
-              <a:pPr algn="l"/>
-              <a:endParaRPr>
+              <a:endParaRPr lang="zh-CN" altLang="en-US">
                 <a:sym typeface="+mn-ea"/>
               </a:endParaRPr>
             </a:p>
           </p:txBody>
         </p:sp>
       </p:grpSp>
-    </p:spTree>
-  </p:cSld>
-  <p:clrMapOvr>
-    <a:masterClrMapping/>
-  </p:clrMapOvr>
-</p:sld>
-</file>
-
-<file path=ppt/slides/slide9.xml><?xml version="1.0" encoding="utf-8"?>
-<p:sld xmlns:a="http://schemas.openxmlformats.org/drawingml/2006/main" xmlns:r="http://schemas.openxmlformats.org/officeDocument/2006/relationships" xmlns:p="http://schemas.openxmlformats.org/presentationml/2006/main">
-  <p:cSld>
-    <p:spTree>
-      <p:nvGrpSpPr>
-        <p:cNvPr id="1" name=""/>
-        <p:cNvGrpSpPr/>
-        <p:nvPr/>
-      </p:nvGrpSpPr>
-      <p:grpSpPr>
-        <a:xfrm>
-          <a:off x="0" y="0"/>
-          <a:ext cx="0" cy="0"/>
-          <a:chOff x="0" y="0"/>
-          <a:chExt cx="0" cy="0"/>
-        </a:xfrm>
-      </p:grpSpPr>
-      <p:cxnSp>
-        <p:nvCxnSpPr>
-          <p:cNvPr id="4" name="直接连接符 3"/>
-          <p:cNvCxnSpPr/>
+      <p:graphicFrame>
+        <p:nvGraphicFramePr>
+          <p:cNvPr id="9" name="对象 8">
+            <a:hlinkClick r:id="" action="ppaction://ole?verb=0"/>
+          </p:cNvPr>
+          <p:cNvGraphicFramePr>
+            <a:graphicFrameLocks noChangeAspect="1"/>
+          </p:cNvGraphicFramePr>
           <p:nvPr/>
-        </p:nvCxnSpPr>
-        <p:spPr>
-          <a:xfrm>
-            <a:off x="3810" y="3431540"/>
-            <a:ext cx="2071370" cy="11430"/>
-          </a:xfrm>
-          <a:prstGeom prst="line">
-            <a:avLst/>
-          </a:prstGeom>
-          <a:ln w="22225" cmpd="sng">
-            <a:solidFill>
-              <a:schemeClr val="bg2"/>
-            </a:solidFill>
-            <a:prstDash val="solid"/>
-          </a:ln>
-        </p:spPr>
-        <p:style>
-          <a:lnRef idx="1">
-            <a:schemeClr val="accent3"/>
-          </a:lnRef>
-          <a:fillRef idx="0">
-            <a:schemeClr val="accent3"/>
-          </a:fillRef>
-          <a:effectRef idx="0">
-            <a:schemeClr val="accent3"/>
-          </a:effectRef>
-          <a:fontRef idx="minor">
-            <a:schemeClr val="tx1"/>
-          </a:fontRef>
-        </p:style>
-      </p:cxnSp>
-      <p:sp>
-        <p:nvSpPr>
-          <p:cNvPr id="7" name="文本框 6"/>
-          <p:cNvSpPr txBox="1"/>
+        </p:nvGraphicFramePr>
+        <p:xfrm>
+          <a:off x="2722880" y="2549525"/>
+          <a:ext cx="203200" cy="228600"/>
+        </p:xfrm>
+        <a:graphic>
+          <a:graphicData uri="http://schemas.openxmlformats.org/presentationml/2006/ole">
+            <mc:AlternateContent xmlns:mc="http://schemas.openxmlformats.org/markup-compatibility/2006">
+              <mc:Choice xmlns:v="urn:schemas-microsoft-com:vml" Requires="v">
+                <p:oleObj spid="_x0000_s1032" name="" r:id="rId1" imgW="203200" imgH="228600" progId="Equation.KSEE3">
+                  <p:embed/>
+                </p:oleObj>
+              </mc:Choice>
+              <mc:Fallback>
+                <p:oleObj name="" r:id="rId1" imgW="203200" imgH="228600" progId="Equation.KSEE3">
+                  <p:embed/>
+                  <p:pic>
+                    <p:nvPicPr>
+                      <p:cNvPr id="0" name="图片 1026"/>
+                      <p:cNvPicPr/>
+                      <p:nvPr/>
+                    </p:nvPicPr>
+                    <p:blipFill>
+                      <a:blip r:embed="rId2"/>
+                      <a:stretch>
+                        <a:fillRect/>
+                      </a:stretch>
+                    </p:blipFill>
+                    <p:spPr>
+                      <a:xfrm>
+                        <a:off x="2722880" y="2549525"/>
+                        <a:ext cx="203200" cy="228600"/>
+                      </a:xfrm>
+                      <a:prstGeom prst="rect">
+                        <a:avLst/>
+                      </a:prstGeom>
+                    </p:spPr>
+                  </p:pic>
+                </p:oleObj>
+              </mc:Fallback>
+            </mc:AlternateContent>
+          </a:graphicData>
+        </a:graphic>
+      </p:graphicFrame>
+      <p:grpSp>
+        <p:nvGrpSpPr>
+          <p:cNvPr id="27" name="组合 26"/>
+          <p:cNvGrpSpPr/>
           <p:nvPr/>
-        </p:nvSpPr>
-        <p:spPr>
-          <a:xfrm>
-            <a:off x="2342515" y="2683510"/>
-            <a:ext cx="2708275" cy="3415030"/>
-          </a:xfrm>
-          <a:prstGeom prst="rect">
-            <a:avLst/>
-          </a:prstGeom>
-          <a:noFill/>
-        </p:spPr>
-        <p:txBody>
-          <a:bodyPr wrap="none" rtlCol="0" anchor="t">
-            <a:spAutoFit/>
-          </a:bodyPr>
-          <a:lstStyle/>
-          <a:p>
-            <a:pPr algn="l"/>
-            <a:r>
-              <a:rPr lang="en-US" altLang="zh-CN" sz="5400" b="1">
-                <a:sym typeface="+mn-ea"/>
-              </a:rPr>
-              <a:t>Notation</a:t>
-            </a:r>
-            <a:endParaRPr lang="en-US" altLang="zh-CN" sz="5400"/>
-          </a:p>
-          <a:p>
-            <a:pPr algn="l"/>
-            <a:endParaRPr lang="zh-CN" altLang="en-US" sz="5400"/>
-          </a:p>
-          <a:p>
-            <a:pPr algn="l"/>
-            <a:endParaRPr lang="zh-CN" altLang="en-US" sz="5400" b="1">
-              <a:sym typeface="+mn-ea"/>
-            </a:endParaRPr>
-          </a:p>
-          <a:p>
-            <a:endParaRPr lang="zh-CN" altLang="en-US" sz="5400" b="1">
-              <a:sym typeface="+mn-ea"/>
-            </a:endParaRPr>
-          </a:p>
-        </p:txBody>
-      </p:sp>
-      <p:cxnSp>
-        <p:nvCxnSpPr>
-          <p:cNvPr id="8" name="直接连接符 7"/>
-          <p:cNvCxnSpPr/>
-          <p:nvPr/>
-        </p:nvCxnSpPr>
-        <p:spPr>
-          <a:xfrm>
-            <a:off x="10449560" y="3433445"/>
-            <a:ext cx="1744980" cy="1905"/>
-          </a:xfrm>
-          <a:prstGeom prst="line">
-            <a:avLst/>
-          </a:prstGeom>
-          <a:ln w="22225" cmpd="sng">
-            <a:solidFill>
-              <a:schemeClr val="bg2"/>
-            </a:solidFill>
-            <a:prstDash val="solid"/>
-          </a:ln>
-        </p:spPr>
-        <p:style>
-          <a:lnRef idx="1">
-            <a:schemeClr val="accent3"/>
-          </a:lnRef>
-          <a:fillRef idx="0">
-            <a:schemeClr val="accent3"/>
-          </a:fillRef>
-          <a:effectRef idx="0">
-            <a:schemeClr val="accent3"/>
-          </a:effectRef>
-          <a:fontRef idx="minor">
-            <a:schemeClr val="tx1"/>
-          </a:fontRef>
-        </p:style>
-      </p:cxnSp>
-      <p:sp>
-        <p:nvSpPr>
-          <p:cNvPr id="9" name="文本框 8"/>
-          <p:cNvSpPr txBox="1"/>
-          <p:nvPr/>
-        </p:nvSpPr>
-        <p:spPr>
-          <a:xfrm>
-            <a:off x="2324100" y="3435350"/>
-            <a:ext cx="2938780" cy="922020"/>
-          </a:xfrm>
-          <a:prstGeom prst="rect">
-            <a:avLst/>
-          </a:prstGeom>
-          <a:noFill/>
-        </p:spPr>
-        <p:txBody>
-          <a:bodyPr wrap="none" rtlCol="0" anchor="t">
-            <a:spAutoFit/>
-          </a:bodyPr>
-          <a:lstStyle/>
-          <a:p>
-            <a:r>
-              <a:rPr lang="zh-CN" altLang="en-US" sz="5400" b="1">
-                <a:sym typeface="+mn-ea"/>
-              </a:rPr>
-              <a:t>符号表示</a:t>
-            </a:r>
-          </a:p>
-        </p:txBody>
-      </p:sp>
-      <p:sp>
-        <p:nvSpPr>
-          <p:cNvPr id="11" name="椭圆 10"/>
-          <p:cNvSpPr/>
-          <p:nvPr/>
-        </p:nvSpPr>
-        <p:spPr>
-          <a:xfrm>
-            <a:off x="615315" y="3020060"/>
-            <a:ext cx="848360" cy="817880"/>
-          </a:xfrm>
-          <a:prstGeom prst="ellipse">
-            <a:avLst/>
-          </a:prstGeom>
-          <a:solidFill>
-            <a:srgbClr val="7030A0"/>
-          </a:solidFill>
-          <a:ln>
+        </p:nvGrpSpPr>
+        <p:grpSpPr>
+          <a:xfrm>
+            <a:off x="1683385" y="3931920"/>
+            <a:ext cx="8422005" cy="829945"/>
+            <a:chOff x="2896" y="2388"/>
+            <a:chExt cx="13263" cy="1307"/>
+          </a:xfrm>
+        </p:grpSpPr>
+        <p:sp>
+          <p:nvSpPr>
+            <p:cNvPr id="28" name="文本框 27"/>
+            <p:cNvSpPr txBox="1"/>
+            <p:nvPr/>
+          </p:nvSpPr>
+          <p:spPr>
+            <a:xfrm>
+              <a:off x="3648" y="2388"/>
+              <a:ext cx="12511" cy="1307"/>
+            </a:xfrm>
+            <a:prstGeom prst="rect">
+              <a:avLst/>
+            </a:prstGeom>
             <a:noFill/>
-          </a:ln>
-        </p:spPr>
-        <p:style>
-          <a:lnRef idx="2">
-            <a:schemeClr val="accent1">
-              <a:shade val="50000"/>
-            </a:schemeClr>
-          </a:lnRef>
-          <a:fillRef idx="1">
-            <a:schemeClr val="accent1"/>
-          </a:fillRef>
-          <a:effectRef idx="0">
-            <a:schemeClr val="accent1"/>
-          </a:effectRef>
-          <a:fontRef idx="minor">
-            <a:schemeClr val="lt1"/>
-          </a:fontRef>
-        </p:style>
-        <p:txBody>
-          <a:bodyPr rtlCol="0" anchor="ctr"/>
-          <a:lstStyle/>
-          <a:p>
-            <a:pPr algn="ctr"/>
-            <a:r>
-              <a:rPr lang="en-US" altLang="zh-CN" sz="4800">
-                <a:latin typeface="微软雅黑" panose="020B0503020204020204" charset="-122"/>
-                <a:ea typeface="微软雅黑" panose="020B0503020204020204" charset="-122"/>
-              </a:rPr>
-              <a:t>9</a:t>
-            </a:r>
-          </a:p>
-        </p:txBody>
-      </p:sp>
+          </p:spPr>
+          <p:txBody>
+            <a:bodyPr wrap="square" rtlCol="0" anchor="t">
+              <a:spAutoFit/>
+            </a:bodyPr>
+            <a:lstStyle/>
+            <a:p>
+              <a:r>
+                <a:rPr lang="zh-CN" altLang="en-US" sz="2400">
+                  <a:sym typeface="+mn-ea"/>
+                </a:rPr>
+                <a:t>For our scale example, it represents both the initial weight and initial weight gain rate, like so:</a:t>
+              </a:r>
+              <a:endParaRPr lang="zh-CN" altLang="en-US" sz="2400"/>
+            </a:p>
+          </p:txBody>
+        </p:sp>
+        <p:grpSp>
+          <p:nvGrpSpPr>
+            <p:cNvPr id="29" name="组合 28"/>
+            <p:cNvGrpSpPr/>
+            <p:nvPr/>
+          </p:nvGrpSpPr>
+          <p:grpSpPr>
+            <a:xfrm>
+              <a:off x="2896" y="2495"/>
+              <a:ext cx="522" cy="510"/>
+              <a:chOff x="3085" y="2274"/>
+              <a:chExt cx="522" cy="510"/>
+            </a:xfrm>
+          </p:grpSpPr>
+          <p:sp>
+            <p:nvSpPr>
+              <p:cNvPr id="30" name="椭圆 29"/>
+              <p:cNvSpPr/>
+              <p:nvPr/>
+            </p:nvSpPr>
+            <p:spPr>
+              <a:xfrm>
+                <a:off x="3202" y="2387"/>
+                <a:ext cx="288" cy="286"/>
+              </a:xfrm>
+              <a:prstGeom prst="ellipse">
+                <a:avLst/>
+              </a:prstGeom>
+              <a:solidFill>
+                <a:srgbClr val="7030A0"/>
+              </a:solidFill>
+              <a:ln>
+                <a:noFill/>
+              </a:ln>
+            </p:spPr>
+            <p:style>
+              <a:lnRef idx="2">
+                <a:schemeClr val="accent1">
+                  <a:shade val="50000"/>
+                </a:schemeClr>
+              </a:lnRef>
+              <a:fillRef idx="1">
+                <a:schemeClr val="accent1"/>
+              </a:fillRef>
+              <a:effectRef idx="0">
+                <a:schemeClr val="accent1"/>
+              </a:effectRef>
+              <a:fontRef idx="minor">
+                <a:schemeClr val="lt1"/>
+              </a:fontRef>
+            </p:style>
+            <p:txBody>
+              <a:bodyPr rtlCol="0" anchor="ctr"/>
+              <a:lstStyle/>
+              <a:p>
+                <a:pPr algn="ctr"/>
+                <a:endParaRPr lang="zh-CN" altLang="en-US"/>
+              </a:p>
+            </p:txBody>
+          </p:sp>
+          <p:sp>
+            <p:nvSpPr>
+              <p:cNvPr id="37" name="椭圆 36"/>
+              <p:cNvSpPr/>
+              <p:nvPr/>
+            </p:nvSpPr>
+            <p:spPr>
+              <a:xfrm>
+                <a:off x="3085" y="2274"/>
+                <a:ext cx="523" cy="511"/>
+              </a:xfrm>
+              <a:prstGeom prst="ellipse">
+                <a:avLst/>
+              </a:prstGeom>
+              <a:noFill/>
+              <a:ln w="47625" cmpd="sng">
+                <a:solidFill>
+                  <a:srgbClr val="7030A0"/>
+                </a:solidFill>
+                <a:prstDash val="solid"/>
+              </a:ln>
+            </p:spPr>
+            <p:style>
+              <a:lnRef idx="2">
+                <a:schemeClr val="accent1">
+                  <a:shade val="50000"/>
+                </a:schemeClr>
+              </a:lnRef>
+              <a:fillRef idx="1">
+                <a:schemeClr val="accent1"/>
+              </a:fillRef>
+              <a:effectRef idx="0">
+                <a:schemeClr val="accent1"/>
+              </a:effectRef>
+              <a:fontRef idx="minor">
+                <a:schemeClr val="lt1"/>
+              </a:fontRef>
+            </p:style>
+            <p:txBody>
+              <a:bodyPr rtlCol="0" anchor="ctr"/>
+              <a:lstStyle/>
+              <a:p>
+                <a:pPr algn="ctr"/>
+                <a:endParaRPr lang="zh-CN" altLang="en-US"/>
+              </a:p>
+            </p:txBody>
+          </p:sp>
+        </p:grpSp>
+      </p:grpSp>
     </p:spTree>
   </p:cSld>
   <p:clrMapOvr>
@@ -20222,8 +19457,6 @@
       </a:bgFillStyleLst>
     </a:fmtScheme>
   </a:themeElements>
-  <a:objectDefaults/>
-  <a:extraClrSchemeLst/>
   <a:extLst>
     <a:ext uri="{05A4C25C-085E-4340-85A3-A5531E510DB2}">
       <thm15:themeFamily xmlns:thm15="http://schemas.microsoft.com/office/thememl/2012/main" name="Office Theme" id="{62F939B6-93AF-4DB8-9C6B-D6C7DFDC589F}" vid="{4A3C46E8-61CC-4603-A589-7422A47A8E4A}"/>

--- a/docs/pptx/Kalman and Bayesian Filters/02-g-h-filter.pptx
+++ b/docs/pptx/Kalman and Bayesian Filters/02-g-h-filter.pptx
@@ -18155,7 +18155,7 @@
             <a:avLst/>
           </a:prstGeom>
           <a:solidFill>
-            <a:srgbClr val="7030A0"/>
+            <a:srgbClr val="00B050"/>
           </a:solidFill>
           <a:ln>
             <a:noFill/>
@@ -18336,7 +18336,7 @@
                 <a:avLst/>
               </a:prstGeom>
               <a:solidFill>
-                <a:srgbClr val="7030A0"/>
+                <a:srgbClr val="00B050"/>
               </a:solidFill>
               <a:ln>
                 <a:noFill/>
@@ -18487,7 +18487,7 @@
                 <a:avLst/>
               </a:prstGeom>
               <a:solidFill>
-                <a:srgbClr val="7030A0"/>
+                <a:srgbClr val="00B050"/>
               </a:solidFill>
               <a:ln>
                 <a:noFill/>
@@ -18535,7 +18535,7 @@
               <a:noFill/>
               <a:ln w="47625" cmpd="sng">
                 <a:solidFill>
-                  <a:srgbClr val="7030A0"/>
+                  <a:srgbClr val="00B050"/>
                 </a:solidFill>
                 <a:prstDash val="solid"/>
               </a:ln>
@@ -18979,9 +18979,18 @@
               <a:pPr algn="l"/>
               <a:r>
                 <a:rPr lang="zh-CN" altLang="en-US">
+                  <a:solidFill>
+                    <a:srgbClr val="FF0000"/>
+                  </a:solidFill>
                   <a:sym typeface="+mn-ea"/>
                 </a:rPr>
-                <a:t>x denotes state </a:t>
+                <a:t>x</a:t>
+              </a:r>
+              <a:r>
+                <a:rPr lang="zh-CN" altLang="en-US">
+                  <a:sym typeface="+mn-ea"/>
+                </a:rPr>
+                <a:t> denotes state </a:t>
               </a:r>
               <a:endParaRPr lang="zh-CN" altLang="en-US">
                 <a:sym typeface="+mn-ea"/>
@@ -19118,7 +19127,7 @@
                 <a:avLst/>
               </a:prstGeom>
               <a:solidFill>
-                <a:srgbClr val="7030A0"/>
+                <a:srgbClr val="00B050"/>
               </a:solidFill>
               <a:ln>
                 <a:noFill/>
@@ -19166,7 +19175,7 @@
               <a:noFill/>
               <a:ln w="47625" cmpd="sng">
                 <a:solidFill>
-                  <a:srgbClr val="7030A0"/>
+                  <a:srgbClr val="00B050"/>
                 </a:solidFill>
                 <a:prstDash val="solid"/>
               </a:ln>
